--- a/Big Data Analytics.pptx
+++ b/Big Data Analytics.pptx
@@ -4119,7 +4119,7 @@
         </p:nvSpPr>
         <p:spPr>
           <a:xfrm>
-            <a:off x="12469125" y="5331461"/>
+            <a:off x="22224885" y="5671613"/>
             <a:ext cx="9222475" cy="6047739"/>
           </a:xfrm>
           <a:prstGeom prst="rect">
@@ -4167,8 +4167,8 @@
         </p:nvSpPr>
         <p:spPr>
           <a:xfrm>
-            <a:off x="12469125" y="12039600"/>
-            <a:ext cx="9222475" cy="18962798"/>
+            <a:off x="12442645" y="5671612"/>
+            <a:ext cx="9222475" cy="26380513"/>
           </a:xfrm>
           <a:prstGeom prst="rect">
             <a:avLst/>
@@ -4411,264 +4411,9 @@
             </a:r>
             <a:r>
               <a:rPr lang="en-US" sz="3000" dirty="0" smtClean="0"/>
-              <a:t>. </a:t>
-            </a:r>
-            <a:r>
-              <a:rPr lang="en-US" sz="3000" dirty="0" err="1" smtClean="0"/>
-              <a:t>Vivamus</a:t>
-            </a:r>
-            <a:r>
-              <a:rPr lang="en-US" sz="3000" dirty="0" smtClean="0"/>
-              <a:t> </a:t>
-            </a:r>
-            <a:r>
-              <a:rPr lang="en-US" sz="3000" dirty="0" err="1" smtClean="0"/>
-              <a:t>interdum</a:t>
-            </a:r>
-            <a:r>
-              <a:rPr lang="en-US" sz="3000" dirty="0" smtClean="0"/>
-              <a:t> magna </a:t>
-            </a:r>
-            <a:r>
-              <a:rPr lang="en-US" sz="3000" dirty="0" err="1" smtClean="0"/>
-              <a:t>quis</a:t>
-            </a:r>
-            <a:r>
-              <a:rPr lang="en-US" sz="3000" dirty="0" smtClean="0"/>
-              <a:t> </a:t>
-            </a:r>
-            <a:r>
-              <a:rPr lang="en-US" sz="3000" dirty="0" err="1" smtClean="0"/>
-              <a:t>mauris</a:t>
-            </a:r>
-            <a:r>
-              <a:rPr lang="en-US" sz="3000" dirty="0" smtClean="0"/>
-              <a:t> </a:t>
-            </a:r>
-            <a:r>
-              <a:rPr lang="en-US" sz="3000" dirty="0" err="1" smtClean="0"/>
-              <a:t>facilisis</a:t>
-            </a:r>
-            <a:r>
-              <a:rPr lang="en-US" sz="3000" dirty="0" smtClean="0"/>
-              <a:t> </a:t>
-            </a:r>
-            <a:r>
-              <a:rPr lang="en-US" sz="3000" dirty="0" err="1" smtClean="0"/>
-              <a:t>ornare</a:t>
-            </a:r>
-            <a:r>
-              <a:rPr lang="en-US" sz="3000" dirty="0" smtClean="0"/>
-              <a:t>. Nunc </a:t>
-            </a:r>
-            <a:r>
-              <a:rPr lang="en-US" sz="3000" dirty="0" err="1" smtClean="0"/>
-              <a:t>eget</a:t>
-            </a:r>
-            <a:r>
-              <a:rPr lang="en-US" sz="3000" dirty="0" smtClean="0"/>
-              <a:t> </a:t>
-            </a:r>
-            <a:r>
-              <a:rPr lang="en-US" sz="3000" dirty="0" err="1" smtClean="0"/>
-              <a:t>lectus</a:t>
-            </a:r>
-            <a:r>
-              <a:rPr lang="en-US" sz="3000" dirty="0" smtClean="0"/>
-              <a:t> </a:t>
-            </a:r>
-            <a:r>
-              <a:rPr lang="en-US" sz="3000" dirty="0" err="1" smtClean="0"/>
-              <a:t>massa</a:t>
-            </a:r>
-            <a:r>
-              <a:rPr lang="en-US" sz="3000" dirty="0" smtClean="0"/>
-              <a:t>, </a:t>
-            </a:r>
-            <a:r>
-              <a:rPr lang="en-US" sz="3000" dirty="0" err="1" smtClean="0"/>
-              <a:t>quis</a:t>
-            </a:r>
-            <a:r>
-              <a:rPr lang="en-US" sz="3000" dirty="0" smtClean="0"/>
-              <a:t> </a:t>
-            </a:r>
-            <a:r>
-              <a:rPr lang="en-US" sz="3000" dirty="0" err="1" smtClean="0"/>
-              <a:t>ullamcorper</a:t>
-            </a:r>
-            <a:r>
-              <a:rPr lang="en-US" sz="3000" dirty="0" smtClean="0"/>
-              <a:t> libero. </a:t>
-            </a:r>
-            <a:r>
-              <a:rPr lang="en-US" sz="3000" dirty="0" err="1" smtClean="0"/>
-              <a:t>Pellentesque</a:t>
-            </a:r>
-            <a:r>
-              <a:rPr lang="en-US" sz="3000" dirty="0" smtClean="0"/>
-              <a:t> habitant </a:t>
-            </a:r>
-            <a:r>
-              <a:rPr lang="en-US" sz="3000" dirty="0" err="1" smtClean="0"/>
-              <a:t>morbi</a:t>
-            </a:r>
-            <a:r>
-              <a:rPr lang="en-US" sz="3000" dirty="0" smtClean="0"/>
-              <a:t> </a:t>
-            </a:r>
-            <a:r>
-              <a:rPr lang="en-US" sz="3000" dirty="0" err="1" smtClean="0"/>
-              <a:t>tristique</a:t>
-            </a:r>
-            <a:r>
-              <a:rPr lang="en-US" sz="3000" dirty="0" smtClean="0"/>
-              <a:t> </a:t>
-            </a:r>
-            <a:r>
-              <a:rPr lang="en-US" sz="3000" dirty="0" err="1" smtClean="0"/>
-              <a:t>senectus</a:t>
-            </a:r>
-            <a:r>
-              <a:rPr lang="en-US" sz="3000" dirty="0" smtClean="0"/>
-              <a:t> et </a:t>
-            </a:r>
-            <a:r>
-              <a:rPr lang="en-US" sz="3000" dirty="0" err="1" smtClean="0"/>
-              <a:t>netus</a:t>
-            </a:r>
-            <a:r>
-              <a:rPr lang="en-US" sz="3000" dirty="0" smtClean="0"/>
-              <a:t> et </a:t>
-            </a:r>
-            <a:r>
-              <a:rPr lang="en-US" sz="3000" dirty="0" err="1" smtClean="0"/>
-              <a:t>malesuada</a:t>
-            </a:r>
-            <a:r>
-              <a:rPr lang="en-US" sz="3000" dirty="0" smtClean="0"/>
-              <a:t> fames ac </a:t>
-            </a:r>
-            <a:r>
-              <a:rPr lang="en-US" sz="3000" dirty="0" err="1" smtClean="0"/>
-              <a:t>turpis</a:t>
-            </a:r>
-            <a:r>
-              <a:rPr lang="en-US" sz="3000" dirty="0" smtClean="0"/>
-              <a:t> </a:t>
-            </a:r>
-            <a:r>
-              <a:rPr lang="en-US" sz="3000" dirty="0" err="1" smtClean="0"/>
-              <a:t>egestas</a:t>
-            </a:r>
-            <a:r>
-              <a:rPr lang="en-US" sz="3000" dirty="0" smtClean="0"/>
-              <a:t>. </a:t>
-            </a:r>
-            <a:r>
-              <a:rPr lang="en-US" sz="3000" dirty="0" err="1" smtClean="0"/>
-              <a:t>Praesent</a:t>
-            </a:r>
-            <a:r>
-              <a:rPr lang="en-US" sz="3000" dirty="0" smtClean="0"/>
-              <a:t> </a:t>
-            </a:r>
-            <a:r>
-              <a:rPr lang="en-US" sz="3000" dirty="0" err="1" smtClean="0"/>
-              <a:t>volutpat</a:t>
-            </a:r>
-            <a:r>
-              <a:rPr lang="en-US" sz="3000" dirty="0" smtClean="0"/>
-              <a:t> ipsum </a:t>
-            </a:r>
-            <a:r>
-              <a:rPr lang="en-US" sz="3000" dirty="0" err="1" smtClean="0"/>
-              <a:t>eu</a:t>
-            </a:r>
-            <a:r>
-              <a:rPr lang="en-US" sz="3000" dirty="0" smtClean="0"/>
-              <a:t> </a:t>
-            </a:r>
-            <a:r>
-              <a:rPr lang="en-US" sz="3000" dirty="0" err="1" smtClean="0"/>
-              <a:t>justo</a:t>
-            </a:r>
-            <a:r>
-              <a:rPr lang="en-US" sz="3000" dirty="0" smtClean="0"/>
-              <a:t> </a:t>
-            </a:r>
-            <a:r>
-              <a:rPr lang="en-US" sz="3000" dirty="0" err="1" smtClean="0"/>
-              <a:t>aliquam</a:t>
-            </a:r>
-            <a:r>
-              <a:rPr lang="en-US" sz="3000" dirty="0" smtClean="0"/>
-              <a:t> </a:t>
-            </a:r>
-            <a:r>
-              <a:rPr lang="en-US" sz="3000" dirty="0" err="1" smtClean="0"/>
-              <a:t>lacinia</a:t>
-            </a:r>
-            <a:r>
-              <a:rPr lang="en-US" sz="3000" dirty="0" smtClean="0"/>
-              <a:t>. </a:t>
-            </a:r>
-            <a:r>
-              <a:rPr lang="en-US" sz="3000" dirty="0" err="1" smtClean="0"/>
-              <a:t>Sed</a:t>
-            </a:r>
-            <a:r>
-              <a:rPr lang="en-US" sz="3000" dirty="0" smtClean="0"/>
-              <a:t> </a:t>
-            </a:r>
-            <a:r>
-              <a:rPr lang="en-US" sz="3000" dirty="0" err="1" smtClean="0"/>
-              <a:t>interdum</a:t>
-            </a:r>
-            <a:r>
-              <a:rPr lang="en-US" sz="3000" dirty="0" smtClean="0"/>
-              <a:t> ipsum vitae dui </a:t>
-            </a:r>
-            <a:r>
-              <a:rPr lang="en-US" sz="3000" dirty="0" err="1" smtClean="0"/>
-              <a:t>dapibus</a:t>
-            </a:r>
-            <a:r>
-              <a:rPr lang="en-US" sz="3000" dirty="0" smtClean="0"/>
-              <a:t> pharetra. </a:t>
-            </a:r>
-            <a:r>
-              <a:rPr lang="en-US" sz="3000" dirty="0" err="1" smtClean="0"/>
-              <a:t>Donec</a:t>
-            </a:r>
-            <a:r>
-              <a:rPr lang="en-US" sz="3000" dirty="0" smtClean="0"/>
-              <a:t> ac </a:t>
-            </a:r>
-            <a:r>
-              <a:rPr lang="en-US" sz="3000" dirty="0" err="1" smtClean="0"/>
-              <a:t>eros</a:t>
-            </a:r>
-            <a:r>
-              <a:rPr lang="en-US" sz="3000" dirty="0" smtClean="0"/>
-              <a:t> et </a:t>
-            </a:r>
-            <a:r>
-              <a:rPr lang="en-US" sz="3000" dirty="0" err="1" smtClean="0"/>
-              <a:t>turpis</a:t>
-            </a:r>
-            <a:r>
-              <a:rPr lang="en-US" sz="3000" dirty="0" smtClean="0"/>
-              <a:t> </a:t>
-            </a:r>
-            <a:r>
-              <a:rPr lang="en-US" sz="3000" dirty="0" err="1" smtClean="0"/>
-              <a:t>mollis</a:t>
-            </a:r>
-            <a:r>
-              <a:rPr lang="en-US" sz="3000" dirty="0" smtClean="0"/>
-              <a:t> pharetra. </a:t>
-            </a:r>
+              <a:t>.</a:t>
+            </a:r>
+            <a:endParaRPr lang="en-US" sz="3000" dirty="0" smtClean="0"/>
           </a:p>
           <a:p>
             <a:pPr>
@@ -4870,340 +4615,33 @@
             </a:r>
             <a:r>
               <a:rPr lang="en-US" sz="3000" dirty="0" smtClean="0"/>
+              <a:t>, porta id </a:t>
+            </a:r>
+            <a:r>
+              <a:rPr lang="en-US" sz="3000" dirty="0" err="1" smtClean="0"/>
+              <a:t>malesuada</a:t>
+            </a:r>
+            <a:r>
+              <a:rPr lang="en-US" sz="3000" dirty="0" smtClean="0"/>
+              <a:t> </a:t>
+            </a:r>
+            <a:r>
+              <a:rPr lang="en-US" sz="3000" dirty="0" err="1" smtClean="0"/>
+              <a:t>eu</a:t>
+            </a:r>
+            <a:r>
+              <a:rPr lang="en-US" sz="3000" dirty="0" smtClean="0"/>
               <a:t>, </a:t>
             </a:r>
             <a:r>
               <a:rPr lang="en-US" sz="3000" dirty="0" err="1" smtClean="0"/>
-              <a:t>porta</a:t>
-            </a:r>
-            <a:r>
-              <a:rPr lang="en-US" sz="3000" dirty="0" smtClean="0"/>
-              <a:t> id </a:t>
-            </a:r>
-            <a:r>
-              <a:rPr lang="en-US" sz="3000" dirty="0" err="1" smtClean="0"/>
-              <a:t>malesuada</a:t>
-            </a:r>
-            <a:r>
-              <a:rPr lang="en-US" sz="3000" dirty="0" smtClean="0"/>
-              <a:t> </a:t>
-            </a:r>
-            <a:r>
-              <a:rPr lang="en-US" sz="3000" dirty="0" err="1" smtClean="0"/>
-              <a:t>eu</a:t>
-            </a:r>
-            <a:r>
-              <a:rPr lang="en-US" sz="3000" dirty="0" smtClean="0"/>
-              <a:t>, </a:t>
-            </a:r>
-            <a:r>
-              <a:rPr lang="en-US" sz="3000" dirty="0" err="1" smtClean="0"/>
               <a:t>consequat</a:t>
             </a:r>
             <a:r>
               <a:rPr lang="en-US" sz="3000" dirty="0" smtClean="0"/>
               <a:t> a ante. </a:t>
             </a:r>
-            <a:r>
-              <a:rPr lang="en-US" sz="3000" dirty="0" err="1" smtClean="0"/>
-              <a:t>Nullam</a:t>
-            </a:r>
-            <a:r>
-              <a:rPr lang="en-US" sz="3000" dirty="0" smtClean="0"/>
-              <a:t> vitae </a:t>
-            </a:r>
-            <a:r>
-              <a:rPr lang="en-US" sz="3000" dirty="0" err="1" smtClean="0"/>
-              <a:t>varius</a:t>
-            </a:r>
-            <a:r>
-              <a:rPr lang="en-US" sz="3000" dirty="0" smtClean="0"/>
-              <a:t> est. </a:t>
-            </a:r>
-            <a:r>
-              <a:rPr lang="en-US" sz="3000" dirty="0" err="1" smtClean="0"/>
-              <a:t>Vivamus</a:t>
-            </a:r>
-            <a:r>
-              <a:rPr lang="en-US" sz="3000" dirty="0" smtClean="0"/>
-              <a:t> ac </a:t>
-            </a:r>
-            <a:r>
-              <a:rPr lang="en-US" sz="3000" dirty="0" err="1" smtClean="0"/>
-              <a:t>libero</a:t>
-            </a:r>
-            <a:r>
-              <a:rPr lang="en-US" sz="3000" dirty="0" smtClean="0"/>
-              <a:t> </a:t>
-            </a:r>
-            <a:r>
-              <a:rPr lang="en-US" sz="3000" dirty="0" err="1" smtClean="0"/>
-              <a:t>ut</a:t>
-            </a:r>
-            <a:r>
-              <a:rPr lang="en-US" sz="3000" dirty="0" smtClean="0"/>
-              <a:t> </a:t>
-            </a:r>
-            <a:r>
-              <a:rPr lang="en-US" sz="3000" dirty="0" err="1" smtClean="0"/>
-              <a:t>arcu</a:t>
-            </a:r>
-            <a:r>
-              <a:rPr lang="en-US" sz="3000" dirty="0" smtClean="0"/>
-              <a:t> </a:t>
-            </a:r>
-            <a:r>
-              <a:rPr lang="en-US" sz="3000" dirty="0" err="1" smtClean="0"/>
-              <a:t>accumsan</a:t>
-            </a:r>
-            <a:r>
-              <a:rPr lang="en-US" sz="3000" dirty="0" smtClean="0"/>
-              <a:t> </a:t>
-            </a:r>
-            <a:r>
-              <a:rPr lang="en-US" sz="3000" dirty="0" err="1" smtClean="0"/>
-              <a:t>convallis</a:t>
-            </a:r>
-            <a:r>
-              <a:rPr lang="en-US" sz="3000" dirty="0" smtClean="0"/>
-              <a:t> vitae </a:t>
-            </a:r>
-            <a:r>
-              <a:rPr lang="en-US" sz="3000" dirty="0" err="1" smtClean="0"/>
-              <a:t>vel</a:t>
-            </a:r>
-            <a:r>
-              <a:rPr lang="en-US" sz="3000" dirty="0" smtClean="0"/>
-              <a:t> </a:t>
-            </a:r>
-            <a:r>
-              <a:rPr lang="en-US" sz="3000" dirty="0" err="1" smtClean="0"/>
-              <a:t>leo</a:t>
-            </a:r>
-            <a:r>
-              <a:rPr lang="en-US" sz="3000" dirty="0" smtClean="0"/>
-              <a:t>. </a:t>
-            </a:r>
-            <a:r>
-              <a:rPr lang="en-US" sz="3000" dirty="0" err="1" smtClean="0"/>
-              <a:t>Curabitur</a:t>
-            </a:r>
-            <a:r>
-              <a:rPr lang="en-US" sz="3000" dirty="0" smtClean="0"/>
-              <a:t> </a:t>
-            </a:r>
-            <a:r>
-              <a:rPr lang="en-US" sz="3000" dirty="0" err="1" smtClean="0"/>
-              <a:t>molestie</a:t>
-            </a:r>
-            <a:r>
-              <a:rPr lang="en-US" sz="3000" dirty="0" smtClean="0"/>
-              <a:t> </a:t>
-            </a:r>
-            <a:r>
-              <a:rPr lang="en-US" sz="3000" dirty="0" err="1" smtClean="0"/>
-              <a:t>risus</a:t>
-            </a:r>
-            <a:r>
-              <a:rPr lang="en-US" sz="3000" dirty="0" smtClean="0"/>
-              <a:t> non </a:t>
-            </a:r>
-            <a:r>
-              <a:rPr lang="en-US" sz="3000" dirty="0" err="1" smtClean="0"/>
-              <a:t>turpis</a:t>
-            </a:r>
-            <a:r>
-              <a:rPr lang="en-US" sz="3000" dirty="0" smtClean="0"/>
-              <a:t> </a:t>
-            </a:r>
-            <a:r>
-              <a:rPr lang="en-US" sz="3000" dirty="0" err="1" smtClean="0"/>
-              <a:t>luctus</a:t>
-            </a:r>
-            <a:r>
-              <a:rPr lang="en-US" sz="3000" dirty="0" smtClean="0"/>
-              <a:t> </a:t>
-            </a:r>
-            <a:r>
-              <a:rPr lang="en-US" sz="3000" dirty="0" err="1" smtClean="0"/>
-              <a:t>aliquet</a:t>
-            </a:r>
-            <a:r>
-              <a:rPr lang="en-US" sz="3000" dirty="0" smtClean="0"/>
-              <a:t>. </a:t>
-            </a:r>
-            <a:r>
-              <a:rPr lang="en-US" sz="3000" dirty="0" err="1" smtClean="0"/>
-              <a:t>Aliquam</a:t>
-            </a:r>
-            <a:r>
-              <a:rPr lang="en-US" sz="3000" dirty="0" smtClean="0"/>
-              <a:t> </a:t>
-            </a:r>
-            <a:r>
-              <a:rPr lang="en-US" sz="3000" dirty="0" err="1" smtClean="0"/>
-              <a:t>erat</a:t>
-            </a:r>
-            <a:r>
-              <a:rPr lang="en-US" sz="3000" dirty="0" smtClean="0"/>
-              <a:t> </a:t>
-            </a:r>
-            <a:r>
-              <a:rPr lang="en-US" sz="3000" dirty="0" err="1" smtClean="0"/>
-              <a:t>volutpat</a:t>
-            </a:r>
-            <a:r>
-              <a:rPr lang="en-US" sz="3000" dirty="0" smtClean="0"/>
-              <a:t>. </a:t>
-            </a:r>
-            <a:r>
-              <a:rPr lang="en-US" sz="3000" dirty="0" err="1" smtClean="0"/>
-              <a:t>Pellentesque</a:t>
-            </a:r>
-            <a:r>
-              <a:rPr lang="en-US" sz="3000" dirty="0" smtClean="0"/>
-              <a:t> </a:t>
-            </a:r>
-            <a:r>
-              <a:rPr lang="en-US" sz="3000" dirty="0" err="1" smtClean="0"/>
-              <a:t>consectetur</a:t>
-            </a:r>
-            <a:r>
-              <a:rPr lang="en-US" sz="3000" dirty="0" smtClean="0"/>
-              <a:t> </a:t>
-            </a:r>
-            <a:r>
-              <a:rPr lang="en-US" sz="3000" dirty="0" err="1" smtClean="0"/>
-              <a:t>auctor</a:t>
-            </a:r>
-            <a:r>
-              <a:rPr lang="en-US" sz="3000" dirty="0" smtClean="0"/>
-              <a:t> </a:t>
-            </a:r>
-            <a:r>
-              <a:rPr lang="en-US" sz="3000" dirty="0" err="1" smtClean="0"/>
-              <a:t>sapien</a:t>
-            </a:r>
-            <a:r>
-              <a:rPr lang="en-US" sz="3000" dirty="0" smtClean="0"/>
-              <a:t>, </a:t>
-            </a:r>
-            <a:r>
-              <a:rPr lang="en-US" sz="3000" dirty="0" err="1" smtClean="0"/>
-              <a:t>quis</a:t>
-            </a:r>
-            <a:r>
-              <a:rPr lang="en-US" sz="3000" dirty="0" smtClean="0"/>
-              <a:t> </a:t>
-            </a:r>
-            <a:r>
-              <a:rPr lang="en-US" sz="3000" dirty="0" err="1" smtClean="0"/>
-              <a:t>aliquam</a:t>
-            </a:r>
-            <a:r>
-              <a:rPr lang="en-US" sz="3000" dirty="0" smtClean="0"/>
-              <a:t> lacus </a:t>
-            </a:r>
-            <a:r>
-              <a:rPr lang="en-US" sz="3000" dirty="0" err="1" smtClean="0"/>
-              <a:t>cursus</a:t>
-            </a:r>
-            <a:r>
-              <a:rPr lang="en-US" sz="3000" dirty="0" smtClean="0"/>
-              <a:t> non. </a:t>
-            </a:r>
-            <a:r>
-              <a:rPr lang="en-US" sz="3000" dirty="0" err="1" smtClean="0"/>
-              <a:t>Donec</a:t>
-            </a:r>
-            <a:r>
-              <a:rPr lang="en-US" sz="3000" dirty="0" smtClean="0"/>
-              <a:t> </a:t>
-            </a:r>
-            <a:r>
-              <a:rPr lang="en-US" sz="3000" dirty="0" err="1" smtClean="0"/>
-              <a:t>sollicitudin</a:t>
-            </a:r>
-            <a:r>
-              <a:rPr lang="en-US" sz="3000" dirty="0" smtClean="0"/>
-              <a:t> </a:t>
-            </a:r>
-            <a:r>
-              <a:rPr lang="en-US" sz="3000" dirty="0" err="1" smtClean="0"/>
-              <a:t>varius</a:t>
-            </a:r>
-            <a:r>
-              <a:rPr lang="en-US" sz="3000" dirty="0" smtClean="0"/>
-              <a:t> </a:t>
-            </a:r>
-            <a:r>
-              <a:rPr lang="en-US" sz="3000" dirty="0" err="1" smtClean="0"/>
-              <a:t>luctus</a:t>
-            </a:r>
-            <a:r>
-              <a:rPr lang="en-US" sz="3000" dirty="0" smtClean="0"/>
-              <a:t>. </a:t>
-            </a:r>
-            <a:r>
-              <a:rPr lang="en-US" sz="3000" dirty="0" err="1" smtClean="0"/>
-              <a:t>Quisque</a:t>
-            </a:r>
-            <a:r>
-              <a:rPr lang="en-US" sz="3000" dirty="0" smtClean="0"/>
-              <a:t> </a:t>
-            </a:r>
-            <a:r>
-              <a:rPr lang="en-US" sz="3000" dirty="0" err="1" smtClean="0"/>
-              <a:t>sagittis</a:t>
-            </a:r>
-            <a:r>
-              <a:rPr lang="en-US" sz="3000" dirty="0" smtClean="0"/>
-              <a:t> </a:t>
-            </a:r>
-            <a:r>
-              <a:rPr lang="en-US" sz="3000" dirty="0" err="1" smtClean="0"/>
-              <a:t>tristique</a:t>
-            </a:r>
-            <a:r>
-              <a:rPr lang="en-US" sz="3000" dirty="0" smtClean="0"/>
-              <a:t> </a:t>
-            </a:r>
-            <a:r>
-              <a:rPr lang="en-US" sz="3000" dirty="0"/>
-              <a:t>pharetra. </a:t>
-            </a:r>
-            <a:r>
-              <a:rPr lang="en-US" sz="3000" dirty="0" err="1"/>
-              <a:t>Donec</a:t>
-            </a:r>
-            <a:r>
-              <a:rPr lang="en-US" sz="3000" dirty="0"/>
-              <a:t> ac </a:t>
-            </a:r>
-            <a:r>
-              <a:rPr lang="en-US" sz="3000" dirty="0" err="1"/>
-              <a:t>eros</a:t>
-            </a:r>
-            <a:r>
-              <a:rPr lang="en-US" sz="3000" dirty="0"/>
-              <a:t> et </a:t>
-            </a:r>
-            <a:r>
-              <a:rPr lang="en-US" sz="3000" dirty="0" err="1"/>
-              <a:t>turpis</a:t>
-            </a:r>
-            <a:r>
-              <a:rPr lang="en-US" sz="3000" dirty="0"/>
-              <a:t> </a:t>
-            </a:r>
-            <a:r>
-              <a:rPr lang="en-US" sz="3000" dirty="0" err="1"/>
-              <a:t>mollis</a:t>
-            </a:r>
-            <a:r>
-              <a:rPr lang="en-US" sz="3000" dirty="0"/>
-              <a:t> pharetra. </a:t>
-            </a:r>
+            <a:endParaRPr lang="en-US" sz="3000" dirty="0"/>
           </a:p>
           <a:p>
             <a:pPr>
@@ -5211,13 +4649,117 @@
                 <a:spcPts val="1800"/>
               </a:spcAft>
             </a:pPr>
+            <a:endParaRPr lang="en-US" sz="3600" b="1" dirty="0">
+              <a:solidFill>
+                <a:srgbClr val="5D87A1"/>
+              </a:solidFill>
+            </a:endParaRPr>
+          </a:p>
+          <a:p>
+            <a:pPr>
+              <a:spcAft>
+                <a:spcPts val="1800"/>
+              </a:spcAft>
+            </a:pPr>
+            <a:endParaRPr lang="en-US" sz="3600" b="1" dirty="0" smtClean="0">
+              <a:solidFill>
+                <a:srgbClr val="5D87A1"/>
+              </a:solidFill>
+            </a:endParaRPr>
+          </a:p>
+          <a:p>
+            <a:pPr>
+              <a:spcAft>
+                <a:spcPts val="1800"/>
+              </a:spcAft>
+            </a:pPr>
+            <a:endParaRPr lang="en-US" sz="3600" b="1" dirty="0">
+              <a:solidFill>
+                <a:srgbClr val="5D87A1"/>
+              </a:solidFill>
+            </a:endParaRPr>
+          </a:p>
+          <a:p>
+            <a:pPr>
+              <a:spcAft>
+                <a:spcPts val="1800"/>
+              </a:spcAft>
+            </a:pPr>
+            <a:endParaRPr lang="en-US" sz="3600" b="1" dirty="0" smtClean="0">
+              <a:solidFill>
+                <a:srgbClr val="5D87A1"/>
+              </a:solidFill>
+            </a:endParaRPr>
+          </a:p>
+          <a:p>
+            <a:pPr>
+              <a:spcAft>
+                <a:spcPts val="1800"/>
+              </a:spcAft>
+            </a:pPr>
+            <a:endParaRPr lang="en-US" sz="3600" b="1" dirty="0">
+              <a:solidFill>
+                <a:srgbClr val="5D87A1"/>
+              </a:solidFill>
+            </a:endParaRPr>
+          </a:p>
+          <a:p>
+            <a:pPr>
+              <a:spcAft>
+                <a:spcPts val="1800"/>
+              </a:spcAft>
+            </a:pPr>
+            <a:endParaRPr lang="en-US" sz="3600" b="1" dirty="0" smtClean="0">
+              <a:solidFill>
+                <a:srgbClr val="5D87A1"/>
+              </a:solidFill>
+            </a:endParaRPr>
+          </a:p>
+          <a:p>
+            <a:pPr>
+              <a:spcAft>
+                <a:spcPts val="1800"/>
+              </a:spcAft>
+            </a:pPr>
+            <a:endParaRPr lang="en-US" sz="3600" b="1" dirty="0" smtClean="0">
+              <a:solidFill>
+                <a:srgbClr val="5D87A1"/>
+              </a:solidFill>
+            </a:endParaRPr>
+          </a:p>
+          <a:p>
+            <a:pPr>
+              <a:spcAft>
+                <a:spcPts val="1800"/>
+              </a:spcAft>
+            </a:pPr>
+            <a:endParaRPr lang="en-US" sz="3600" b="1" dirty="0" smtClean="0">
+              <a:solidFill>
+                <a:srgbClr val="5D87A1"/>
+              </a:solidFill>
+            </a:endParaRPr>
+          </a:p>
+          <a:p>
+            <a:pPr>
+              <a:spcAft>
+                <a:spcPts val="1800"/>
+              </a:spcAft>
+            </a:pPr>
             <a:r>
               <a:rPr lang="en-US" sz="3600" b="1" dirty="0" smtClean="0">
                 <a:solidFill>
                   <a:srgbClr val="5D87A1"/>
                 </a:solidFill>
               </a:rPr>
-              <a:t>In-Memory Column Store</a:t>
+              <a:t>In-Memory </a:t>
+            </a:r>
+            <a:r>
+              <a:rPr lang="en-US" sz="3600" b="1" dirty="0" smtClean="0">
+                <a:solidFill>
+                  <a:srgbClr val="5D87A1"/>
+                </a:solidFill>
+              </a:rPr>
+              <a:t>Column Store</a:t>
             </a:r>
             <a:endParaRPr lang="en-US" sz="3600" b="1" dirty="0">
               <a:solidFill>
@@ -5706,7 +5248,7 @@
         </p:nvSpPr>
         <p:spPr>
           <a:xfrm>
-            <a:off x="22224885" y="5637171"/>
+            <a:off x="22224885" y="11996847"/>
             <a:ext cx="9222475" cy="13512801"/>
           </a:xfrm>
           <a:prstGeom prst="rect">
@@ -6685,8 +6227,8 @@
         </p:nvSpPr>
         <p:spPr>
           <a:xfrm>
-            <a:off x="22198405" y="18945861"/>
-            <a:ext cx="9222475" cy="12056537"/>
+            <a:off x="22198405" y="24954659"/>
+            <a:ext cx="9222475" cy="6047739"/>
           </a:xfrm>
           <a:prstGeom prst="rect">
             <a:avLst/>
@@ -6733,7 +6275,7 @@
         </p:nvSpPr>
         <p:spPr>
           <a:xfrm>
-            <a:off x="1406151" y="24954659"/>
+            <a:off x="1206283" y="24954659"/>
             <a:ext cx="8550648" cy="6047739"/>
           </a:xfrm>
           <a:prstGeom prst="rect">
@@ -6845,11 +6387,7 @@
             </a:r>
             <a:r>
               <a:rPr lang="en-US" sz="3000" dirty="0" smtClean="0"/>
-              <a:t> </a:t>
-            </a:r>
-            <a:r>
-              <a:rPr lang="en-US" sz="3000" dirty="0" smtClean="0"/>
-              <a:t>habitant </a:t>
+              <a:t> habitant </a:t>
             </a:r>
             <a:r>
               <a:rPr lang="en-US" sz="3000" dirty="0" err="1" smtClean="0"/>
@@ -8500,11 +8038,6 @@
               </a:rPr>
               <a:t>Team Members:</a:t>
             </a:r>
-            <a:endParaRPr lang="en-US" sz="3600" b="1" dirty="0" smtClean="0">
-              <a:solidFill>
-                <a:srgbClr val="F37321"/>
-              </a:solidFill>
-            </a:endParaRPr>
           </a:p>
           <a:p>
             <a:pPr marL="457200" indent="-457200">
@@ -8537,11 +8070,6 @@
               </a:rPr>
               <a:t>desiletn@oregonstate.edu</a:t>
             </a:r>
-            <a:endParaRPr lang="en-US" sz="3000" dirty="0" smtClean="0">
-              <a:solidFill>
-                <a:schemeClr val="bg1"/>
-              </a:solidFill>
-            </a:endParaRPr>
           </a:p>
           <a:p>
             <a:pPr marL="457200" indent="-457200">
@@ -9250,6 +8778,143 @@
           <a:xfrm>
             <a:off x="34493200" y="5725688"/>
             <a:ext cx="6311900" cy="6288524"/>
+          </a:xfrm>
+          <a:prstGeom prst="rect">
+            <a:avLst/>
+          </a:prstGeom>
+          <a:noFill/>
+          <a:extLst>
+            <a:ext uri="{909E8E84-426E-40DD-AFC4-6F175D3DCCD1}">
+              <a14:hiddenFill xmlns:a14="http://schemas.microsoft.com/office/drawing/2010/main">
+                <a:solidFill>
+                  <a:srgbClr val="FFFFFF"/>
+                </a:solidFill>
+              </a14:hiddenFill>
+            </a:ext>
+          </a:extLst>
+        </p:spPr>
+      </p:pic>
+      <p:pic>
+        <p:nvPicPr>
+          <p:cNvPr id="16" name="Picture 15"/>
+          <p:cNvPicPr>
+            <a:picLocks noChangeAspect="1"/>
+          </p:cNvPicPr>
+          <p:nvPr/>
+        </p:nvPicPr>
+        <p:blipFill>
+          <a:blip r:embed="rId4"/>
+          <a:stretch>
+            <a:fillRect/>
+          </a:stretch>
+        </p:blipFill>
+        <p:spPr>
+          <a:xfrm>
+            <a:off x="22408162" y="25057759"/>
+            <a:ext cx="8802960" cy="6396528"/>
+          </a:xfrm>
+          <a:prstGeom prst="rect">
+            <a:avLst/>
+          </a:prstGeom>
+        </p:spPr>
+      </p:pic>
+      <p:pic>
+        <p:nvPicPr>
+          <p:cNvPr id="18" name="Picture 17"/>
+          <p:cNvPicPr>
+            <a:picLocks noChangeAspect="1"/>
+          </p:cNvPicPr>
+          <p:nvPr/>
+        </p:nvPicPr>
+        <p:blipFill>
+          <a:blip r:embed="rId5"/>
+          <a:stretch>
+            <a:fillRect/>
+          </a:stretch>
+        </p:blipFill>
+        <p:spPr>
+          <a:xfrm>
+            <a:off x="22670879" y="5841282"/>
+            <a:ext cx="8330486" cy="6048962"/>
+          </a:xfrm>
+          <a:prstGeom prst="rect">
+            <a:avLst/>
+          </a:prstGeom>
+        </p:spPr>
+      </p:pic>
+      <p:pic>
+        <p:nvPicPr>
+          <p:cNvPr id="20" name="Picture 19"/>
+          <p:cNvPicPr>
+            <a:picLocks noChangeAspect="1"/>
+          </p:cNvPicPr>
+          <p:nvPr/>
+        </p:nvPicPr>
+        <p:blipFill>
+          <a:blip r:embed="rId6"/>
+          <a:stretch>
+            <a:fillRect/>
+          </a:stretch>
+        </p:blipFill>
+        <p:spPr>
+          <a:xfrm>
+            <a:off x="12802772" y="25350900"/>
+            <a:ext cx="8368540" cy="6076594"/>
+          </a:xfrm>
+          <a:prstGeom prst="rect">
+            <a:avLst/>
+          </a:prstGeom>
+        </p:spPr>
+      </p:pic>
+      <p:pic>
+        <p:nvPicPr>
+          <p:cNvPr id="21" name="Picture 20"/>
+          <p:cNvPicPr>
+            <a:picLocks noChangeAspect="1"/>
+          </p:cNvPicPr>
+          <p:nvPr/>
+        </p:nvPicPr>
+        <p:blipFill>
+          <a:blip r:embed="rId7"/>
+          <a:stretch>
+            <a:fillRect/>
+          </a:stretch>
+        </p:blipFill>
+        <p:spPr>
+          <a:xfrm>
+            <a:off x="12802772" y="12579585"/>
+            <a:ext cx="8502219" cy="6173662"/>
+          </a:xfrm>
+          <a:prstGeom prst="rect">
+            <a:avLst/>
+          </a:prstGeom>
+        </p:spPr>
+      </p:pic>
+      <p:pic>
+        <p:nvPicPr>
+          <p:cNvPr id="22" name="Picture 1" descr="Description of Figure 14-1 follows"/>
+          <p:cNvPicPr>
+            <a:picLocks noChangeAspect="1" noChangeArrowheads="1"/>
+          </p:cNvPicPr>
+          <p:nvPr/>
+        </p:nvPicPr>
+        <p:blipFill>
+          <a:blip r:embed="rId8">
+            <a:extLst>
+              <a:ext uri="{28A0092B-C50C-407E-A947-70E740481C1C}">
+                <a14:useLocalDpi xmlns:a14="http://schemas.microsoft.com/office/drawing/2010/main" val="0"/>
+              </a:ext>
+            </a:extLst>
+          </a:blip>
+          <a:srcRect/>
+          <a:stretch>
+            <a:fillRect/>
+          </a:stretch>
+        </p:blipFill>
+        <p:spPr bwMode="auto">
+          <a:xfrm>
+            <a:off x="1990968" y="24620614"/>
+            <a:ext cx="7087827" cy="7270817"/>
           </a:xfrm>
           <a:prstGeom prst="rect">
             <a:avLst/>

--- a/Big Data Analytics.pptx
+++ b/Big Data Analytics.pptx
@@ -156,6 +156,16 @@
 </p:presentation>
 </file>
 
+<file path=ppt/revisionInfo.xml><?xml version="1.0" encoding="utf-8"?>
+<p1510:revInfo xmlns:a="http://schemas.openxmlformats.org/drawingml/2006/main" xmlns:r="http://schemas.openxmlformats.org/officeDocument/2006/relationships" xmlns:p1510="http://schemas.microsoft.com/office/powerpoint/2015/10/main">
+  <p1510:revLst>
+    <p1510:client id="{AE96D634-1E31-4F71-A329-BE54061EA1B0}" v="14" dt="2017-03-18T03:58:38.648"/>
+    <p1510:client id="{6287BC4F-D44E-4DB1-BB93-338DBDECBFAC}" v="196" dt="2017-03-18T03:48:43.990"/>
+    <p1510:client id="{C63B954C-6025-4363-9F9E-9DE1B039CD8A}" v="52" dt="2017-03-18T04:05:13.579"/>
+  </p1510:revLst>
+</p1510:revInfo>
+</file>
+
 <file path=ppt/notesMasters/notesMaster1.xml><?xml version="1.0" encoding="utf-8"?>
 <p:notesMaster xmlns:a="http://schemas.openxmlformats.org/drawingml/2006/main" xmlns:r="http://schemas.openxmlformats.org/officeDocument/2006/relationships" xmlns:p="http://schemas.openxmlformats.org/presentationml/2006/main">
   <p:cSld>
@@ -238,7 +248,7 @@
           <a:p>
             <a:fld id="{7395F848-6DDA-9042-95D4-0071278BB24B}" type="datetimeFigureOut">
               <a:rPr lang="en-US" smtClean="0"/>
-              <a:t>3/17/2017</a:t>
+              <a:t>3/18/2017</a:t>
             </a:fld>
             <a:endParaRPr lang="en-US"/>
           </a:p>
@@ -302,38 +312,37 @@
           <a:p>
             <a:pPr lvl="0"/>
             <a:r>
-              <a:rPr lang="en-US" smtClean="0"/>
+              <a:rPr lang="en-US"/>
               <a:t>Click to edit Master text styles</a:t>
             </a:r>
           </a:p>
           <a:p>
             <a:pPr lvl="1"/>
             <a:r>
-              <a:rPr lang="en-US" smtClean="0"/>
+              <a:rPr lang="en-US"/>
               <a:t>Second level</a:t>
             </a:r>
           </a:p>
           <a:p>
             <a:pPr lvl="2"/>
             <a:r>
-              <a:rPr lang="en-US" smtClean="0"/>
+              <a:rPr lang="en-US"/>
               <a:t>Third level</a:t>
             </a:r>
           </a:p>
           <a:p>
             <a:pPr lvl="3"/>
             <a:r>
-              <a:rPr lang="en-US" smtClean="0"/>
+              <a:rPr lang="en-US"/>
               <a:t>Fourth level</a:t>
             </a:r>
           </a:p>
           <a:p>
             <a:pPr lvl="4"/>
             <a:r>
-              <a:rPr lang="en-US" smtClean="0"/>
+              <a:rPr lang="en-US"/>
               <a:t>Fifth level</a:t>
             </a:r>
-            <a:endParaRPr lang="en-US"/>
           </a:p>
         </p:txBody>
       </p:sp>
@@ -406,7 +415,7 @@
     </p:spTree>
     <p:extLst>
       <p:ext uri="{BB962C8B-B14F-4D97-AF65-F5344CB8AC3E}">
-        <p14:creationId xmlns:p14="http://schemas.microsoft.com/office/powerpoint/2010/main" val="2239142187"/>
+        <p14:creationId xmlns:p14="http://schemas.microsoft.com/office/powerpoint/2010/main" val="1"/>
       </p:ext>
     </p:extLst>
   </p:cSld>
@@ -568,26 +577,22 @@
               <a:defRPr/>
             </a:pPr>
             <a:r>
-              <a:rPr lang="en-US" dirty="0" smtClean="0"/>
+              <a:rPr lang="en-US"/>
               <a:t>If tri-fold</a:t>
             </a:r>
             <a:r>
-              <a:rPr lang="en-US" baseline="0" dirty="0" smtClean="0"/>
+              <a:rPr lang="en-US" baseline="0"/>
               <a:t> mounting at SMS – make sure no text or image is in-between</a:t>
             </a:r>
             <a:r>
-              <a:rPr lang="en-US" dirty="0" smtClean="0"/>
+              <a:rPr lang="en-US"/>
               <a:t> the two vertical guide</a:t>
             </a:r>
             <a:r>
-              <a:rPr lang="en-US" baseline="0" dirty="0" smtClean="0"/>
-              <a:t> lines; this space will be cut away. </a:t>
-            </a:r>
-            <a:r>
-              <a:rPr lang="en-US" baseline="0" smtClean="0"/>
-              <a:t>To view the vertical guide lines: Select “View” from the main menu, select “Guides” from the pull down menu, and lastly select “Static Guides”.</a:t>
-            </a:r>
-            <a:endParaRPr lang="en-US" smtClean="0"/>
+              <a:rPr lang="en-US" baseline="0"/>
+              <a:t> lines; this space will be cut away. To view the vertical guide lines: Select “View” from the main menu, select “Guides” from the pull down menu, and lastly select “Static Guides”.</a:t>
+            </a:r>
+            <a:endParaRPr lang="en-US"/>
           </a:p>
           <a:p>
             <a:pPr marL="0" marR="0" indent="0" algn="l" defTabSz="457200" rtl="0" eaLnBrk="1" fontAlgn="auto" latinLnBrk="0" hangingPunct="1">
@@ -607,10 +612,10 @@
               <a:tabLst/>
               <a:defRPr/>
             </a:pPr>
-            <a:endParaRPr lang="en-US" smtClean="0"/>
-          </a:p>
-          <a:p>
-            <a:endParaRPr lang="en-US" dirty="0"/>
+            <a:endParaRPr lang="en-US"/>
+          </a:p>
+          <a:p>
+            <a:endParaRPr lang="en-US"/>
           </a:p>
         </p:txBody>
       </p:sp>
@@ -1005,14 +1010,14 @@
               </a:spcAft>
             </a:pPr>
             <a:r>
-              <a:rPr lang="en-US" sz="4000" b="1" dirty="0" smtClean="0">
+              <a:rPr lang="en-US" sz="4000" b="1">
                 <a:solidFill>
                   <a:schemeClr val="bg1"/>
                 </a:solidFill>
               </a:rPr>
               <a:t>COLLEGE OF ENGINEERING</a:t>
             </a:r>
-            <a:endParaRPr lang="en-US" sz="4000" dirty="0" smtClean="0">
+            <a:endParaRPr lang="en-US" sz="4000">
               <a:solidFill>
                 <a:schemeClr val="bg1"/>
               </a:solidFill>
@@ -1138,16 +1143,12 @@
               </a:spcAft>
             </a:pPr>
             <a:r>
-              <a:rPr lang="en-US" sz="4000" b="1" dirty="0" smtClean="0">
+              <a:rPr lang="en-US" sz="4000" b="1">
                 <a:latin typeface="Georgia"/>
                 <a:cs typeface="Georgia"/>
               </a:rPr>
               <a:t>Electrical Engineering &amp; Computer Science</a:t>
             </a:r>
-            <a:endParaRPr lang="en-US" sz="4000" b="1" dirty="0">
-              <a:latin typeface="Georgia"/>
-              <a:cs typeface="Georgia"/>
-            </a:endParaRPr>
           </a:p>
         </p:txBody>
       </p:sp>
@@ -1317,10 +1318,9 @@
           <a:lstStyle/>
           <a:p>
             <a:r>
-              <a:rPr lang="en-US" smtClean="0"/>
+              <a:rPr lang="en-US"/>
               <a:t>Click to edit Master title style</a:t>
             </a:r>
-            <a:endParaRPr lang="en-US"/>
           </a:p>
         </p:txBody>
       </p:sp>
@@ -1341,38 +1341,37 @@
           <a:p>
             <a:pPr lvl="0"/>
             <a:r>
-              <a:rPr lang="en-US" smtClean="0"/>
+              <a:rPr lang="en-US"/>
               <a:t>Click to edit Master text styles</a:t>
             </a:r>
           </a:p>
           <a:p>
             <a:pPr lvl="1"/>
             <a:r>
-              <a:rPr lang="en-US" smtClean="0"/>
+              <a:rPr lang="en-US"/>
               <a:t>Second level</a:t>
             </a:r>
           </a:p>
           <a:p>
             <a:pPr lvl="2"/>
             <a:r>
-              <a:rPr lang="en-US" smtClean="0"/>
+              <a:rPr lang="en-US"/>
               <a:t>Third level</a:t>
             </a:r>
           </a:p>
           <a:p>
             <a:pPr lvl="3"/>
             <a:r>
-              <a:rPr lang="en-US" smtClean="0"/>
+              <a:rPr lang="en-US"/>
               <a:t>Fourth level</a:t>
             </a:r>
           </a:p>
           <a:p>
             <a:pPr lvl="4"/>
             <a:r>
-              <a:rPr lang="en-US" smtClean="0"/>
+              <a:rPr lang="en-US"/>
               <a:t>Fifth level</a:t>
             </a:r>
-            <a:endParaRPr lang="en-US"/>
           </a:p>
         </p:txBody>
       </p:sp>
@@ -1393,7 +1392,7 @@
           <a:p>
             <a:fld id="{56B6BD69-149A-CD41-9E7C-E241C9398BA0}" type="datetimeFigureOut">
               <a:rPr lang="en-US" smtClean="0"/>
-              <a:t>3/17/2017</a:t>
+              <a:t>3/18/2017</a:t>
             </a:fld>
             <a:endParaRPr lang="en-US"/>
           </a:p>
@@ -1492,10 +1491,9 @@
           <a:lstStyle/>
           <a:p>
             <a:r>
-              <a:rPr lang="en-US" smtClean="0"/>
+              <a:rPr lang="en-US"/>
               <a:t>Click to edit Master title style</a:t>
             </a:r>
-            <a:endParaRPr lang="en-US"/>
           </a:p>
         </p:txBody>
       </p:sp>
@@ -1521,38 +1519,37 @@
           <a:p>
             <a:pPr lvl="0"/>
             <a:r>
-              <a:rPr lang="en-US" smtClean="0"/>
+              <a:rPr lang="en-US"/>
               <a:t>Click to edit Master text styles</a:t>
             </a:r>
           </a:p>
           <a:p>
             <a:pPr lvl="1"/>
             <a:r>
-              <a:rPr lang="en-US" smtClean="0"/>
+              <a:rPr lang="en-US"/>
               <a:t>Second level</a:t>
             </a:r>
           </a:p>
           <a:p>
             <a:pPr lvl="2"/>
             <a:r>
-              <a:rPr lang="en-US" smtClean="0"/>
+              <a:rPr lang="en-US"/>
               <a:t>Third level</a:t>
             </a:r>
           </a:p>
           <a:p>
             <a:pPr lvl="3"/>
             <a:r>
-              <a:rPr lang="en-US" smtClean="0"/>
+              <a:rPr lang="en-US"/>
               <a:t>Fourth level</a:t>
             </a:r>
           </a:p>
           <a:p>
             <a:pPr lvl="4"/>
             <a:r>
-              <a:rPr lang="en-US" smtClean="0"/>
+              <a:rPr lang="en-US"/>
               <a:t>Fifth level</a:t>
             </a:r>
-            <a:endParaRPr lang="en-US"/>
           </a:p>
         </p:txBody>
       </p:sp>
@@ -1573,7 +1570,7 @@
           <a:p>
             <a:fld id="{56B6BD69-149A-CD41-9E7C-E241C9398BA0}" type="datetimeFigureOut">
               <a:rPr lang="en-US" smtClean="0"/>
-              <a:t>3/17/2017</a:t>
+              <a:t>3/18/2017</a:t>
             </a:fld>
             <a:endParaRPr lang="en-US"/>
           </a:p>
@@ -1667,10 +1664,9 @@
           <a:lstStyle/>
           <a:p>
             <a:r>
-              <a:rPr lang="en-US" smtClean="0"/>
+              <a:rPr lang="en-US"/>
               <a:t>Click to edit Master title style</a:t>
             </a:r>
-            <a:endParaRPr lang="en-US"/>
           </a:p>
         </p:txBody>
       </p:sp>
@@ -1691,38 +1687,37 @@
           <a:p>
             <a:pPr lvl="0"/>
             <a:r>
-              <a:rPr lang="en-US" smtClean="0"/>
+              <a:rPr lang="en-US"/>
               <a:t>Click to edit Master text styles</a:t>
             </a:r>
           </a:p>
           <a:p>
             <a:pPr lvl="1"/>
             <a:r>
-              <a:rPr lang="en-US" smtClean="0"/>
+              <a:rPr lang="en-US"/>
               <a:t>Second level</a:t>
             </a:r>
           </a:p>
           <a:p>
             <a:pPr lvl="2"/>
             <a:r>
-              <a:rPr lang="en-US" smtClean="0"/>
+              <a:rPr lang="en-US"/>
               <a:t>Third level</a:t>
             </a:r>
           </a:p>
           <a:p>
             <a:pPr lvl="3"/>
             <a:r>
-              <a:rPr lang="en-US" smtClean="0"/>
+              <a:rPr lang="en-US"/>
               <a:t>Fourth level</a:t>
             </a:r>
           </a:p>
           <a:p>
             <a:pPr lvl="4"/>
             <a:r>
-              <a:rPr lang="en-US" smtClean="0"/>
+              <a:rPr lang="en-US"/>
               <a:t>Fifth level</a:t>
             </a:r>
-            <a:endParaRPr lang="en-US"/>
           </a:p>
         </p:txBody>
       </p:sp>
@@ -1743,7 +1738,7 @@
           <a:p>
             <a:fld id="{56B6BD69-149A-CD41-9E7C-E241C9398BA0}" type="datetimeFigureOut">
               <a:rPr lang="en-US" smtClean="0"/>
-              <a:t>3/17/2017</a:t>
+              <a:t>3/18/2017</a:t>
             </a:fld>
             <a:endParaRPr lang="en-US"/>
           </a:p>
@@ -1846,10 +1841,9 @@
           </a:lstStyle>
           <a:p>
             <a:r>
-              <a:rPr lang="en-US" smtClean="0"/>
+              <a:rPr lang="en-US"/>
               <a:t>Click to edit Master title style</a:t>
             </a:r>
-            <a:endParaRPr lang="en-US"/>
           </a:p>
         </p:txBody>
       </p:sp>
@@ -1966,7 +1960,7 @@
           <a:p>
             <a:pPr lvl="0"/>
             <a:r>
-              <a:rPr lang="en-US" smtClean="0"/>
+              <a:rPr lang="en-US"/>
               <a:t>Click to edit Master text styles</a:t>
             </a:r>
           </a:p>
@@ -1989,7 +1983,7 @@
           <a:p>
             <a:fld id="{56B6BD69-149A-CD41-9E7C-E241C9398BA0}" type="datetimeFigureOut">
               <a:rPr lang="en-US" smtClean="0"/>
-              <a:t>3/17/2017</a:t>
+              <a:t>3/18/2017</a:t>
             </a:fld>
             <a:endParaRPr lang="en-US"/>
           </a:p>
@@ -2083,10 +2077,9 @@
           <a:lstStyle/>
           <a:p>
             <a:r>
-              <a:rPr lang="en-US" smtClean="0"/>
+              <a:rPr lang="en-US"/>
               <a:t>Click to edit Master title style</a:t>
             </a:r>
-            <a:endParaRPr lang="en-US"/>
           </a:p>
         </p:txBody>
       </p:sp>
@@ -2140,38 +2133,37 @@
           <a:p>
             <a:pPr lvl="0"/>
             <a:r>
-              <a:rPr lang="en-US" smtClean="0"/>
+              <a:rPr lang="en-US"/>
               <a:t>Click to edit Master text styles</a:t>
             </a:r>
           </a:p>
           <a:p>
             <a:pPr lvl="1"/>
             <a:r>
-              <a:rPr lang="en-US" smtClean="0"/>
+              <a:rPr lang="en-US"/>
               <a:t>Second level</a:t>
             </a:r>
           </a:p>
           <a:p>
             <a:pPr lvl="2"/>
             <a:r>
-              <a:rPr lang="en-US" smtClean="0"/>
+              <a:rPr lang="en-US"/>
               <a:t>Third level</a:t>
             </a:r>
           </a:p>
           <a:p>
             <a:pPr lvl="3"/>
             <a:r>
-              <a:rPr lang="en-US" smtClean="0"/>
+              <a:rPr lang="en-US"/>
               <a:t>Fourth level</a:t>
             </a:r>
           </a:p>
           <a:p>
             <a:pPr lvl="4"/>
             <a:r>
-              <a:rPr lang="en-US" smtClean="0"/>
+              <a:rPr lang="en-US"/>
               <a:t>Fifth level</a:t>
             </a:r>
-            <a:endParaRPr lang="en-US"/>
           </a:p>
         </p:txBody>
       </p:sp>
@@ -2225,38 +2217,37 @@
           <a:p>
             <a:pPr lvl="0"/>
             <a:r>
-              <a:rPr lang="en-US" smtClean="0"/>
+              <a:rPr lang="en-US"/>
               <a:t>Click to edit Master text styles</a:t>
             </a:r>
           </a:p>
           <a:p>
             <a:pPr lvl="1"/>
             <a:r>
-              <a:rPr lang="en-US" smtClean="0"/>
+              <a:rPr lang="en-US"/>
               <a:t>Second level</a:t>
             </a:r>
           </a:p>
           <a:p>
             <a:pPr lvl="2"/>
             <a:r>
-              <a:rPr lang="en-US" smtClean="0"/>
+              <a:rPr lang="en-US"/>
               <a:t>Third level</a:t>
             </a:r>
           </a:p>
           <a:p>
             <a:pPr lvl="3"/>
             <a:r>
-              <a:rPr lang="en-US" smtClean="0"/>
+              <a:rPr lang="en-US"/>
               <a:t>Fourth level</a:t>
             </a:r>
           </a:p>
           <a:p>
             <a:pPr lvl="4"/>
             <a:r>
-              <a:rPr lang="en-US" smtClean="0"/>
+              <a:rPr lang="en-US"/>
               <a:t>Fifth level</a:t>
             </a:r>
-            <a:endParaRPr lang="en-US"/>
           </a:p>
         </p:txBody>
       </p:sp>
@@ -2277,7 +2268,7 @@
           <a:p>
             <a:fld id="{56B6BD69-149A-CD41-9E7C-E241C9398BA0}" type="datetimeFigureOut">
               <a:rPr lang="en-US" smtClean="0"/>
-              <a:t>3/17/2017</a:t>
+              <a:t>3/18/2017</a:t>
             </a:fld>
             <a:endParaRPr lang="en-US"/>
           </a:p>
@@ -2380,10 +2371,9 @@
           </a:lstStyle>
           <a:p>
             <a:r>
-              <a:rPr lang="en-US" smtClean="0"/>
+              <a:rPr lang="en-US"/>
               <a:t>Click to edit Master title style</a:t>
             </a:r>
-            <a:endParaRPr lang="en-US"/>
           </a:p>
         </p:txBody>
       </p:sp>
@@ -2446,7 +2436,7 @@
           <a:p>
             <a:pPr lvl="0"/>
             <a:r>
-              <a:rPr lang="en-US" smtClean="0"/>
+              <a:rPr lang="en-US"/>
               <a:t>Click to edit Master text styles</a:t>
             </a:r>
           </a:p>
@@ -2502,38 +2492,37 @@
           <a:p>
             <a:pPr lvl="0"/>
             <a:r>
-              <a:rPr lang="en-US" smtClean="0"/>
+              <a:rPr lang="en-US"/>
               <a:t>Click to edit Master text styles</a:t>
             </a:r>
           </a:p>
           <a:p>
             <a:pPr lvl="1"/>
             <a:r>
-              <a:rPr lang="en-US" smtClean="0"/>
+              <a:rPr lang="en-US"/>
               <a:t>Second level</a:t>
             </a:r>
           </a:p>
           <a:p>
             <a:pPr lvl="2"/>
             <a:r>
-              <a:rPr lang="en-US" smtClean="0"/>
+              <a:rPr lang="en-US"/>
               <a:t>Third level</a:t>
             </a:r>
           </a:p>
           <a:p>
             <a:pPr lvl="3"/>
             <a:r>
-              <a:rPr lang="en-US" smtClean="0"/>
+              <a:rPr lang="en-US"/>
               <a:t>Fourth level</a:t>
             </a:r>
           </a:p>
           <a:p>
             <a:pPr lvl="4"/>
             <a:r>
-              <a:rPr lang="en-US" smtClean="0"/>
+              <a:rPr lang="en-US"/>
               <a:t>Fifth level</a:t>
             </a:r>
-            <a:endParaRPr lang="en-US"/>
           </a:p>
         </p:txBody>
       </p:sp>
@@ -2596,7 +2585,7 @@
           <a:p>
             <a:pPr lvl="0"/>
             <a:r>
-              <a:rPr lang="en-US" smtClean="0"/>
+              <a:rPr lang="en-US"/>
               <a:t>Click to edit Master text styles</a:t>
             </a:r>
           </a:p>
@@ -2652,38 +2641,37 @@
           <a:p>
             <a:pPr lvl="0"/>
             <a:r>
-              <a:rPr lang="en-US" smtClean="0"/>
+              <a:rPr lang="en-US"/>
               <a:t>Click to edit Master text styles</a:t>
             </a:r>
           </a:p>
           <a:p>
             <a:pPr lvl="1"/>
             <a:r>
-              <a:rPr lang="en-US" smtClean="0"/>
+              <a:rPr lang="en-US"/>
               <a:t>Second level</a:t>
             </a:r>
           </a:p>
           <a:p>
             <a:pPr lvl="2"/>
             <a:r>
-              <a:rPr lang="en-US" smtClean="0"/>
+              <a:rPr lang="en-US"/>
               <a:t>Third level</a:t>
             </a:r>
           </a:p>
           <a:p>
             <a:pPr lvl="3"/>
             <a:r>
-              <a:rPr lang="en-US" smtClean="0"/>
+              <a:rPr lang="en-US"/>
               <a:t>Fourth level</a:t>
             </a:r>
           </a:p>
           <a:p>
             <a:pPr lvl="4"/>
             <a:r>
-              <a:rPr lang="en-US" smtClean="0"/>
+              <a:rPr lang="en-US"/>
               <a:t>Fifth level</a:t>
             </a:r>
-            <a:endParaRPr lang="en-US"/>
           </a:p>
         </p:txBody>
       </p:sp>
@@ -2704,7 +2692,7 @@
           <a:p>
             <a:fld id="{56B6BD69-149A-CD41-9E7C-E241C9398BA0}" type="datetimeFigureOut">
               <a:rPr lang="en-US" smtClean="0"/>
-              <a:t>3/17/2017</a:t>
+              <a:t>3/18/2017</a:t>
             </a:fld>
             <a:endParaRPr lang="en-US"/>
           </a:p>
@@ -2798,10 +2786,9 @@
           <a:lstStyle/>
           <a:p>
             <a:r>
-              <a:rPr lang="en-US" smtClean="0"/>
+              <a:rPr lang="en-US"/>
               <a:t>Click to edit Master title style</a:t>
             </a:r>
-            <a:endParaRPr lang="en-US"/>
           </a:p>
         </p:txBody>
       </p:sp>
@@ -2822,7 +2809,7 @@
           <a:p>
             <a:fld id="{56B6BD69-149A-CD41-9E7C-E241C9398BA0}" type="datetimeFigureOut">
               <a:rPr lang="en-US" smtClean="0"/>
-              <a:t>3/17/2017</a:t>
+              <a:t>3/18/2017</a:t>
             </a:fld>
             <a:endParaRPr lang="en-US"/>
           </a:p>
@@ -2917,7 +2904,7 @@
           <a:p>
             <a:fld id="{56B6BD69-149A-CD41-9E7C-E241C9398BA0}" type="datetimeFigureOut">
               <a:rPr lang="en-US" smtClean="0"/>
-              <a:t>3/17/2017</a:t>
+              <a:t>3/18/2017</a:t>
             </a:fld>
             <a:endParaRPr lang="en-US"/>
           </a:p>
@@ -3020,10 +3007,9 @@
           </a:lstStyle>
           <a:p>
             <a:r>
-              <a:rPr lang="en-US" smtClean="0"/>
+              <a:rPr lang="en-US"/>
               <a:t>Click to edit Master title style</a:t>
             </a:r>
-            <a:endParaRPr lang="en-US"/>
           </a:p>
         </p:txBody>
       </p:sp>
@@ -3077,38 +3063,37 @@
           <a:p>
             <a:pPr lvl="0"/>
             <a:r>
-              <a:rPr lang="en-US" smtClean="0"/>
+              <a:rPr lang="en-US"/>
               <a:t>Click to edit Master text styles</a:t>
             </a:r>
           </a:p>
           <a:p>
             <a:pPr lvl="1"/>
             <a:r>
-              <a:rPr lang="en-US" smtClean="0"/>
+              <a:rPr lang="en-US"/>
               <a:t>Second level</a:t>
             </a:r>
           </a:p>
           <a:p>
             <a:pPr lvl="2"/>
             <a:r>
-              <a:rPr lang="en-US" smtClean="0"/>
+              <a:rPr lang="en-US"/>
               <a:t>Third level</a:t>
             </a:r>
           </a:p>
           <a:p>
             <a:pPr lvl="3"/>
             <a:r>
-              <a:rPr lang="en-US" smtClean="0"/>
+              <a:rPr lang="en-US"/>
               <a:t>Fourth level</a:t>
             </a:r>
           </a:p>
           <a:p>
             <a:pPr lvl="4"/>
             <a:r>
-              <a:rPr lang="en-US" smtClean="0"/>
+              <a:rPr lang="en-US"/>
               <a:t>Fifth level</a:t>
             </a:r>
-            <a:endParaRPr lang="en-US"/>
           </a:p>
         </p:txBody>
       </p:sp>
@@ -3171,7 +3156,7 @@
           <a:p>
             <a:pPr lvl="0"/>
             <a:r>
-              <a:rPr lang="en-US" smtClean="0"/>
+              <a:rPr lang="en-US"/>
               <a:t>Click to edit Master text styles</a:t>
             </a:r>
           </a:p>
@@ -3194,7 +3179,7 @@
           <a:p>
             <a:fld id="{56B6BD69-149A-CD41-9E7C-E241C9398BA0}" type="datetimeFigureOut">
               <a:rPr lang="en-US" smtClean="0"/>
-              <a:t>3/17/2017</a:t>
+              <a:t>3/18/2017</a:t>
             </a:fld>
             <a:endParaRPr lang="en-US"/>
           </a:p>
@@ -3297,10 +3282,9 @@
           </a:lstStyle>
           <a:p>
             <a:r>
-              <a:rPr lang="en-US" smtClean="0"/>
+              <a:rPr lang="en-US"/>
               <a:t>Click to edit Master title style</a:t>
             </a:r>
-            <a:endParaRPr lang="en-US"/>
           </a:p>
         </p:txBody>
       </p:sp>
@@ -3362,10 +3346,9 @@
           </a:lstStyle>
           <a:p>
             <a:r>
-              <a:rPr lang="en-US" smtClean="0"/>
+              <a:rPr lang="en-US"/>
               <a:t>Click icon to add picture</a:t>
             </a:r>
-            <a:endParaRPr lang="en-US"/>
           </a:p>
         </p:txBody>
       </p:sp>
@@ -3428,7 +3411,7 @@
           <a:p>
             <a:pPr lvl="0"/>
             <a:r>
-              <a:rPr lang="en-US" smtClean="0"/>
+              <a:rPr lang="en-US"/>
               <a:t>Click to edit Master text styles</a:t>
             </a:r>
           </a:p>
@@ -3451,7 +3434,7 @@
           <a:p>
             <a:fld id="{56B6BD69-149A-CD41-9E7C-E241C9398BA0}" type="datetimeFigureOut">
               <a:rPr lang="en-US" smtClean="0"/>
-              <a:t>3/17/2017</a:t>
+              <a:t>3/18/2017</a:t>
             </a:fld>
             <a:endParaRPr lang="en-US"/>
           </a:p>
@@ -3560,10 +3543,9 @@
           <a:lstStyle/>
           <a:p>
             <a:r>
-              <a:rPr lang="en-US" smtClean="0"/>
+              <a:rPr lang="en-US"/>
               <a:t>Click to edit Master title style</a:t>
             </a:r>
-            <a:endParaRPr lang="en-US"/>
           </a:p>
         </p:txBody>
       </p:sp>
@@ -3594,38 +3576,37 @@
           <a:p>
             <a:pPr lvl="0"/>
             <a:r>
-              <a:rPr lang="en-US" smtClean="0"/>
+              <a:rPr lang="en-US"/>
               <a:t>Click to edit Master text styles</a:t>
             </a:r>
           </a:p>
           <a:p>
             <a:pPr lvl="1"/>
             <a:r>
-              <a:rPr lang="en-US" smtClean="0"/>
+              <a:rPr lang="en-US"/>
               <a:t>Second level</a:t>
             </a:r>
           </a:p>
           <a:p>
             <a:pPr lvl="2"/>
             <a:r>
-              <a:rPr lang="en-US" smtClean="0"/>
+              <a:rPr lang="en-US"/>
               <a:t>Third level</a:t>
             </a:r>
           </a:p>
           <a:p>
             <a:pPr lvl="3"/>
             <a:r>
-              <a:rPr lang="en-US" smtClean="0"/>
+              <a:rPr lang="en-US"/>
               <a:t>Fourth level</a:t>
             </a:r>
           </a:p>
           <a:p>
             <a:pPr lvl="4"/>
             <a:r>
-              <a:rPr lang="en-US" smtClean="0"/>
+              <a:rPr lang="en-US"/>
               <a:t>Fifth level</a:t>
             </a:r>
-            <a:endParaRPr lang="en-US" dirty="0"/>
           </a:p>
         </p:txBody>
       </p:sp>
@@ -3664,7 +3645,7 @@
           <a:p>
             <a:fld id="{56B6BD69-149A-CD41-9E7C-E241C9398BA0}" type="datetimeFigureOut">
               <a:rPr lang="en-US" smtClean="0"/>
-              <a:t>3/17/2017</a:t>
+              <a:t>3/18/2017</a:t>
             </a:fld>
             <a:endParaRPr lang="en-US"/>
           </a:p>
@@ -4063,10 +4044,9 @@
           <a:p>
             <a:pPr algn="l"/>
             <a:r>
-              <a:rPr lang="en-US" sz="8000" b="1" cap="all" dirty="0" smtClean="0"/>
+              <a:rPr lang="en-US" sz="8000" b="1" cap="all"/>
               <a:t>Big Data Analytics:</a:t>
             </a:r>
-            <a:endParaRPr lang="en-US" sz="8000" b="1" cap="all" dirty="0"/>
           </a:p>
         </p:txBody>
       </p:sp>
@@ -4096,66 +4076,13 @@
               <a:buNone/>
             </a:pPr>
             <a:r>
-              <a:rPr lang="en-US" sz="5400" dirty="0" smtClean="0">
+              <a:rPr lang="en-US" sz="5400">
                 <a:solidFill>
                   <a:srgbClr val="F37321"/>
                 </a:solidFill>
               </a:rPr>
               <a:t>Effects of Memory Management and Parallelism</a:t>
             </a:r>
-            <a:endParaRPr lang="en-US" sz="5400" dirty="0">
-              <a:solidFill>
-                <a:srgbClr val="F37321"/>
-              </a:solidFill>
-            </a:endParaRPr>
-          </a:p>
-        </p:txBody>
-      </p:sp>
-      <p:sp>
-        <p:nvSpPr>
-          <p:cNvPr id="12" name="Rectangle 11"/>
-          <p:cNvSpPr/>
-          <p:nvPr/>
-        </p:nvSpPr>
-        <p:spPr>
-          <a:xfrm>
-            <a:off x="22224885" y="5671613"/>
-            <a:ext cx="9222475" cy="6047739"/>
-          </a:xfrm>
-          <a:prstGeom prst="rect">
-            <a:avLst/>
-          </a:prstGeom>
-          <a:solidFill>
-            <a:schemeClr val="accent2">
-              <a:lumMod val="20000"/>
-              <a:lumOff val="80000"/>
-            </a:schemeClr>
-          </a:solidFill>
-          <a:ln>
-            <a:noFill/>
-          </a:ln>
-          <a:effectLst/>
-        </p:spPr>
-        <p:style>
-          <a:lnRef idx="1">
-            <a:schemeClr val="accent1"/>
-          </a:lnRef>
-          <a:fillRef idx="3">
-            <a:schemeClr val="accent1"/>
-          </a:fillRef>
-          <a:effectRef idx="2">
-            <a:schemeClr val="accent1"/>
-          </a:effectRef>
-          <a:fontRef idx="minor">
-            <a:schemeClr val="lt1"/>
-          </a:fontRef>
-        </p:style>
-        <p:txBody>
-          <a:bodyPr rtlCol="0" anchor="ctr"/>
-          <a:lstStyle/>
-          <a:p>
-            <a:pPr algn="ctr"/>
-            <a:endParaRPr lang="en-US"/>
           </a:p>
         </p:txBody>
       </p:sp>
@@ -4187,7 +4114,7 @@
               </a:spcAft>
             </a:pPr>
             <a:r>
-              <a:rPr lang="en-US" sz="3600" b="1" dirty="0" smtClean="0">
+              <a:rPr lang="en-US" sz="3600" b="1">
                 <a:solidFill>
                   <a:srgbClr val="5D87A1"/>
                 </a:solidFill>
@@ -4202,218 +4129,9 @@
               </a:spcAft>
             </a:pPr>
             <a:r>
-              <a:rPr lang="en-US" sz="3000" dirty="0" smtClean="0"/>
-              <a:t>Body. Lorem ipsum dolor sit </a:t>
-            </a:r>
-            <a:r>
-              <a:rPr lang="en-US" sz="3000" dirty="0" err="1" smtClean="0"/>
-              <a:t>amet</a:t>
-            </a:r>
-            <a:r>
-              <a:rPr lang="en-US" sz="3000" dirty="0" smtClean="0"/>
-              <a:t>, </a:t>
-            </a:r>
-            <a:r>
-              <a:rPr lang="en-US" sz="3000" dirty="0" err="1" smtClean="0"/>
-              <a:t>consectetur</a:t>
-            </a:r>
-            <a:r>
-              <a:rPr lang="en-US" sz="3000" dirty="0" smtClean="0"/>
-              <a:t> </a:t>
-            </a:r>
-            <a:r>
-              <a:rPr lang="en-US" sz="3000" dirty="0" err="1" smtClean="0"/>
-              <a:t>adipiscing</a:t>
-            </a:r>
-            <a:r>
-              <a:rPr lang="en-US" sz="3000" dirty="0" smtClean="0"/>
-              <a:t> </a:t>
-            </a:r>
-            <a:r>
-              <a:rPr lang="en-US" sz="3000" dirty="0" err="1" smtClean="0"/>
-              <a:t>elit</a:t>
-            </a:r>
-            <a:r>
-              <a:rPr lang="en-US" sz="3000" dirty="0" smtClean="0"/>
-              <a:t>. </a:t>
-            </a:r>
-            <a:r>
-              <a:rPr lang="en-US" sz="3000" dirty="0" err="1" smtClean="0"/>
-              <a:t>Etiam</a:t>
-            </a:r>
-            <a:r>
-              <a:rPr lang="en-US" sz="3000" dirty="0" smtClean="0"/>
-              <a:t> </a:t>
-            </a:r>
-            <a:r>
-              <a:rPr lang="en-US" sz="3000" dirty="0" err="1" smtClean="0"/>
-              <a:t>tristique</a:t>
-            </a:r>
-            <a:r>
-              <a:rPr lang="en-US" sz="3000" dirty="0" smtClean="0"/>
-              <a:t> </a:t>
-            </a:r>
-            <a:r>
-              <a:rPr lang="en-US" sz="3000" dirty="0" err="1" smtClean="0"/>
-              <a:t>consequat</a:t>
-            </a:r>
-            <a:r>
-              <a:rPr lang="en-US" sz="3000" dirty="0" smtClean="0"/>
-              <a:t> </a:t>
-            </a:r>
-            <a:r>
-              <a:rPr lang="en-US" sz="3000" dirty="0" err="1" smtClean="0"/>
-              <a:t>laoreet</a:t>
-            </a:r>
-            <a:r>
-              <a:rPr lang="en-US" sz="3000" dirty="0" smtClean="0"/>
-              <a:t>. Nunc </a:t>
-            </a:r>
-            <a:r>
-              <a:rPr lang="en-US" sz="3000" dirty="0" err="1" smtClean="0"/>
-              <a:t>fermentum</a:t>
-            </a:r>
-            <a:r>
-              <a:rPr lang="en-US" sz="3000" dirty="0" smtClean="0"/>
-              <a:t> </a:t>
-            </a:r>
-            <a:r>
-              <a:rPr lang="en-US" sz="3000" dirty="0" err="1" smtClean="0"/>
-              <a:t>pulvinar</a:t>
-            </a:r>
-            <a:r>
-              <a:rPr lang="en-US" sz="3000" dirty="0" smtClean="0"/>
-              <a:t> </a:t>
-            </a:r>
-            <a:r>
-              <a:rPr lang="en-US" sz="3000" dirty="0" err="1" smtClean="0"/>
-              <a:t>ornare</a:t>
-            </a:r>
-            <a:r>
-              <a:rPr lang="en-US" sz="3000" dirty="0" smtClean="0"/>
-              <a:t>. </a:t>
-            </a:r>
-            <a:r>
-              <a:rPr lang="en-US" sz="3000" dirty="0" err="1" smtClean="0"/>
-              <a:t>Fusce</a:t>
-            </a:r>
-            <a:r>
-              <a:rPr lang="en-US" sz="3000" dirty="0" smtClean="0"/>
-              <a:t> ac </a:t>
-            </a:r>
-            <a:r>
-              <a:rPr lang="en-US" sz="3000" dirty="0" err="1" smtClean="0"/>
-              <a:t>nunc</a:t>
-            </a:r>
-            <a:r>
-              <a:rPr lang="en-US" sz="3000" dirty="0" smtClean="0"/>
-              <a:t> in </a:t>
-            </a:r>
-            <a:r>
-              <a:rPr lang="en-US" sz="3000" dirty="0" err="1" smtClean="0"/>
-              <a:t>leo</a:t>
-            </a:r>
-            <a:r>
-              <a:rPr lang="en-US" sz="3000" dirty="0" smtClean="0"/>
-              <a:t> </a:t>
-            </a:r>
-            <a:r>
-              <a:rPr lang="en-US" sz="3000" dirty="0" err="1" smtClean="0"/>
-              <a:t>blandit</a:t>
-            </a:r>
-            <a:r>
-              <a:rPr lang="en-US" sz="3000" dirty="0" smtClean="0"/>
-              <a:t> </a:t>
-            </a:r>
-            <a:r>
-              <a:rPr lang="en-US" sz="3000" dirty="0" err="1" smtClean="0"/>
-              <a:t>sagittis</a:t>
-            </a:r>
-            <a:r>
-              <a:rPr lang="en-US" sz="3000" dirty="0" smtClean="0"/>
-              <a:t> </a:t>
-            </a:r>
-            <a:r>
-              <a:rPr lang="en-US" sz="3000" dirty="0" err="1" smtClean="0"/>
-              <a:t>fermentum</a:t>
-            </a:r>
-            <a:r>
-              <a:rPr lang="en-US" sz="3000" dirty="0" smtClean="0"/>
-              <a:t> </a:t>
-            </a:r>
-            <a:r>
-              <a:rPr lang="en-US" sz="3000" dirty="0" err="1" smtClean="0"/>
-              <a:t>eu</a:t>
-            </a:r>
-            <a:r>
-              <a:rPr lang="en-US" sz="3000" dirty="0" smtClean="0"/>
-              <a:t> sem. </a:t>
-            </a:r>
-            <a:r>
-              <a:rPr lang="en-US" sz="3000" dirty="0" err="1" smtClean="0"/>
-              <a:t>Curabitur</a:t>
-            </a:r>
-            <a:r>
-              <a:rPr lang="en-US" sz="3000" dirty="0" smtClean="0"/>
-              <a:t> ligula </a:t>
-            </a:r>
-            <a:r>
-              <a:rPr lang="en-US" sz="3000" dirty="0" err="1" smtClean="0"/>
-              <a:t>odio</a:t>
-            </a:r>
-            <a:r>
-              <a:rPr lang="en-US" sz="3000" dirty="0" smtClean="0"/>
-              <a:t>, </a:t>
-            </a:r>
-            <a:r>
-              <a:rPr lang="en-US" sz="3000" dirty="0" err="1" smtClean="0"/>
-              <a:t>facilisis</a:t>
-            </a:r>
-            <a:r>
-              <a:rPr lang="en-US" sz="3000" dirty="0" smtClean="0"/>
-              <a:t> in </a:t>
-            </a:r>
-            <a:r>
-              <a:rPr lang="en-US" sz="3000" dirty="0" err="1" smtClean="0"/>
-              <a:t>tincidunt</a:t>
-            </a:r>
-            <a:r>
-              <a:rPr lang="en-US" sz="3000" dirty="0" smtClean="0"/>
-              <a:t> </a:t>
-            </a:r>
-            <a:r>
-              <a:rPr lang="en-US" sz="3000" dirty="0" err="1" smtClean="0"/>
-              <a:t>vel</a:t>
-            </a:r>
-            <a:r>
-              <a:rPr lang="en-US" sz="3000" dirty="0" smtClean="0"/>
-              <a:t>, </a:t>
-            </a:r>
-            <a:r>
-              <a:rPr lang="en-US" sz="3000" dirty="0" err="1" smtClean="0"/>
-              <a:t>scelerisque</a:t>
-            </a:r>
-            <a:r>
-              <a:rPr lang="en-US" sz="3000" dirty="0" smtClean="0"/>
-              <a:t> </a:t>
-            </a:r>
-            <a:r>
-              <a:rPr lang="en-US" sz="3000" dirty="0" err="1" smtClean="0"/>
-              <a:t>quis</a:t>
-            </a:r>
-            <a:r>
-              <a:rPr lang="en-US" sz="3000" dirty="0" smtClean="0"/>
-              <a:t> </a:t>
-            </a:r>
-            <a:r>
-              <a:rPr lang="en-US" sz="3000" dirty="0" err="1" smtClean="0"/>
-              <a:t>nulla</a:t>
-            </a:r>
-            <a:r>
-              <a:rPr lang="en-US" sz="3000" dirty="0" smtClean="0"/>
-              <a:t>.</a:t>
-            </a:r>
-            <a:endParaRPr lang="en-US" sz="3000" dirty="0" smtClean="0"/>
+              <a:rPr lang="en-US" sz="3000"/>
+              <a:t>Emphasis was placed on both documented and undocumented parameters focused on managing work area size. A specified work area provides the allotment of memory used to complete an operation such as sort or hash. If a work area size is surpassed, the operation spills to disk to complete to work which causes drastic increase in execution time.</a:t>
+            </a:r>
           </a:p>
           <a:p>
             <a:pPr>
@@ -4422,14 +4140,32 @@
               </a:spcAft>
             </a:pPr>
             <a:r>
-              <a:rPr lang="en-US" sz="3600" b="1" dirty="0" smtClean="0">
+              <a:rPr lang="en-US" sz="3600" b="1">
                 <a:solidFill>
                   <a:srgbClr val="5D87A1"/>
                 </a:solidFill>
               </a:rPr>
               <a:t>Automatic Big Table Cache</a:t>
             </a:r>
-            <a:endParaRPr lang="en-US" sz="3600" b="1" dirty="0">
+          </a:p>
+          <a:p>
+            <a:pPr>
+              <a:spcAft>
+                <a:spcPts val="1800"/>
+              </a:spcAft>
+            </a:pPr>
+            <a:r>
+              <a:rPr lang="en-US" sz="3000"/>
+              <a:t>New feature as of Oracle 12c, uses a temperature based algorithm to determine which tables considered large should be stored in a cache store located in the SGA. When enabled, stores table after initial scan so benefits are seen upon replicate samples.</a:t>
+            </a:r>
+          </a:p>
+          <a:p>
+            <a:pPr>
+              <a:spcAft>
+                <a:spcPts val="1800"/>
+              </a:spcAft>
+            </a:pPr>
+            <a:endParaRPr lang="en-US" sz="3600" b="1">
               <a:solidFill>
                 <a:srgbClr val="5D87A1"/>
               </a:solidFill>
@@ -4441,215 +4177,7 @@
                 <a:spcPts val="1800"/>
               </a:spcAft>
             </a:pPr>
-            <a:r>
-              <a:rPr lang="en-US" sz="3000" dirty="0" err="1" smtClean="0"/>
-              <a:t>Urna</a:t>
-            </a:r>
-            <a:r>
-              <a:rPr lang="en-US" sz="3000" dirty="0" smtClean="0"/>
-              <a:t> </a:t>
-            </a:r>
-            <a:r>
-              <a:rPr lang="en-US" sz="3000" dirty="0" err="1" smtClean="0"/>
-              <a:t>aliquet</a:t>
-            </a:r>
-            <a:r>
-              <a:rPr lang="en-US" sz="3000" dirty="0" smtClean="0"/>
-              <a:t> </a:t>
-            </a:r>
-            <a:r>
-              <a:rPr lang="en-US" sz="3000" dirty="0" err="1" smtClean="0"/>
-              <a:t>mattis</a:t>
-            </a:r>
-            <a:r>
-              <a:rPr lang="en-US" sz="3000" dirty="0" smtClean="0"/>
-              <a:t>. </a:t>
-            </a:r>
-            <a:r>
-              <a:rPr lang="en-US" sz="3000" dirty="0" err="1" smtClean="0"/>
-              <a:t>Nunc</a:t>
-            </a:r>
-            <a:r>
-              <a:rPr lang="en-US" sz="3000" dirty="0" smtClean="0"/>
-              <a:t> </a:t>
-            </a:r>
-            <a:r>
-              <a:rPr lang="en-US" sz="3000" dirty="0" err="1" smtClean="0"/>
-              <a:t>quis</a:t>
-            </a:r>
-            <a:r>
-              <a:rPr lang="en-US" sz="3000" dirty="0" smtClean="0"/>
-              <a:t> </a:t>
-            </a:r>
-            <a:r>
-              <a:rPr lang="en-US" sz="3000" dirty="0" err="1" smtClean="0"/>
-              <a:t>enim</a:t>
-            </a:r>
-            <a:r>
-              <a:rPr lang="en-US" sz="3000" dirty="0" smtClean="0"/>
-              <a:t> </a:t>
-            </a:r>
-            <a:r>
-              <a:rPr lang="en-US" sz="3000" dirty="0" err="1" smtClean="0"/>
-              <a:t>lorem</a:t>
-            </a:r>
-            <a:r>
-              <a:rPr lang="en-US" sz="3000" dirty="0" smtClean="0"/>
-              <a:t>, </a:t>
-            </a:r>
-            <a:r>
-              <a:rPr lang="en-US" sz="3000" dirty="0" err="1" smtClean="0"/>
-              <a:t>aliquam</a:t>
-            </a:r>
-            <a:r>
-              <a:rPr lang="en-US" sz="3000" dirty="0" smtClean="0"/>
-              <a:t> </a:t>
-            </a:r>
-            <a:r>
-              <a:rPr lang="en-US" sz="3000" dirty="0" err="1" smtClean="0"/>
-              <a:t>consectetur</a:t>
-            </a:r>
-            <a:r>
-              <a:rPr lang="en-US" sz="3000" dirty="0" smtClean="0"/>
-              <a:t> </a:t>
-            </a:r>
-            <a:r>
-              <a:rPr lang="en-US" sz="3000" dirty="0" err="1" smtClean="0"/>
-              <a:t>justo</a:t>
-            </a:r>
-            <a:r>
-              <a:rPr lang="en-US" sz="3000" dirty="0" smtClean="0"/>
-              <a:t>. </a:t>
-            </a:r>
-            <a:r>
-              <a:rPr lang="en-US" sz="3000" dirty="0" err="1" smtClean="0"/>
-              <a:t>Ut</a:t>
-            </a:r>
-            <a:r>
-              <a:rPr lang="en-US" sz="3000" dirty="0" smtClean="0"/>
-              <a:t> </a:t>
-            </a:r>
-            <a:r>
-              <a:rPr lang="en-US" sz="3000" dirty="0" err="1" smtClean="0"/>
-              <a:t>interdum</a:t>
-            </a:r>
-            <a:r>
-              <a:rPr lang="en-US" sz="3000" dirty="0" smtClean="0"/>
-              <a:t> </a:t>
-            </a:r>
-            <a:r>
-              <a:rPr lang="en-US" sz="3000" dirty="0" err="1" smtClean="0"/>
-              <a:t>facilisis</a:t>
-            </a:r>
-            <a:r>
-              <a:rPr lang="en-US" sz="3000" dirty="0" smtClean="0"/>
-              <a:t> ante </a:t>
-            </a:r>
-            <a:r>
-              <a:rPr lang="en-US" sz="3000" dirty="0" err="1" smtClean="0"/>
-              <a:t>luctus</a:t>
-            </a:r>
-            <a:r>
-              <a:rPr lang="en-US" sz="3000" dirty="0" smtClean="0"/>
-              <a:t> </a:t>
-            </a:r>
-            <a:r>
-              <a:rPr lang="en-US" sz="3000" dirty="0" err="1" smtClean="0"/>
-              <a:t>tincidunt</a:t>
-            </a:r>
-            <a:r>
-              <a:rPr lang="en-US" sz="3000" dirty="0" smtClean="0"/>
-              <a:t>. </a:t>
-            </a:r>
-            <a:r>
-              <a:rPr lang="en-US" sz="3000" dirty="0" err="1" smtClean="0"/>
-              <a:t>Aenean</a:t>
-            </a:r>
-            <a:r>
-              <a:rPr lang="en-US" sz="3000" dirty="0" smtClean="0"/>
-              <a:t> vitae </a:t>
-            </a:r>
-            <a:r>
-              <a:rPr lang="en-US" sz="3000" dirty="0" err="1" smtClean="0"/>
-              <a:t>sapien</a:t>
-            </a:r>
-            <a:r>
-              <a:rPr lang="en-US" sz="3000" dirty="0" smtClean="0"/>
-              <a:t> </a:t>
-            </a:r>
-            <a:r>
-              <a:rPr lang="en-US" sz="3000" dirty="0" err="1" smtClean="0"/>
-              <a:t>nulla</a:t>
-            </a:r>
-            <a:r>
-              <a:rPr lang="en-US" sz="3000" dirty="0" smtClean="0"/>
-              <a:t>, </a:t>
-            </a:r>
-            <a:r>
-              <a:rPr lang="en-US" sz="3000" dirty="0" err="1" smtClean="0"/>
-              <a:t>sed</a:t>
-            </a:r>
-            <a:r>
-              <a:rPr lang="en-US" sz="3000" dirty="0" smtClean="0"/>
-              <a:t> dictum dui. </a:t>
-            </a:r>
-            <a:r>
-              <a:rPr lang="en-US" sz="3000" dirty="0" err="1" smtClean="0"/>
-              <a:t>Morbi</a:t>
-            </a:r>
-            <a:r>
-              <a:rPr lang="en-US" sz="3000" dirty="0" smtClean="0"/>
-              <a:t> </a:t>
-            </a:r>
-            <a:r>
-              <a:rPr lang="en-US" sz="3000" dirty="0" err="1" smtClean="0"/>
-              <a:t>diam</a:t>
-            </a:r>
-            <a:r>
-              <a:rPr lang="en-US" sz="3000" dirty="0" smtClean="0"/>
-              <a:t> </a:t>
-            </a:r>
-            <a:r>
-              <a:rPr lang="en-US" sz="3000" dirty="0" err="1" smtClean="0"/>
-              <a:t>lectus</a:t>
-            </a:r>
-            <a:r>
-              <a:rPr lang="en-US" sz="3000" dirty="0" smtClean="0"/>
-              <a:t>, porta id </a:t>
-            </a:r>
-            <a:r>
-              <a:rPr lang="en-US" sz="3000" dirty="0" err="1" smtClean="0"/>
-              <a:t>malesuada</a:t>
-            </a:r>
-            <a:r>
-              <a:rPr lang="en-US" sz="3000" dirty="0" smtClean="0"/>
-              <a:t> </a:t>
-            </a:r>
-            <a:r>
-              <a:rPr lang="en-US" sz="3000" dirty="0" err="1" smtClean="0"/>
-              <a:t>eu</a:t>
-            </a:r>
-            <a:r>
-              <a:rPr lang="en-US" sz="3000" dirty="0" smtClean="0"/>
-              <a:t>, </a:t>
-            </a:r>
-            <a:r>
-              <a:rPr lang="en-US" sz="3000" dirty="0" err="1" smtClean="0"/>
-              <a:t>consequat</a:t>
-            </a:r>
-            <a:r>
-              <a:rPr lang="en-US" sz="3000" dirty="0" smtClean="0"/>
-              <a:t> a ante. </a:t>
-            </a:r>
-            <a:endParaRPr lang="en-US" sz="3000" dirty="0"/>
-          </a:p>
-          <a:p>
-            <a:pPr>
-              <a:spcAft>
-                <a:spcPts val="1800"/>
-              </a:spcAft>
-            </a:pPr>
-            <a:endParaRPr lang="en-US" sz="3600" b="1" dirty="0">
+            <a:endParaRPr lang="en-US" sz="3600" b="1">
               <a:solidFill>
                 <a:srgbClr val="5D87A1"/>
               </a:solidFill>
@@ -4661,7 +4189,7 @@
                 <a:spcPts val="1800"/>
               </a:spcAft>
             </a:pPr>
-            <a:endParaRPr lang="en-US" sz="3600" b="1" dirty="0" smtClean="0">
+            <a:endParaRPr lang="en-US" sz="3600" b="1">
               <a:solidFill>
                 <a:srgbClr val="5D87A1"/>
               </a:solidFill>
@@ -4673,7 +4201,7 @@
                 <a:spcPts val="1800"/>
               </a:spcAft>
             </a:pPr>
-            <a:endParaRPr lang="en-US" sz="3600" b="1" dirty="0">
+            <a:endParaRPr lang="en-US" sz="3600" b="1">
               <a:solidFill>
                 <a:srgbClr val="5D87A1"/>
               </a:solidFill>
@@ -4685,7 +4213,7 @@
                 <a:spcPts val="1800"/>
               </a:spcAft>
             </a:pPr>
-            <a:endParaRPr lang="en-US" sz="3600" b="1" dirty="0" smtClean="0">
+            <a:endParaRPr lang="en-US" sz="3600" b="1">
               <a:solidFill>
                 <a:srgbClr val="5D87A1"/>
               </a:solidFill>
@@ -4697,7 +4225,7 @@
                 <a:spcPts val="1800"/>
               </a:spcAft>
             </a:pPr>
-            <a:endParaRPr lang="en-US" sz="3600" b="1" dirty="0">
+            <a:endParaRPr lang="en-US" sz="3600" b="1">
               <a:solidFill>
                 <a:srgbClr val="5D87A1"/>
               </a:solidFill>
@@ -4709,7 +4237,7 @@
                 <a:spcPts val="1800"/>
               </a:spcAft>
             </a:pPr>
-            <a:endParaRPr lang="en-US" sz="3600" b="1" dirty="0" smtClean="0">
+            <a:endParaRPr lang="en-US" sz="3600" b="1">
               <a:solidFill>
                 <a:srgbClr val="5D87A1"/>
               </a:solidFill>
@@ -4721,7 +4249,7 @@
                 <a:spcPts val="1800"/>
               </a:spcAft>
             </a:pPr>
-            <a:endParaRPr lang="en-US" sz="3600" b="1" dirty="0" smtClean="0">
+            <a:endParaRPr lang="en-US" sz="2800" b="1">
               <a:solidFill>
                 <a:srgbClr val="5D87A1"/>
               </a:solidFill>
@@ -4733,9 +4261,9 @@
                 <a:spcPts val="1800"/>
               </a:spcAft>
             </a:pPr>
-            <a:endParaRPr lang="en-US" sz="3600" b="1" dirty="0" smtClean="0">
+            <a:endParaRPr lang="en-US" sz="2800" b="1">
               <a:solidFill>
-                <a:srgbClr val="5D87A1"/>
+                <a:srgbClr val="000000"/>
               </a:solidFill>
             </a:endParaRPr>
           </a:p>
@@ -4746,26 +4274,25 @@
               </a:spcAft>
             </a:pPr>
             <a:r>
-              <a:rPr lang="en-US" sz="3600" b="1" dirty="0" smtClean="0">
+              <a:rPr lang="en-US" sz="2800" b="1"/>
+              <a:t>Figure 2: BT Cache Experiment</a:t>
+            </a:r>
+          </a:p>
+          <a:p>
+            <a:pPr>
+              <a:spcAft>
+                <a:spcPts val="1800"/>
+              </a:spcAft>
+            </a:pPr>
+            <a:r>
+              <a:rPr lang="en-US" sz="3600" b="1">
                 <a:solidFill>
                   <a:srgbClr val="5D87A1"/>
                 </a:solidFill>
               </a:rPr>
-              <a:t>In-Memory </a:t>
-            </a:r>
-            <a:r>
-              <a:rPr lang="en-US" sz="3600" b="1" dirty="0" smtClean="0">
-                <a:solidFill>
-                  <a:srgbClr val="5D87A1"/>
-                </a:solidFill>
-              </a:rPr>
-              <a:t>Column Store</a:t>
-            </a:r>
-            <a:endParaRPr lang="en-US" sz="3600" b="1" dirty="0">
-              <a:solidFill>
-                <a:srgbClr val="5D87A1"/>
-              </a:solidFill>
-            </a:endParaRPr>
+              <a:t>In-Memory Column Store</a:t>
+            </a:r>
+            <a:endParaRPr lang="en-US" sz="3600" b="1"/>
           </a:p>
           <a:p>
             <a:pPr>
@@ -4774,460 +4301,16 @@
               </a:spcAft>
             </a:pPr>
             <a:r>
-              <a:rPr lang="en-US" sz="3000" dirty="0" err="1"/>
-              <a:t>Urna</a:t>
-            </a:r>
-            <a:r>
-              <a:rPr lang="en-US" sz="3000" dirty="0"/>
-              <a:t> </a:t>
-            </a:r>
-            <a:r>
-              <a:rPr lang="en-US" sz="3000" dirty="0" err="1"/>
-              <a:t>aliquet</a:t>
-            </a:r>
-            <a:r>
-              <a:rPr lang="en-US" sz="3000" dirty="0"/>
-              <a:t> </a:t>
-            </a:r>
-            <a:r>
-              <a:rPr lang="en-US" sz="3000" dirty="0" err="1"/>
-              <a:t>mattis</a:t>
-            </a:r>
-            <a:r>
-              <a:rPr lang="en-US" sz="3000" dirty="0"/>
-              <a:t>. Nunc </a:t>
-            </a:r>
-            <a:r>
-              <a:rPr lang="en-US" sz="3000" dirty="0" err="1"/>
-              <a:t>quis</a:t>
-            </a:r>
-            <a:r>
-              <a:rPr lang="en-US" sz="3000" dirty="0"/>
-              <a:t> </a:t>
-            </a:r>
-            <a:r>
-              <a:rPr lang="en-US" sz="3000" dirty="0" err="1"/>
-              <a:t>enim</a:t>
-            </a:r>
-            <a:r>
-              <a:rPr lang="en-US" sz="3000" dirty="0"/>
-              <a:t> lorem, </a:t>
-            </a:r>
-            <a:r>
-              <a:rPr lang="en-US" sz="3000" dirty="0" err="1"/>
-              <a:t>aliquam</a:t>
-            </a:r>
-            <a:r>
-              <a:rPr lang="en-US" sz="3000" dirty="0"/>
-              <a:t> </a:t>
-            </a:r>
-            <a:r>
-              <a:rPr lang="en-US" sz="3000" dirty="0" err="1"/>
-              <a:t>consectetur</a:t>
-            </a:r>
-            <a:r>
-              <a:rPr lang="en-US" sz="3000" dirty="0"/>
-              <a:t> </a:t>
-            </a:r>
-            <a:r>
-              <a:rPr lang="en-US" sz="3000" dirty="0" err="1"/>
-              <a:t>justo</a:t>
-            </a:r>
-            <a:r>
-              <a:rPr lang="en-US" sz="3000" dirty="0"/>
-              <a:t>. </a:t>
-            </a:r>
-            <a:r>
-              <a:rPr lang="en-US" sz="3000" dirty="0" err="1"/>
-              <a:t>Ut</a:t>
-            </a:r>
-            <a:r>
-              <a:rPr lang="en-US" sz="3000" dirty="0"/>
-              <a:t> </a:t>
-            </a:r>
-            <a:r>
-              <a:rPr lang="en-US" sz="3000" dirty="0" err="1"/>
-              <a:t>interdum</a:t>
-            </a:r>
-            <a:r>
-              <a:rPr lang="en-US" sz="3000" dirty="0"/>
-              <a:t> </a:t>
-            </a:r>
-            <a:r>
-              <a:rPr lang="en-US" sz="3000" dirty="0" err="1"/>
-              <a:t>facilisis</a:t>
-            </a:r>
-            <a:r>
-              <a:rPr lang="en-US" sz="3000" dirty="0"/>
-              <a:t> ante </a:t>
-            </a:r>
-            <a:r>
-              <a:rPr lang="en-US" sz="3000" dirty="0" err="1"/>
-              <a:t>luctus</a:t>
-            </a:r>
-            <a:r>
-              <a:rPr lang="en-US" sz="3000" dirty="0"/>
-              <a:t> </a:t>
-            </a:r>
-            <a:r>
-              <a:rPr lang="en-US" sz="3000" dirty="0" err="1"/>
-              <a:t>tincidunt</a:t>
-            </a:r>
-            <a:r>
-              <a:rPr lang="en-US" sz="3000" dirty="0"/>
-              <a:t>. </a:t>
-            </a:r>
-            <a:r>
-              <a:rPr lang="en-US" sz="3000" dirty="0" err="1"/>
-              <a:t>Aenean</a:t>
-            </a:r>
-            <a:r>
-              <a:rPr lang="en-US" sz="3000" dirty="0"/>
-              <a:t> vitae </a:t>
-            </a:r>
-            <a:r>
-              <a:rPr lang="en-US" sz="3000" dirty="0" err="1"/>
-              <a:t>sapien</a:t>
-            </a:r>
-            <a:r>
-              <a:rPr lang="en-US" sz="3000" dirty="0"/>
-              <a:t> </a:t>
-            </a:r>
-            <a:r>
-              <a:rPr lang="en-US" sz="3000" dirty="0" err="1"/>
-              <a:t>nulla</a:t>
-            </a:r>
-            <a:r>
-              <a:rPr lang="en-US" sz="3000" dirty="0"/>
-              <a:t>, </a:t>
-            </a:r>
-            <a:r>
-              <a:rPr lang="en-US" sz="3000" dirty="0" err="1"/>
-              <a:t>sed</a:t>
-            </a:r>
-            <a:r>
-              <a:rPr lang="en-US" sz="3000" dirty="0"/>
-              <a:t> dictum dui. </a:t>
-            </a:r>
-            <a:r>
-              <a:rPr lang="en-US" sz="3000" dirty="0" err="1"/>
-              <a:t>Morbi</a:t>
-            </a:r>
-            <a:r>
-              <a:rPr lang="en-US" sz="3000" dirty="0"/>
-              <a:t> </a:t>
-            </a:r>
-            <a:r>
-              <a:rPr lang="en-US" sz="3000" dirty="0" err="1"/>
-              <a:t>diam</a:t>
-            </a:r>
-            <a:r>
-              <a:rPr lang="en-US" sz="3000" dirty="0"/>
-              <a:t> </a:t>
-            </a:r>
-            <a:r>
-              <a:rPr lang="en-US" sz="3000" dirty="0" err="1"/>
-              <a:t>lectus</a:t>
-            </a:r>
-            <a:r>
-              <a:rPr lang="en-US" sz="3000" dirty="0"/>
-              <a:t>, porta id </a:t>
-            </a:r>
-            <a:r>
-              <a:rPr lang="en-US" sz="3000" dirty="0" err="1"/>
-              <a:t>malesuada</a:t>
-            </a:r>
-            <a:r>
-              <a:rPr lang="en-US" sz="3000" dirty="0"/>
-              <a:t> </a:t>
-            </a:r>
-            <a:r>
-              <a:rPr lang="en-US" sz="3000" dirty="0" err="1"/>
-              <a:t>eu</a:t>
-            </a:r>
-            <a:r>
-              <a:rPr lang="en-US" sz="3000" dirty="0"/>
-              <a:t>, </a:t>
-            </a:r>
-            <a:r>
-              <a:rPr lang="en-US" sz="3000" dirty="0" err="1"/>
-              <a:t>consequat</a:t>
-            </a:r>
-            <a:r>
-              <a:rPr lang="en-US" sz="3000" dirty="0"/>
-              <a:t> a ante. </a:t>
-            </a:r>
-            <a:r>
-              <a:rPr lang="en-US" sz="3000" dirty="0" err="1"/>
-              <a:t>Nullam</a:t>
-            </a:r>
-            <a:r>
-              <a:rPr lang="en-US" sz="3000" dirty="0"/>
-              <a:t> vitae </a:t>
-            </a:r>
-            <a:r>
-              <a:rPr lang="en-US" sz="3000" dirty="0" err="1"/>
-              <a:t>varius</a:t>
-            </a:r>
-            <a:r>
-              <a:rPr lang="en-US" sz="3000" dirty="0"/>
-              <a:t> est. </a:t>
-            </a:r>
-            <a:r>
-              <a:rPr lang="en-US" sz="3000" dirty="0" err="1"/>
-              <a:t>Vivamus</a:t>
-            </a:r>
-            <a:r>
-              <a:rPr lang="en-US" sz="3000" dirty="0"/>
-              <a:t> ac libero </a:t>
-            </a:r>
-            <a:r>
-              <a:rPr lang="en-US" sz="3000" dirty="0" err="1"/>
-              <a:t>ut</a:t>
-            </a:r>
-            <a:r>
-              <a:rPr lang="en-US" sz="3000" dirty="0"/>
-              <a:t> </a:t>
-            </a:r>
-            <a:r>
-              <a:rPr lang="en-US" sz="3000" dirty="0" err="1"/>
-              <a:t>arcu</a:t>
-            </a:r>
-            <a:r>
-              <a:rPr lang="en-US" sz="3000" dirty="0"/>
-              <a:t> </a:t>
-            </a:r>
-            <a:r>
-              <a:rPr lang="en-US" sz="3000" dirty="0" err="1"/>
-              <a:t>accumsan</a:t>
-            </a:r>
-            <a:r>
-              <a:rPr lang="en-US" sz="3000" dirty="0"/>
-              <a:t> convallis vitae </a:t>
-            </a:r>
-            <a:r>
-              <a:rPr lang="en-US" sz="3000" dirty="0" err="1"/>
-              <a:t>vel</a:t>
-            </a:r>
-            <a:r>
-              <a:rPr lang="en-US" sz="3000" dirty="0"/>
-              <a:t> </a:t>
-            </a:r>
-            <a:r>
-              <a:rPr lang="en-US" sz="3000" dirty="0" err="1"/>
-              <a:t>leo</a:t>
-            </a:r>
-            <a:r>
-              <a:rPr lang="en-US" sz="3000" dirty="0"/>
-              <a:t>. </a:t>
-            </a:r>
-            <a:r>
-              <a:rPr lang="en-US" sz="3000" dirty="0" err="1"/>
-              <a:t>Curabitur</a:t>
-            </a:r>
-            <a:r>
-              <a:rPr lang="en-US" sz="3000" dirty="0"/>
-              <a:t> </a:t>
-            </a:r>
-            <a:r>
-              <a:rPr lang="en-US" sz="3000" dirty="0" err="1"/>
-              <a:t>molestie</a:t>
-            </a:r>
-            <a:r>
-              <a:rPr lang="en-US" sz="3000" dirty="0"/>
-              <a:t> </a:t>
-            </a:r>
-            <a:r>
-              <a:rPr lang="en-US" sz="3000" dirty="0" err="1"/>
-              <a:t>risus</a:t>
-            </a:r>
-            <a:r>
-              <a:rPr lang="en-US" sz="3000" dirty="0"/>
-              <a:t> non </a:t>
-            </a:r>
-            <a:r>
-              <a:rPr lang="en-US" sz="3000" dirty="0" err="1"/>
-              <a:t>turpis</a:t>
-            </a:r>
-            <a:r>
-              <a:rPr lang="en-US" sz="3000" dirty="0"/>
-              <a:t> </a:t>
-            </a:r>
-            <a:r>
-              <a:rPr lang="en-US" sz="3000" dirty="0" err="1"/>
-              <a:t>luctus</a:t>
-            </a:r>
-            <a:r>
-              <a:rPr lang="en-US" sz="3000" dirty="0"/>
-              <a:t> </a:t>
-            </a:r>
-            <a:r>
-              <a:rPr lang="en-US" sz="3000" dirty="0" err="1"/>
-              <a:t>aliquet</a:t>
-            </a:r>
-            <a:r>
-              <a:rPr lang="en-US" sz="3000" dirty="0"/>
-              <a:t>. </a:t>
-            </a:r>
-            <a:r>
-              <a:rPr lang="en-US" sz="3000" dirty="0" err="1"/>
-              <a:t>Aliquam</a:t>
-            </a:r>
-            <a:r>
-              <a:rPr lang="en-US" sz="3000" dirty="0"/>
-              <a:t> </a:t>
-            </a:r>
-            <a:r>
-              <a:rPr lang="en-US" sz="3000" dirty="0" err="1"/>
-              <a:t>erat</a:t>
-            </a:r>
-            <a:r>
-              <a:rPr lang="en-US" sz="3000" dirty="0"/>
-              <a:t> </a:t>
-            </a:r>
-            <a:r>
-              <a:rPr lang="en-US" sz="3000" dirty="0" err="1"/>
-              <a:t>volutpat</a:t>
-            </a:r>
-            <a:r>
-              <a:rPr lang="en-US" sz="3000" dirty="0"/>
-              <a:t>. </a:t>
-            </a:r>
-            <a:r>
-              <a:rPr lang="en-US" sz="3000" dirty="0" err="1"/>
-              <a:t>Pellentesque</a:t>
-            </a:r>
-            <a:r>
-              <a:rPr lang="en-US" sz="3000" dirty="0"/>
-              <a:t> </a:t>
-            </a:r>
-            <a:r>
-              <a:rPr lang="en-US" sz="3000" dirty="0" err="1"/>
-              <a:t>consectetur</a:t>
-            </a:r>
-            <a:r>
-              <a:rPr lang="en-US" sz="3000" dirty="0"/>
-              <a:t> </a:t>
-            </a:r>
-            <a:r>
-              <a:rPr lang="en-US" sz="3000" dirty="0" err="1"/>
-              <a:t>auctor</a:t>
-            </a:r>
-            <a:r>
-              <a:rPr lang="en-US" sz="3000" dirty="0"/>
-              <a:t> </a:t>
-            </a:r>
-            <a:r>
-              <a:rPr lang="en-US" sz="3000" dirty="0" err="1"/>
-              <a:t>sapien</a:t>
-            </a:r>
-            <a:r>
-              <a:rPr lang="en-US" sz="3000" dirty="0"/>
-              <a:t>, </a:t>
-            </a:r>
-            <a:r>
-              <a:rPr lang="en-US" sz="3000" dirty="0" err="1"/>
-              <a:t>quis</a:t>
-            </a:r>
-            <a:r>
-              <a:rPr lang="en-US" sz="3000" dirty="0"/>
-              <a:t> </a:t>
-            </a:r>
-            <a:r>
-              <a:rPr lang="en-US" sz="3000" dirty="0" err="1"/>
-              <a:t>aliquam</a:t>
-            </a:r>
-            <a:r>
-              <a:rPr lang="en-US" sz="3000" dirty="0"/>
-              <a:t> lacus cursus non. </a:t>
-            </a:r>
-            <a:r>
-              <a:rPr lang="en-US" sz="3000" dirty="0" err="1"/>
-              <a:t>Donec</a:t>
-            </a:r>
-            <a:r>
-              <a:rPr lang="en-US" sz="3000" dirty="0"/>
-              <a:t> </a:t>
-            </a:r>
-            <a:r>
-              <a:rPr lang="en-US" sz="3000" dirty="0" err="1"/>
-              <a:t>sollicitudin</a:t>
-            </a:r>
-            <a:r>
-              <a:rPr lang="en-US" sz="3000" dirty="0"/>
-              <a:t> </a:t>
-            </a:r>
-            <a:r>
-              <a:rPr lang="en-US" sz="3000" dirty="0" err="1"/>
-              <a:t>varius</a:t>
-            </a:r>
-            <a:r>
-              <a:rPr lang="en-US" sz="3000" dirty="0"/>
-              <a:t> </a:t>
-            </a:r>
-            <a:r>
-              <a:rPr lang="en-US" sz="3000" dirty="0" err="1"/>
-              <a:t>luctus</a:t>
-            </a:r>
-            <a:r>
-              <a:rPr lang="en-US" sz="3000" dirty="0"/>
-              <a:t>. </a:t>
-            </a:r>
-            <a:r>
-              <a:rPr lang="en-US" sz="3000" dirty="0" err="1"/>
-              <a:t>Quisque</a:t>
-            </a:r>
-            <a:r>
-              <a:rPr lang="en-US" sz="3000" dirty="0"/>
-              <a:t> </a:t>
-            </a:r>
-            <a:r>
-              <a:rPr lang="en-US" sz="3000" dirty="0" err="1"/>
-              <a:t>sagittis</a:t>
-            </a:r>
-            <a:r>
-              <a:rPr lang="en-US" sz="3000" dirty="0"/>
-              <a:t> </a:t>
-            </a:r>
-            <a:r>
-              <a:rPr lang="en-US" sz="3000" dirty="0" err="1"/>
-              <a:t>tristique</a:t>
-            </a:r>
-            <a:r>
-              <a:rPr lang="en-US" sz="3000" dirty="0"/>
-              <a:t> pharetra. </a:t>
-            </a:r>
-            <a:r>
-              <a:rPr lang="en-US" sz="3000" dirty="0" err="1"/>
-              <a:t>Donec</a:t>
-            </a:r>
-            <a:r>
-              <a:rPr lang="en-US" sz="3000" dirty="0"/>
-              <a:t> ac </a:t>
-            </a:r>
-            <a:r>
-              <a:rPr lang="en-US" sz="3000" dirty="0" err="1"/>
-              <a:t>eros</a:t>
-            </a:r>
-            <a:r>
-              <a:rPr lang="en-US" sz="3000" dirty="0"/>
-              <a:t> et </a:t>
-            </a:r>
-            <a:r>
-              <a:rPr lang="en-US" sz="3000" dirty="0" err="1"/>
-              <a:t>turpis</a:t>
-            </a:r>
-            <a:r>
-              <a:rPr lang="en-US" sz="3000" dirty="0"/>
-              <a:t> </a:t>
-            </a:r>
-            <a:r>
-              <a:rPr lang="en-US" sz="3000" dirty="0" err="1"/>
-              <a:t>mollis</a:t>
-            </a:r>
-            <a:r>
-              <a:rPr lang="en-US" sz="3000" dirty="0"/>
-              <a:t> pharetra. </a:t>
+              <a:rPr lang="en-US" sz="3000"/>
+              <a:t>New feature as of Oracle 12c, stores data in column format. Objects as specific as columns from a table can be flagged for storage. Blocks from In-Memory storage can be scanned without decompression. Unit headers house </a:t>
+            </a:r>
+            <a:r>
+              <a:rPr lang="en-US" sz="3000" err="1"/>
+              <a:t>preaggregated</a:t>
+            </a:r>
+            <a:r>
+              <a:rPr lang="en-US" sz="3000"/>
+              <a:t> values about data within column, thus providing the benefit of indexed tables.</a:t>
             </a:r>
           </a:p>
           <a:p>
@@ -5236,7 +4319,91 @@
                 <a:spcPts val="1800"/>
               </a:spcAft>
             </a:pPr>
-            <a:endParaRPr lang="en-US" sz="3000" dirty="0" smtClean="0"/>
+            <a:endParaRPr lang="en-US" sz="3000"/>
+          </a:p>
+          <a:p>
+            <a:pPr>
+              <a:spcAft>
+                <a:spcPts val="1800"/>
+              </a:spcAft>
+            </a:pPr>
+            <a:endParaRPr lang="en-US" sz="3000"/>
+          </a:p>
+          <a:p>
+            <a:pPr>
+              <a:spcAft>
+                <a:spcPts val="1800"/>
+              </a:spcAft>
+            </a:pPr>
+            <a:endParaRPr lang="en-US" sz="3000"/>
+          </a:p>
+          <a:p>
+            <a:pPr>
+              <a:spcAft>
+                <a:spcPts val="1800"/>
+              </a:spcAft>
+            </a:pPr>
+            <a:endParaRPr lang="en-US" sz="3000"/>
+          </a:p>
+          <a:p>
+            <a:pPr>
+              <a:spcAft>
+                <a:spcPts val="1800"/>
+              </a:spcAft>
+            </a:pPr>
+            <a:endParaRPr lang="en-US" sz="3000"/>
+          </a:p>
+          <a:p>
+            <a:pPr>
+              <a:spcAft>
+                <a:spcPts val="1800"/>
+              </a:spcAft>
+            </a:pPr>
+            <a:endParaRPr lang="en-US" sz="3000"/>
+          </a:p>
+          <a:p>
+            <a:pPr>
+              <a:spcAft>
+                <a:spcPts val="1800"/>
+              </a:spcAft>
+            </a:pPr>
+            <a:endParaRPr lang="en-US" sz="3000"/>
+          </a:p>
+          <a:p>
+            <a:pPr>
+              <a:spcAft>
+                <a:spcPts val="1800"/>
+              </a:spcAft>
+            </a:pPr>
+            <a:endParaRPr lang="en-US" sz="3000"/>
+          </a:p>
+          <a:p>
+            <a:pPr>
+              <a:spcAft>
+                <a:spcPts val="1800"/>
+              </a:spcAft>
+            </a:pPr>
+            <a:endParaRPr lang="en-US" sz="3000"/>
+          </a:p>
+          <a:p>
+            <a:pPr>
+              <a:spcAft>
+                <a:spcPts val="1800"/>
+              </a:spcAft>
+            </a:pPr>
+            <a:r>
+              <a:rPr lang="en-US" sz="2800" b="1"/>
+              <a:t>Figure 3: In-Memory Experiment</a:t>
+            </a:r>
+            <a:endParaRPr lang="en-US" sz="2800"/>
+          </a:p>
+          <a:p>
+            <a:pPr>
+              <a:spcAft>
+                <a:spcPts val="1800"/>
+              </a:spcAft>
+            </a:pPr>
+            <a:endParaRPr lang="en-US" sz="3000"/>
           </a:p>
         </p:txBody>
       </p:sp>
@@ -5257,7 +4424,7 @@
           <a:noFill/>
         </p:spPr>
         <p:txBody>
-          <a:bodyPr wrap="square" rtlCol="0">
+          <a:bodyPr wrap="square" rtlCol="0" anchor="t">
             <a:noAutofit/>
           </a:bodyPr>
           <a:lstStyle/>
@@ -5268,18 +4435,25 @@
               </a:spcAft>
             </a:pPr>
             <a:r>
-              <a:rPr lang="en-US" sz="3600" b="1" dirty="0" smtClean="0">
+              <a:rPr lang="en-US" sz="2800" b="1"/>
+              <a:t>Figure 4: PGA Experiment</a:t>
+            </a:r>
+          </a:p>
+          <a:p>
+            <a:pPr>
+              <a:spcAft>
+                <a:spcPts val="1800"/>
+              </a:spcAft>
+            </a:pPr>
+            <a:r>
+              <a:rPr lang="en-US" sz="3600" b="1">
                 <a:solidFill>
                   <a:srgbClr val="5D87A1"/>
                 </a:solidFill>
               </a:rPr>
               <a:t>Overall Results</a:t>
             </a:r>
-            <a:endParaRPr lang="en-US" sz="3600" b="1" dirty="0">
-              <a:solidFill>
-                <a:srgbClr val="5D87A1"/>
-              </a:solidFill>
-            </a:endParaRPr>
+            <a:endParaRPr lang="en-US" sz="3600" b="1"/>
           </a:p>
           <a:p>
             <a:pPr marL="457200" indent="-457200">
@@ -5290,92 +4464,84 @@
               <a:buChar char="•"/>
             </a:pPr>
             <a:r>
-              <a:rPr lang="en-US" sz="3000" dirty="0" err="1" smtClean="0"/>
+              <a:rPr lang="en-US" sz="3000" err="1"/>
               <a:t>Nullam</a:t>
             </a:r>
             <a:r>
-              <a:rPr lang="en-US" sz="3000" dirty="0" smtClean="0"/>
+              <a:rPr lang="en-US" sz="3000"/>
               <a:t> </a:t>
             </a:r>
             <a:r>
-              <a:rPr lang="en-US" sz="3000" dirty="0" err="1" smtClean="0"/>
+              <a:rPr lang="en-US" sz="3000" err="1"/>
               <a:t>vehicula</a:t>
             </a:r>
             <a:r>
-              <a:rPr lang="en-US" sz="3000" dirty="0" smtClean="0"/>
+              <a:rPr lang="en-US" sz="3000"/>
               <a:t> </a:t>
             </a:r>
             <a:r>
-              <a:rPr lang="en-US" sz="3000" dirty="0" err="1" smtClean="0"/>
+              <a:rPr lang="en-US" sz="3000" err="1"/>
               <a:t>luctus</a:t>
             </a:r>
             <a:r>
-              <a:rPr lang="en-US" sz="3000" dirty="0" smtClean="0"/>
+              <a:rPr lang="en-US" sz="3000"/>
               <a:t> </a:t>
             </a:r>
             <a:r>
-              <a:rPr lang="en-US" sz="3000" dirty="0" err="1" smtClean="0"/>
+              <a:rPr lang="en-US" sz="3000" err="1"/>
               <a:t>augue</a:t>
             </a:r>
             <a:r>
-              <a:rPr lang="en-US" sz="3000" dirty="0" smtClean="0"/>
+              <a:rPr lang="en-US" sz="3000"/>
               <a:t>, </a:t>
             </a:r>
             <a:r>
-              <a:rPr lang="en-US" sz="3000" dirty="0" err="1" smtClean="0"/>
+              <a:rPr lang="en-US" sz="3000" err="1"/>
               <a:t>rutrum</a:t>
             </a:r>
             <a:r>
-              <a:rPr lang="en-US" sz="3000" dirty="0" smtClean="0"/>
+              <a:rPr lang="en-US" sz="3000"/>
               <a:t> </a:t>
             </a:r>
             <a:r>
-              <a:rPr lang="en-US" sz="3000" dirty="0" err="1" smtClean="0"/>
+              <a:rPr lang="en-US" sz="3000" err="1"/>
               <a:t>faucibus</a:t>
             </a:r>
             <a:r>
-              <a:rPr lang="en-US" sz="3000" dirty="0" smtClean="0"/>
+              <a:rPr lang="en-US" sz="3000"/>
               <a:t> </a:t>
             </a:r>
             <a:r>
-              <a:rPr lang="en-US" sz="3000" dirty="0" err="1" smtClean="0"/>
+              <a:rPr lang="en-US" sz="3000" err="1"/>
               <a:t>massa</a:t>
             </a:r>
             <a:r>
-              <a:rPr lang="en-US" sz="3000" dirty="0" smtClean="0"/>
+              <a:rPr lang="en-US" sz="3000"/>
+              <a:t> pharetra </a:t>
+            </a:r>
+            <a:r>
+              <a:rPr lang="en-US" sz="3000" err="1"/>
+              <a:t>eu</a:t>
+            </a:r>
+            <a:r>
+              <a:rPr lang="en-US" sz="3000"/>
+              <a:t>. </a:t>
+            </a:r>
+            <a:r>
+              <a:rPr lang="en-US" sz="3000" err="1"/>
+              <a:t>Nulla</a:t>
+            </a:r>
+            <a:r>
+              <a:rPr lang="en-US" sz="3000"/>
               <a:t> </a:t>
             </a:r>
             <a:r>
-              <a:rPr lang="en-US" sz="3000" dirty="0" err="1" smtClean="0"/>
-              <a:t>pharetra</a:t>
-            </a:r>
-            <a:r>
-              <a:rPr lang="en-US" sz="3000" dirty="0" smtClean="0"/>
-              <a:t> </a:t>
-            </a:r>
-            <a:r>
-              <a:rPr lang="en-US" sz="3000" dirty="0" err="1" smtClean="0"/>
-              <a:t>eu</a:t>
-            </a:r>
-            <a:r>
-              <a:rPr lang="en-US" sz="3000" dirty="0" smtClean="0"/>
-              <a:t>. </a:t>
-            </a:r>
-            <a:r>
-              <a:rPr lang="en-US" sz="3000" dirty="0" err="1" smtClean="0"/>
-              <a:t>Nulla</a:t>
-            </a:r>
-            <a:r>
-              <a:rPr lang="en-US" sz="3000" dirty="0" smtClean="0"/>
-              <a:t> </a:t>
-            </a:r>
-            <a:r>
-              <a:rPr lang="en-US" sz="3000" dirty="0" err="1" smtClean="0"/>
+              <a:rPr lang="en-US" sz="3000" err="1"/>
               <a:t>facilisi</a:t>
             </a:r>
             <a:r>
-              <a:rPr lang="en-US" sz="3000" dirty="0" smtClean="0"/>
-              <a:t>. </a:t>
+              <a:rPr lang="en-US" sz="3000"/>
+              <a:t>. </a:t>
             </a:r>
           </a:p>
           <a:p>
@@ -5387,140 +4553,124 @@
               <a:buChar char="•"/>
             </a:pPr>
             <a:r>
-              <a:rPr lang="en-US" sz="3000" dirty="0" err="1" smtClean="0"/>
+              <a:rPr lang="en-US" sz="3000" err="1"/>
               <a:t>Sed</a:t>
             </a:r>
             <a:r>
-              <a:rPr lang="en-US" sz="3000" dirty="0" smtClean="0"/>
+              <a:rPr lang="en-US" sz="3000"/>
               <a:t> </a:t>
             </a:r>
             <a:r>
-              <a:rPr lang="en-US" sz="3000" dirty="0" err="1" smtClean="0"/>
+              <a:rPr lang="en-US" sz="3000" err="1"/>
               <a:t>posuere</a:t>
             </a:r>
             <a:r>
-              <a:rPr lang="en-US" sz="3000" dirty="0" smtClean="0"/>
+              <a:rPr lang="en-US" sz="3000"/>
+              <a:t> gravida </a:t>
+            </a:r>
+            <a:r>
+              <a:rPr lang="en-US" sz="3000" err="1"/>
+              <a:t>felis</a:t>
+            </a:r>
+            <a:r>
+              <a:rPr lang="en-US" sz="3000"/>
+              <a:t>, </a:t>
+            </a:r>
+            <a:r>
+              <a:rPr lang="en-US" sz="3000" err="1"/>
+              <a:t>sed</a:t>
+            </a:r>
+            <a:r>
+              <a:rPr lang="en-US" sz="3000"/>
+              <a:t> pulvinar </a:t>
+            </a:r>
+            <a:r>
+              <a:rPr lang="en-US" sz="3000" err="1"/>
+              <a:t>urna</a:t>
+            </a:r>
+            <a:r>
+              <a:rPr lang="en-US" sz="3000"/>
               <a:t> </a:t>
             </a:r>
             <a:r>
-              <a:rPr lang="en-US" sz="3000" dirty="0" err="1" smtClean="0"/>
-              <a:t>gravida</a:t>
-            </a:r>
-            <a:r>
-              <a:rPr lang="en-US" sz="3000" dirty="0" smtClean="0"/>
+              <a:rPr lang="en-US" sz="3000" err="1"/>
+              <a:t>suscipit</a:t>
+            </a:r>
+            <a:r>
+              <a:rPr lang="en-US" sz="3000"/>
+              <a:t> et. </a:t>
+            </a:r>
+            <a:r>
+              <a:rPr lang="en-US" sz="3000" err="1"/>
+              <a:t>Suspendisse</a:t>
+            </a:r>
+            <a:r>
+              <a:rPr lang="en-US" sz="3000"/>
               <a:t> </a:t>
             </a:r>
             <a:r>
-              <a:rPr lang="en-US" sz="3000" dirty="0" err="1" smtClean="0"/>
-              <a:t>felis</a:t>
-            </a:r>
-            <a:r>
-              <a:rPr lang="en-US" sz="3000" dirty="0" smtClean="0"/>
+              <a:rPr lang="en-US" sz="3000" err="1"/>
+              <a:t>diam</a:t>
+            </a:r>
+            <a:r>
+              <a:rPr lang="en-US" sz="3000"/>
+              <a:t> </a:t>
+            </a:r>
+            <a:r>
+              <a:rPr lang="en-US" sz="3000" err="1"/>
+              <a:t>tortor</a:t>
+            </a:r>
+            <a:r>
+              <a:rPr lang="en-US" sz="3000"/>
               <a:t>, </a:t>
             </a:r>
             <a:r>
-              <a:rPr lang="en-US" sz="3000" dirty="0" err="1" smtClean="0"/>
-              <a:t>sed</a:t>
-            </a:r>
-            <a:r>
-              <a:rPr lang="en-US" sz="3000" dirty="0" smtClean="0"/>
+              <a:rPr lang="en-US" sz="3000" err="1"/>
+              <a:t>mollis</a:t>
+            </a:r>
+            <a:r>
+              <a:rPr lang="en-US" sz="3000"/>
               <a:t> </a:t>
             </a:r>
             <a:r>
-              <a:rPr lang="en-US" sz="3000" dirty="0" err="1" smtClean="0"/>
-              <a:t>pulvinar</a:t>
-            </a:r>
-            <a:r>
-              <a:rPr lang="en-US" sz="3000" dirty="0" smtClean="0"/>
+              <a:rPr lang="en-US" sz="3000" err="1"/>
+              <a:t>eu</a:t>
+            </a:r>
+            <a:r>
+              <a:rPr lang="en-US" sz="3000"/>
               <a:t> </a:t>
             </a:r>
             <a:r>
-              <a:rPr lang="en-US" sz="3000" dirty="0" err="1" smtClean="0"/>
-              <a:t>urna</a:t>
-            </a:r>
-            <a:r>
-              <a:rPr lang="en-US" sz="3000" dirty="0" smtClean="0"/>
+              <a:rPr lang="en-US" sz="3000" err="1"/>
+              <a:t>accumsan</a:t>
+            </a:r>
+            <a:r>
+              <a:rPr lang="en-US" sz="3000"/>
               <a:t> </a:t>
             </a:r>
             <a:r>
-              <a:rPr lang="en-US" sz="3000" dirty="0" err="1" smtClean="0"/>
-              <a:t>suscipit</a:t>
-            </a:r>
-            <a:r>
-              <a:rPr lang="en-US" sz="3000" dirty="0" smtClean="0"/>
-              <a:t> et. </a:t>
-            </a:r>
-            <a:r>
-              <a:rPr lang="en-US" sz="3000" dirty="0" err="1" smtClean="0"/>
-              <a:t>Suspendisse</a:t>
-            </a:r>
-            <a:r>
-              <a:rPr lang="en-US" sz="3000" dirty="0" smtClean="0"/>
-              <a:t> </a:t>
-            </a:r>
-            <a:r>
-              <a:rPr lang="en-US" sz="3000" dirty="0" err="1" smtClean="0"/>
-              <a:t>diam</a:t>
-            </a:r>
-            <a:r>
-              <a:rPr lang="en-US" sz="3000" dirty="0" smtClean="0"/>
-              <a:t> </a:t>
-            </a:r>
-            <a:r>
-              <a:rPr lang="en-US" sz="3000" dirty="0" err="1" smtClean="0"/>
-              <a:t>tortor</a:t>
-            </a:r>
-            <a:r>
-              <a:rPr lang="en-US" sz="3000" dirty="0" smtClean="0"/>
+              <a:rPr lang="en-US" sz="3000" err="1"/>
+              <a:t>eget</a:t>
+            </a:r>
+            <a:r>
+              <a:rPr lang="en-US" sz="3000"/>
               <a:t>, </a:t>
             </a:r>
             <a:r>
-              <a:rPr lang="en-US" sz="3000" dirty="0" err="1" smtClean="0"/>
-              <a:t>mollis</a:t>
-            </a:r>
-            <a:r>
-              <a:rPr lang="en-US" sz="3000" dirty="0" smtClean="0"/>
-              <a:t> </a:t>
-            </a:r>
-            <a:r>
-              <a:rPr lang="en-US" sz="3000" dirty="0" err="1" smtClean="0"/>
-              <a:t>eu</a:t>
-            </a:r>
-            <a:r>
-              <a:rPr lang="en-US" sz="3000" dirty="0" smtClean="0"/>
-              <a:t> </a:t>
-            </a:r>
-            <a:r>
-              <a:rPr lang="en-US" sz="3000" dirty="0" err="1" smtClean="0"/>
-              <a:t>accumsan</a:t>
-            </a:r>
-            <a:r>
-              <a:rPr lang="en-US" sz="3000" dirty="0" smtClean="0"/>
-              <a:t> </a:t>
-            </a:r>
-            <a:r>
-              <a:rPr lang="en-US" sz="3000" dirty="0" err="1" smtClean="0"/>
-              <a:t>eget</a:t>
-            </a:r>
-            <a:r>
-              <a:rPr lang="en-US" sz="3000" dirty="0" smtClean="0"/>
-              <a:t>, </a:t>
-            </a:r>
-            <a:r>
-              <a:rPr lang="en-US" sz="3000" dirty="0" err="1" smtClean="0"/>
+              <a:rPr lang="en-US" sz="3000" err="1"/>
               <a:t>elementum</a:t>
             </a:r>
             <a:r>
-              <a:rPr lang="en-US" sz="3000" dirty="0" smtClean="0"/>
+              <a:rPr lang="en-US" sz="3000"/>
               <a:t> id </a:t>
             </a:r>
             <a:r>
-              <a:rPr lang="en-US" sz="3000" dirty="0" err="1" smtClean="0"/>
+              <a:rPr lang="en-US" sz="3000" err="1"/>
               <a:t>justo</a:t>
             </a:r>
             <a:r>
-              <a:rPr lang="en-US" sz="3000" dirty="0" smtClean="0"/>
-              <a:t>. </a:t>
+              <a:rPr lang="en-US" sz="3000"/>
+              <a:t>. </a:t>
             </a:r>
           </a:p>
           <a:p>
@@ -5532,60 +4682,52 @@
               <a:buChar char="•"/>
             </a:pPr>
             <a:r>
-              <a:rPr lang="en-US" sz="3000" dirty="0" err="1" smtClean="0"/>
+              <a:rPr lang="en-US" sz="3000" err="1"/>
               <a:t>Vivamus</a:t>
             </a:r>
             <a:r>
-              <a:rPr lang="en-US" sz="3000" dirty="0" smtClean="0"/>
+              <a:rPr lang="en-US" sz="3000"/>
+              <a:t> pulvinar </a:t>
+            </a:r>
+            <a:r>
+              <a:rPr lang="en-US" sz="3000" err="1"/>
+              <a:t>varius</a:t>
+            </a:r>
+            <a:r>
+              <a:rPr lang="en-US" sz="3000"/>
               <a:t> </a:t>
             </a:r>
             <a:r>
-              <a:rPr lang="en-US" sz="3000" dirty="0" err="1" smtClean="0"/>
-              <a:t>pulvinar</a:t>
-            </a:r>
-            <a:r>
-              <a:rPr lang="en-US" sz="3000" dirty="0" smtClean="0"/>
+              <a:rPr lang="en-US" sz="3000" err="1"/>
+              <a:t>lacus</a:t>
+            </a:r>
+            <a:r>
+              <a:rPr lang="en-US" sz="3000"/>
+              <a:t>, </a:t>
+            </a:r>
+            <a:r>
+              <a:rPr lang="en-US" sz="3000" err="1"/>
+              <a:t>vel</a:t>
+            </a:r>
+            <a:r>
+              <a:rPr lang="en-US" sz="3000"/>
               <a:t> </a:t>
             </a:r>
             <a:r>
-              <a:rPr lang="en-US" sz="3000" dirty="0" err="1" smtClean="0"/>
-              <a:t>varius</a:t>
-            </a:r>
-            <a:r>
-              <a:rPr lang="en-US" sz="3000" dirty="0" smtClean="0"/>
-              <a:t> lacus, </a:t>
-            </a:r>
-            <a:r>
-              <a:rPr lang="en-US" sz="3000" dirty="0" err="1" smtClean="0"/>
-              <a:t>vel</a:t>
-            </a:r>
-            <a:r>
-              <a:rPr lang="en-US" sz="3000" dirty="0" smtClean="0"/>
-              <a:t> </a:t>
-            </a:r>
-            <a:r>
-              <a:rPr lang="en-US" sz="3000" dirty="0" err="1" smtClean="0"/>
+              <a:rPr lang="en-US" sz="3000" err="1"/>
               <a:t>egestas</a:t>
             </a:r>
             <a:r>
-              <a:rPr lang="en-US" sz="3000" dirty="0" smtClean="0"/>
-              <a:t> ligula </a:t>
-            </a:r>
-            <a:r>
-              <a:rPr lang="en-US" sz="3000" dirty="0" err="1" smtClean="0"/>
-              <a:t>gravida</a:t>
-            </a:r>
-            <a:r>
-              <a:rPr lang="en-US" sz="3000" dirty="0" smtClean="0"/>
-              <a:t> </a:t>
-            </a:r>
-            <a:r>
-              <a:rPr lang="en-US" sz="3000" dirty="0" err="1" smtClean="0"/>
+              <a:rPr lang="en-US" sz="3000"/>
+              <a:t> ligula gravida </a:t>
+            </a:r>
+            <a:r>
+              <a:rPr lang="en-US" sz="3000" err="1"/>
               <a:t>volutpat</a:t>
             </a:r>
             <a:r>
-              <a:rPr lang="en-US" sz="3000" dirty="0" smtClean="0"/>
-              <a:t>. </a:t>
+              <a:rPr lang="en-US" sz="3000"/>
+              <a:t>. </a:t>
             </a:r>
           </a:p>
           <a:p>
@@ -5597,84 +4739,84 @@
               <a:buChar char="•"/>
             </a:pPr>
             <a:r>
-              <a:rPr lang="en-US" sz="3000" dirty="0" err="1" smtClean="0"/>
+              <a:rPr lang="en-US" sz="3000" err="1"/>
               <a:t>Aliquam</a:t>
             </a:r>
             <a:r>
-              <a:rPr lang="en-US" sz="3000" dirty="0" smtClean="0"/>
+              <a:rPr lang="en-US" sz="3000"/>
               <a:t> </a:t>
             </a:r>
             <a:r>
-              <a:rPr lang="en-US" sz="3000" dirty="0" err="1" smtClean="0"/>
+              <a:rPr lang="en-US" sz="3000" err="1"/>
               <a:t>varius</a:t>
             </a:r>
             <a:r>
-              <a:rPr lang="en-US" sz="3000" dirty="0" smtClean="0"/>
+              <a:rPr lang="en-US" sz="3000"/>
               <a:t> </a:t>
             </a:r>
             <a:r>
-              <a:rPr lang="en-US" sz="3000" dirty="0" err="1" smtClean="0"/>
+              <a:rPr lang="en-US" sz="3000" err="1"/>
               <a:t>augue</a:t>
             </a:r>
             <a:r>
-              <a:rPr lang="en-US" sz="3000" dirty="0" smtClean="0"/>
-              <a:t> at dui </a:t>
-            </a:r>
-            <a:r>
-              <a:rPr lang="en-US" sz="3000" dirty="0" err="1" smtClean="0"/>
-              <a:t>pulvinar</a:t>
-            </a:r>
-            <a:r>
-              <a:rPr lang="en-US" sz="3000" dirty="0" smtClean="0"/>
+              <a:rPr lang="en-US" sz="3000"/>
+              <a:t> at dui pulvinar </a:t>
+            </a:r>
+            <a:r>
+              <a:rPr lang="en-US" sz="3000" err="1"/>
+              <a:t>iaculis</a:t>
+            </a:r>
+            <a:r>
+              <a:rPr lang="en-US" sz="3000"/>
+              <a:t>. </a:t>
+            </a:r>
+            <a:r>
+              <a:rPr lang="en-US" sz="3000" err="1"/>
+              <a:t>Nullam</a:t>
+            </a:r>
+            <a:r>
+              <a:rPr lang="en-US" sz="3000"/>
+              <a:t> a </a:t>
+            </a:r>
+            <a:r>
+              <a:rPr lang="en-US" sz="3000" err="1"/>
+              <a:t>nisl</a:t>
+            </a:r>
+            <a:r>
+              <a:rPr lang="en-US" sz="3000"/>
               <a:t> </a:t>
             </a:r>
             <a:r>
-              <a:rPr lang="en-US" sz="3000" dirty="0" err="1" smtClean="0"/>
-              <a:t>iaculis</a:t>
-            </a:r>
-            <a:r>
-              <a:rPr lang="en-US" sz="3000" dirty="0" smtClean="0"/>
-              <a:t>. </a:t>
-            </a:r>
-            <a:r>
-              <a:rPr lang="en-US" sz="3000" dirty="0" err="1" smtClean="0"/>
-              <a:t>Nullam</a:t>
-            </a:r>
-            <a:r>
-              <a:rPr lang="en-US" sz="3000" dirty="0" smtClean="0"/>
-              <a:t> a </a:t>
-            </a:r>
-            <a:r>
-              <a:rPr lang="en-US" sz="3000" dirty="0" err="1" smtClean="0"/>
-              <a:t>nisl</a:t>
-            </a:r>
-            <a:r>
-              <a:rPr lang="en-US" sz="3000" dirty="0" smtClean="0"/>
-              <a:t> quam, </a:t>
-            </a:r>
-            <a:r>
-              <a:rPr lang="en-US" sz="3000" dirty="0" err="1" smtClean="0"/>
+              <a:rPr lang="en-US" sz="3000" err="1"/>
+              <a:t>quam</a:t>
+            </a:r>
+            <a:r>
+              <a:rPr lang="en-US" sz="3000"/>
+              <a:t>, </a:t>
+            </a:r>
+            <a:r>
+              <a:rPr lang="en-US" sz="3000" err="1"/>
               <a:t>quis</a:t>
             </a:r>
             <a:r>
-              <a:rPr lang="en-US" sz="3000" dirty="0" smtClean="0"/>
+              <a:rPr lang="en-US" sz="3000"/>
               <a:t> </a:t>
             </a:r>
             <a:r>
-              <a:rPr lang="en-US" sz="3000" dirty="0" err="1" smtClean="0"/>
+              <a:rPr lang="en-US" sz="3000" err="1"/>
               <a:t>lacinia</a:t>
             </a:r>
             <a:r>
-              <a:rPr lang="en-US" sz="3000" dirty="0" smtClean="0"/>
+              <a:rPr lang="en-US" sz="3000"/>
               <a:t> </a:t>
             </a:r>
             <a:r>
-              <a:rPr lang="en-US" sz="3000" dirty="0" err="1" smtClean="0"/>
+              <a:rPr lang="en-US" sz="3000" err="1"/>
               <a:t>augue</a:t>
             </a:r>
             <a:r>
-              <a:rPr lang="en-US" sz="3000" dirty="0" smtClean="0"/>
-              <a:t>. </a:t>
+              <a:rPr lang="en-US" sz="3000"/>
+              <a:t>. </a:t>
             </a:r>
           </a:p>
           <a:p>
@@ -5686,57 +4828,396 @@
               <a:buChar char="•"/>
             </a:pPr>
             <a:r>
-              <a:rPr lang="en-US" sz="3000" dirty="0" smtClean="0"/>
+              <a:rPr lang="en-US" sz="3000"/>
               <a:t>Nam </a:t>
             </a:r>
             <a:r>
-              <a:rPr lang="en-US" sz="3000" dirty="0" err="1" smtClean="0"/>
+              <a:rPr lang="en-US" sz="3000" err="1"/>
               <a:t>tristique</a:t>
             </a:r>
             <a:r>
-              <a:rPr lang="en-US" sz="3000" dirty="0" smtClean="0"/>
+              <a:rPr lang="en-US" sz="3000"/>
               <a:t> </a:t>
             </a:r>
             <a:r>
-              <a:rPr lang="en-US" sz="3000" dirty="0" err="1" smtClean="0"/>
+              <a:rPr lang="en-US" sz="3000" err="1"/>
               <a:t>porttitor</a:t>
             </a:r>
             <a:r>
-              <a:rPr lang="en-US" sz="3000" dirty="0" smtClean="0"/>
-              <a:t> quam, in </a:t>
-            </a:r>
-            <a:r>
-              <a:rPr lang="en-US" sz="3000" dirty="0" err="1" smtClean="0"/>
+              <a:rPr lang="en-US" sz="3000"/>
+              <a:t> </a:t>
+            </a:r>
+            <a:r>
+              <a:rPr lang="en-US" sz="3000" err="1"/>
+              <a:t>quam</a:t>
+            </a:r>
+            <a:r>
+              <a:rPr lang="en-US" sz="3000"/>
+              <a:t>, in </a:t>
+            </a:r>
+            <a:r>
+              <a:rPr lang="en-US" sz="3000" err="1"/>
               <a:t>consequat</a:t>
             </a:r>
             <a:r>
-              <a:rPr lang="en-US" sz="3000" dirty="0" smtClean="0"/>
+              <a:rPr lang="en-US" sz="3000"/>
               <a:t> </a:t>
             </a:r>
             <a:r>
-              <a:rPr lang="en-US" sz="3000" dirty="0" err="1" smtClean="0"/>
+              <a:rPr lang="en-US" sz="3000" err="1"/>
               <a:t>urna</a:t>
             </a:r>
             <a:r>
-              <a:rPr lang="en-US" sz="3000" dirty="0" smtClean="0"/>
+              <a:rPr lang="en-US" sz="3000"/>
               <a:t> </a:t>
             </a:r>
             <a:r>
-              <a:rPr lang="en-US" sz="3000" dirty="0" err="1" smtClean="0"/>
+              <a:rPr lang="en-US" sz="3000" err="1"/>
               <a:t>condimentum</a:t>
             </a:r>
             <a:r>
-              <a:rPr lang="en-US" sz="3000" dirty="0" smtClean="0"/>
+              <a:rPr lang="en-US" sz="3000"/>
               <a:t> </a:t>
             </a:r>
             <a:r>
-              <a:rPr lang="en-US" sz="3000" dirty="0" err="1" smtClean="0"/>
+              <a:rPr lang="en-US" sz="3000" err="1"/>
               <a:t>eu</a:t>
             </a:r>
             <a:r>
-              <a:rPr lang="en-US" sz="3000" dirty="0" smtClean="0"/>
+              <a:rPr lang="en-US" sz="3000"/>
+              <a:t>. </a:t>
+            </a:r>
+          </a:p>
+          <a:p>
+            <a:pPr>
+              <a:spcAft>
+                <a:spcPts val="1800"/>
+              </a:spcAft>
+            </a:pPr>
+            <a:r>
+              <a:rPr lang="en-US" sz="3000"/>
+              <a:t>Lorem ipsum dolor sit </a:t>
+            </a:r>
+            <a:r>
+              <a:rPr lang="en-US" sz="3000" err="1"/>
+              <a:t>amet</a:t>
+            </a:r>
+            <a:r>
+              <a:rPr lang="en-US" sz="3000"/>
+              <a:t>, </a:t>
+            </a:r>
+            <a:r>
+              <a:rPr lang="en-US" sz="3000" err="1"/>
+              <a:t>consectetur</a:t>
+            </a:r>
+            <a:r>
+              <a:rPr lang="en-US" sz="3000"/>
+              <a:t> </a:t>
+            </a:r>
+            <a:r>
+              <a:rPr lang="en-US" sz="3000" err="1"/>
+              <a:t>adipiscing</a:t>
+            </a:r>
+            <a:r>
+              <a:rPr lang="en-US" sz="3000"/>
+              <a:t> </a:t>
+            </a:r>
+            <a:r>
+              <a:rPr lang="en-US" sz="3000" err="1"/>
+              <a:t>elit</a:t>
+            </a:r>
+            <a:r>
+              <a:rPr lang="en-US" sz="3000"/>
               <a:t>. </a:t>
             </a:r>
+            <a:r>
+              <a:rPr lang="en-US" sz="3000" err="1"/>
+              <a:t>Nulla</a:t>
+            </a:r>
+            <a:r>
+              <a:rPr lang="en-US" sz="3000"/>
+              <a:t> </a:t>
+            </a:r>
+            <a:r>
+              <a:rPr lang="en-US" sz="3000" err="1"/>
+              <a:t>facilisi</a:t>
+            </a:r>
+            <a:r>
+              <a:rPr lang="en-US" sz="3000"/>
+              <a:t>. Maecenas </a:t>
+            </a:r>
+            <a:r>
+              <a:rPr lang="en-US" sz="3000" err="1"/>
+              <a:t>feugiat</a:t>
+            </a:r>
+            <a:r>
+              <a:rPr lang="en-US" sz="3000"/>
+              <a:t> </a:t>
+            </a:r>
+            <a:r>
+              <a:rPr lang="en-US" sz="3000" err="1"/>
+              <a:t>bibendum</a:t>
+            </a:r>
+            <a:r>
+              <a:rPr lang="en-US" sz="3000"/>
+              <a:t> convallis. </a:t>
+            </a:r>
+            <a:r>
+              <a:rPr lang="en-US" sz="3000" err="1"/>
+              <a:t>Praesent</a:t>
+            </a:r>
+            <a:r>
+              <a:rPr lang="en-US" sz="3000"/>
+              <a:t> et dui </a:t>
+            </a:r>
+            <a:r>
+              <a:rPr lang="en-US" sz="3000" err="1"/>
+              <a:t>mauris</a:t>
+            </a:r>
+            <a:r>
+              <a:rPr lang="en-US" sz="3000"/>
+              <a:t>, </a:t>
+            </a:r>
+            <a:r>
+              <a:rPr lang="en-US" sz="3000" err="1"/>
+              <a:t>ullamcorper</a:t>
+            </a:r>
+            <a:r>
+              <a:rPr lang="en-US" sz="3000"/>
+              <a:t> semper </a:t>
+            </a:r>
+            <a:r>
+              <a:rPr lang="en-US" sz="3000" err="1"/>
+              <a:t>justo</a:t>
+            </a:r>
+            <a:r>
+              <a:rPr lang="en-US" sz="3000"/>
+              <a:t>. </a:t>
+            </a:r>
+            <a:r>
+              <a:rPr lang="en-US" sz="3000" err="1"/>
+              <a:t>Curabitur</a:t>
+            </a:r>
+            <a:r>
+              <a:rPr lang="en-US" sz="3000"/>
+              <a:t> sit </a:t>
+            </a:r>
+            <a:r>
+              <a:rPr lang="en-US" sz="3000" err="1"/>
+              <a:t>amet</a:t>
+            </a:r>
+            <a:r>
+              <a:rPr lang="en-US" sz="3000"/>
+              <a:t> </a:t>
+            </a:r>
+            <a:r>
+              <a:rPr lang="en-US" sz="3000" err="1"/>
+              <a:t>orci</a:t>
+            </a:r>
+            <a:r>
+              <a:rPr lang="en-US" sz="3000"/>
+              <a:t> non magna </a:t>
+            </a:r>
+            <a:r>
+              <a:rPr lang="en-US" sz="3000" err="1"/>
+              <a:t>mattis</a:t>
+            </a:r>
+            <a:r>
+              <a:rPr lang="en-US" sz="3000"/>
+              <a:t> </a:t>
+            </a:r>
+            <a:r>
+              <a:rPr lang="en-US" sz="3000" err="1"/>
+              <a:t>accumsan</a:t>
+            </a:r>
+            <a:r>
+              <a:rPr lang="en-US" sz="3000"/>
+              <a:t> </a:t>
+            </a:r>
+            <a:r>
+              <a:rPr lang="en-US" sz="3000" err="1"/>
+              <a:t>quis</a:t>
+            </a:r>
+            <a:r>
+              <a:rPr lang="en-US" sz="3000"/>
+              <a:t> </a:t>
+            </a:r>
+            <a:r>
+              <a:rPr lang="en-US" sz="3000" err="1"/>
+              <a:t>vel</a:t>
+            </a:r>
+            <a:r>
+              <a:rPr lang="en-US" sz="3000"/>
+              <a:t> sem. Duis </a:t>
+            </a:r>
+            <a:r>
+              <a:rPr lang="en-US" sz="3000" err="1"/>
+              <a:t>leo</a:t>
+            </a:r>
+            <a:r>
+              <a:rPr lang="en-US" sz="3000"/>
+              <a:t> </a:t>
+            </a:r>
+            <a:r>
+              <a:rPr lang="en-US" sz="3000" err="1"/>
+              <a:t>massa</a:t>
+            </a:r>
+            <a:r>
+              <a:rPr lang="en-US" sz="3000"/>
+              <a:t>, </a:t>
+            </a:r>
+            <a:r>
+              <a:rPr lang="en-US" sz="3000" err="1"/>
+              <a:t>tristique</a:t>
+            </a:r>
+            <a:r>
+              <a:rPr lang="en-US" sz="3000"/>
+              <a:t> a </a:t>
+            </a:r>
+            <a:r>
+              <a:rPr lang="en-US" sz="3000" err="1"/>
+              <a:t>porttitor</a:t>
+            </a:r>
+            <a:r>
+              <a:rPr lang="en-US" sz="3000"/>
+              <a:t> id, </a:t>
+            </a:r>
+            <a:r>
+              <a:rPr lang="en-US" sz="3000" err="1"/>
+              <a:t>mattis</a:t>
+            </a:r>
+            <a:r>
+              <a:rPr lang="en-US" sz="3000"/>
+              <a:t> in </a:t>
+            </a:r>
+            <a:r>
+              <a:rPr lang="en-US" sz="3000" err="1"/>
+              <a:t>velit</a:t>
+            </a:r>
+            <a:r>
+              <a:rPr lang="en-US" sz="3000"/>
+              <a:t>. </a:t>
+            </a:r>
+            <a:r>
+              <a:rPr lang="en-US" sz="3000" err="1"/>
+              <a:t>Aliquam</a:t>
+            </a:r>
+            <a:r>
+              <a:rPr lang="en-US" sz="3000"/>
+              <a:t> </a:t>
+            </a:r>
+            <a:r>
+              <a:rPr lang="en-US" sz="3000" err="1"/>
+              <a:t>vel</a:t>
+            </a:r>
+            <a:r>
+              <a:rPr lang="en-US" sz="3000"/>
+              <a:t> </a:t>
+            </a:r>
+            <a:r>
+              <a:rPr lang="en-US" sz="3000" err="1"/>
+              <a:t>tortor</a:t>
+            </a:r>
+            <a:r>
+              <a:rPr lang="en-US" sz="3000"/>
+              <a:t> </a:t>
+            </a:r>
+            <a:r>
+              <a:rPr lang="en-US" sz="3000" err="1"/>
+              <a:t>quam</a:t>
+            </a:r>
+            <a:r>
+              <a:rPr lang="en-US" sz="3000"/>
+              <a:t>, ac </a:t>
+            </a:r>
+            <a:r>
+              <a:rPr lang="en-US" sz="3000" err="1"/>
+              <a:t>porttitor</a:t>
+            </a:r>
+            <a:r>
+              <a:rPr lang="en-US" sz="3000"/>
+              <a:t> </a:t>
+            </a:r>
+            <a:r>
+              <a:rPr lang="en-US" sz="3000" err="1"/>
+              <a:t>metus</a:t>
+            </a:r>
+            <a:r>
+              <a:rPr lang="en-US" sz="3000"/>
+              <a:t>. </a:t>
+            </a:r>
+            <a:r>
+              <a:rPr lang="en-US" sz="3000" err="1"/>
+              <a:t>Suspendisse</a:t>
+            </a:r>
+            <a:r>
+              <a:rPr lang="en-US" sz="3000"/>
+              <a:t> et dui diam. </a:t>
+            </a:r>
+            <a:r>
+              <a:rPr lang="en-US" sz="3000" err="1"/>
+              <a:t>Quisque</a:t>
+            </a:r>
+            <a:r>
+              <a:rPr lang="en-US" sz="3000"/>
+              <a:t> </a:t>
+            </a:r>
+            <a:r>
+              <a:rPr lang="en-US" sz="3000" err="1"/>
+              <a:t>posuere</a:t>
+            </a:r>
+            <a:r>
+              <a:rPr lang="en-US" sz="3000"/>
+              <a:t> </a:t>
+            </a:r>
+            <a:r>
+              <a:rPr lang="en-US" sz="3000" err="1"/>
+              <a:t>diam</a:t>
+            </a:r>
+            <a:r>
+              <a:rPr lang="en-US" sz="3000"/>
+              <a:t> </a:t>
+            </a:r>
+            <a:r>
+              <a:rPr lang="en-US" sz="3000" err="1"/>
+              <a:t>hendrerit</a:t>
+            </a:r>
+            <a:r>
+              <a:rPr lang="en-US" sz="3000"/>
+              <a:t> ipsum </a:t>
+            </a:r>
+            <a:r>
+              <a:rPr lang="en-US" sz="3000" err="1"/>
+              <a:t>condimentum</a:t>
+            </a:r>
+            <a:r>
+              <a:rPr lang="en-US" sz="3000"/>
+              <a:t> </a:t>
+            </a:r>
+            <a:r>
+              <a:rPr lang="en-US" sz="3000" err="1"/>
+              <a:t>nec</a:t>
+            </a:r>
+            <a:r>
+              <a:rPr lang="en-US" sz="3000"/>
+              <a:t> convallis </a:t>
+            </a:r>
+            <a:r>
+              <a:rPr lang="en-US" sz="3000" err="1"/>
+              <a:t>massa</a:t>
+            </a:r>
+            <a:r>
+              <a:rPr lang="en-US" sz="3000"/>
+              <a:t> </a:t>
+            </a:r>
+            <a:r>
+              <a:rPr lang="en-US" sz="3000" err="1"/>
+              <a:t>congue</a:t>
+            </a:r>
+            <a:r>
+              <a:rPr lang="en-US" sz="3000"/>
+              <a:t>. </a:t>
+            </a:r>
           </a:p>
           <a:p>
             <a:pPr>
@@ -5744,470 +5225,7 @@
                 <a:spcPts val="1800"/>
               </a:spcAft>
             </a:pPr>
-            <a:r>
-              <a:rPr lang="en-US" sz="3000" dirty="0" err="1" smtClean="0"/>
-              <a:t>Lorem</a:t>
-            </a:r>
-            <a:r>
-              <a:rPr lang="en-US" sz="3000" dirty="0" smtClean="0"/>
-              <a:t> </a:t>
-            </a:r>
-            <a:r>
-              <a:rPr lang="en-US" sz="3000" dirty="0" err="1" smtClean="0"/>
-              <a:t>ipsum</a:t>
-            </a:r>
-            <a:r>
-              <a:rPr lang="en-US" sz="3000" dirty="0" smtClean="0"/>
-              <a:t> dolor sit </a:t>
-            </a:r>
-            <a:r>
-              <a:rPr lang="en-US" sz="3000" dirty="0" err="1" smtClean="0"/>
-              <a:t>amet</a:t>
-            </a:r>
-            <a:r>
-              <a:rPr lang="en-US" sz="3000" dirty="0" smtClean="0"/>
-              <a:t>, </a:t>
-            </a:r>
-            <a:r>
-              <a:rPr lang="en-US" sz="3000" dirty="0" err="1" smtClean="0"/>
-              <a:t>consectetur</a:t>
-            </a:r>
-            <a:r>
-              <a:rPr lang="en-US" sz="3000" dirty="0" smtClean="0"/>
-              <a:t> </a:t>
-            </a:r>
-            <a:r>
-              <a:rPr lang="en-US" sz="3000" dirty="0" err="1" smtClean="0"/>
-              <a:t>adipiscing</a:t>
-            </a:r>
-            <a:r>
-              <a:rPr lang="en-US" sz="3000" dirty="0" smtClean="0"/>
-              <a:t> </a:t>
-            </a:r>
-            <a:r>
-              <a:rPr lang="en-US" sz="3000" dirty="0" err="1" smtClean="0"/>
-              <a:t>elit</a:t>
-            </a:r>
-            <a:r>
-              <a:rPr lang="en-US" sz="3000" dirty="0" smtClean="0"/>
-              <a:t>. </a:t>
-            </a:r>
-            <a:r>
-              <a:rPr lang="en-US" sz="3000" dirty="0" err="1" smtClean="0"/>
-              <a:t>Nulla</a:t>
-            </a:r>
-            <a:r>
-              <a:rPr lang="en-US" sz="3000" dirty="0" smtClean="0"/>
-              <a:t> </a:t>
-            </a:r>
-            <a:r>
-              <a:rPr lang="en-US" sz="3000" dirty="0" err="1" smtClean="0"/>
-              <a:t>facilisi</a:t>
-            </a:r>
-            <a:r>
-              <a:rPr lang="en-US" sz="3000" dirty="0" smtClean="0"/>
-              <a:t>. Maecenas </a:t>
-            </a:r>
-            <a:r>
-              <a:rPr lang="en-US" sz="3000" dirty="0" err="1" smtClean="0"/>
-              <a:t>feugiat</a:t>
-            </a:r>
-            <a:r>
-              <a:rPr lang="en-US" sz="3000" dirty="0" smtClean="0"/>
-              <a:t> </a:t>
-            </a:r>
-            <a:r>
-              <a:rPr lang="en-US" sz="3000" dirty="0" err="1" smtClean="0"/>
-              <a:t>bibendum</a:t>
-            </a:r>
-            <a:r>
-              <a:rPr lang="en-US" sz="3000" dirty="0" smtClean="0"/>
-              <a:t> </a:t>
-            </a:r>
-            <a:r>
-              <a:rPr lang="en-US" sz="3000" dirty="0" err="1" smtClean="0"/>
-              <a:t>convallis</a:t>
-            </a:r>
-            <a:r>
-              <a:rPr lang="en-US" sz="3000" dirty="0" smtClean="0"/>
-              <a:t>. </a:t>
-            </a:r>
-            <a:r>
-              <a:rPr lang="en-US" sz="3000" dirty="0" err="1" smtClean="0"/>
-              <a:t>Praesent</a:t>
-            </a:r>
-            <a:r>
-              <a:rPr lang="en-US" sz="3000" dirty="0" smtClean="0"/>
-              <a:t> et dui </a:t>
-            </a:r>
-            <a:r>
-              <a:rPr lang="en-US" sz="3000" dirty="0" err="1" smtClean="0"/>
-              <a:t>mauris</a:t>
-            </a:r>
-            <a:r>
-              <a:rPr lang="en-US" sz="3000" dirty="0" smtClean="0"/>
-              <a:t>, </a:t>
-            </a:r>
-            <a:r>
-              <a:rPr lang="en-US" sz="3000" dirty="0" err="1" smtClean="0"/>
-              <a:t>ullamcorper</a:t>
-            </a:r>
-            <a:r>
-              <a:rPr lang="en-US" sz="3000" dirty="0" smtClean="0"/>
-              <a:t> semper </a:t>
-            </a:r>
-            <a:r>
-              <a:rPr lang="en-US" sz="3000" dirty="0" err="1" smtClean="0"/>
-              <a:t>justo</a:t>
-            </a:r>
-            <a:r>
-              <a:rPr lang="en-US" sz="3000" dirty="0" smtClean="0"/>
-              <a:t>. </a:t>
-            </a:r>
-            <a:r>
-              <a:rPr lang="en-US" sz="3000" dirty="0" err="1" smtClean="0"/>
-              <a:t>Curabitur</a:t>
-            </a:r>
-            <a:r>
-              <a:rPr lang="en-US" sz="3000" dirty="0" smtClean="0"/>
-              <a:t> sit </a:t>
-            </a:r>
-            <a:r>
-              <a:rPr lang="en-US" sz="3000" dirty="0" err="1" smtClean="0"/>
-              <a:t>amet</a:t>
-            </a:r>
-            <a:r>
-              <a:rPr lang="en-US" sz="3000" dirty="0" smtClean="0"/>
-              <a:t> </a:t>
-            </a:r>
-            <a:r>
-              <a:rPr lang="en-US" sz="3000" dirty="0" err="1" smtClean="0"/>
-              <a:t>orci</a:t>
-            </a:r>
-            <a:r>
-              <a:rPr lang="en-US" sz="3000" dirty="0" smtClean="0"/>
-              <a:t> non magna </a:t>
-            </a:r>
-            <a:r>
-              <a:rPr lang="en-US" sz="3000" dirty="0" err="1" smtClean="0"/>
-              <a:t>mattis</a:t>
-            </a:r>
-            <a:r>
-              <a:rPr lang="en-US" sz="3000" dirty="0" smtClean="0"/>
-              <a:t> </a:t>
-            </a:r>
-            <a:r>
-              <a:rPr lang="en-US" sz="3000" dirty="0" err="1" smtClean="0"/>
-              <a:t>accumsan</a:t>
-            </a:r>
-            <a:r>
-              <a:rPr lang="en-US" sz="3000" dirty="0" smtClean="0"/>
-              <a:t> </a:t>
-            </a:r>
-            <a:r>
-              <a:rPr lang="en-US" sz="3000" dirty="0" err="1" smtClean="0"/>
-              <a:t>quis</a:t>
-            </a:r>
-            <a:r>
-              <a:rPr lang="en-US" sz="3000" dirty="0" smtClean="0"/>
-              <a:t> </a:t>
-            </a:r>
-            <a:r>
-              <a:rPr lang="en-US" sz="3000" dirty="0" err="1" smtClean="0"/>
-              <a:t>vel</a:t>
-            </a:r>
-            <a:r>
-              <a:rPr lang="en-US" sz="3000" dirty="0" smtClean="0"/>
-              <a:t> sem. </a:t>
-            </a:r>
-            <a:r>
-              <a:rPr lang="en-US" sz="3000" dirty="0" err="1" smtClean="0"/>
-              <a:t>Duis</a:t>
-            </a:r>
-            <a:r>
-              <a:rPr lang="en-US" sz="3000" dirty="0" smtClean="0"/>
-              <a:t> </a:t>
-            </a:r>
-            <a:r>
-              <a:rPr lang="en-US" sz="3000" dirty="0" err="1" smtClean="0"/>
-              <a:t>leo</a:t>
-            </a:r>
-            <a:r>
-              <a:rPr lang="en-US" sz="3000" dirty="0" smtClean="0"/>
-              <a:t> </a:t>
-            </a:r>
-            <a:r>
-              <a:rPr lang="en-US" sz="3000" dirty="0" err="1" smtClean="0"/>
-              <a:t>massa</a:t>
-            </a:r>
-            <a:r>
-              <a:rPr lang="en-US" sz="3000" dirty="0" smtClean="0"/>
-              <a:t>, </a:t>
-            </a:r>
-            <a:r>
-              <a:rPr lang="en-US" sz="3000" dirty="0" err="1" smtClean="0"/>
-              <a:t>tristique</a:t>
-            </a:r>
-            <a:r>
-              <a:rPr lang="en-US" sz="3000" dirty="0" smtClean="0"/>
-              <a:t> a </a:t>
-            </a:r>
-            <a:r>
-              <a:rPr lang="en-US" sz="3000" dirty="0" err="1" smtClean="0"/>
-              <a:t>porttitor</a:t>
-            </a:r>
-            <a:r>
-              <a:rPr lang="en-US" sz="3000" dirty="0" smtClean="0"/>
-              <a:t> id, </a:t>
-            </a:r>
-            <a:r>
-              <a:rPr lang="en-US" sz="3000" dirty="0" err="1" smtClean="0"/>
-              <a:t>mattis</a:t>
-            </a:r>
-            <a:r>
-              <a:rPr lang="en-US" sz="3000" dirty="0" smtClean="0"/>
-              <a:t> in </a:t>
-            </a:r>
-            <a:r>
-              <a:rPr lang="en-US" sz="3000" dirty="0" err="1" smtClean="0"/>
-              <a:t>velit</a:t>
-            </a:r>
-            <a:r>
-              <a:rPr lang="en-US" sz="3000" dirty="0" smtClean="0"/>
-              <a:t>. </a:t>
-            </a:r>
-            <a:r>
-              <a:rPr lang="en-US" sz="3000" dirty="0" err="1" smtClean="0"/>
-              <a:t>Aliquam</a:t>
-            </a:r>
-            <a:r>
-              <a:rPr lang="en-US" sz="3000" dirty="0" smtClean="0"/>
-              <a:t> </a:t>
-            </a:r>
-            <a:r>
-              <a:rPr lang="en-US" sz="3000" dirty="0" err="1" smtClean="0"/>
-              <a:t>vel</a:t>
-            </a:r>
-            <a:r>
-              <a:rPr lang="en-US" sz="3000" dirty="0" smtClean="0"/>
-              <a:t> </a:t>
-            </a:r>
-            <a:r>
-              <a:rPr lang="en-US" sz="3000" dirty="0" err="1" smtClean="0"/>
-              <a:t>tortor</a:t>
-            </a:r>
-            <a:r>
-              <a:rPr lang="en-US" sz="3000" dirty="0" smtClean="0"/>
-              <a:t> quam, ac </a:t>
-            </a:r>
-            <a:r>
-              <a:rPr lang="en-US" sz="3000" dirty="0" err="1" smtClean="0"/>
-              <a:t>porttitor</a:t>
-            </a:r>
-            <a:r>
-              <a:rPr lang="en-US" sz="3000" dirty="0" smtClean="0"/>
-              <a:t> </a:t>
-            </a:r>
-            <a:r>
-              <a:rPr lang="en-US" sz="3000" dirty="0" err="1" smtClean="0"/>
-              <a:t>metus</a:t>
-            </a:r>
-            <a:r>
-              <a:rPr lang="en-US" sz="3000" dirty="0" smtClean="0"/>
-              <a:t>. </a:t>
-            </a:r>
-            <a:r>
-              <a:rPr lang="en-US" sz="3000" dirty="0" err="1" smtClean="0"/>
-              <a:t>Suspendisse</a:t>
-            </a:r>
-            <a:r>
-              <a:rPr lang="en-US" sz="3000" dirty="0" smtClean="0"/>
-              <a:t> et dui diam. </a:t>
-            </a:r>
-            <a:r>
-              <a:rPr lang="en-US" sz="3000" dirty="0" err="1" smtClean="0"/>
-              <a:t>Quisque</a:t>
-            </a:r>
-            <a:r>
-              <a:rPr lang="en-US" sz="3000" dirty="0" smtClean="0"/>
-              <a:t> </a:t>
-            </a:r>
-            <a:r>
-              <a:rPr lang="en-US" sz="3000" dirty="0" err="1" smtClean="0"/>
-              <a:t>posuere</a:t>
-            </a:r>
-            <a:r>
-              <a:rPr lang="en-US" sz="3000" dirty="0" smtClean="0"/>
-              <a:t> </a:t>
-            </a:r>
-            <a:r>
-              <a:rPr lang="en-US" sz="3000" dirty="0" err="1" smtClean="0"/>
-              <a:t>diam</a:t>
-            </a:r>
-            <a:r>
-              <a:rPr lang="en-US" sz="3000" dirty="0" smtClean="0"/>
-              <a:t> </a:t>
-            </a:r>
-            <a:r>
-              <a:rPr lang="en-US" sz="3000" dirty="0" err="1" smtClean="0"/>
-              <a:t>hendrerit</a:t>
-            </a:r>
-            <a:r>
-              <a:rPr lang="en-US" sz="3000" dirty="0" smtClean="0"/>
-              <a:t> </a:t>
-            </a:r>
-            <a:r>
-              <a:rPr lang="en-US" sz="3000" dirty="0" err="1" smtClean="0"/>
-              <a:t>ipsum</a:t>
-            </a:r>
-            <a:r>
-              <a:rPr lang="en-US" sz="3000" dirty="0" smtClean="0"/>
-              <a:t> </a:t>
-            </a:r>
-            <a:r>
-              <a:rPr lang="en-US" sz="3000" dirty="0" err="1" smtClean="0"/>
-              <a:t>condimentum</a:t>
-            </a:r>
-            <a:r>
-              <a:rPr lang="en-US" sz="3000" dirty="0" smtClean="0"/>
-              <a:t> </a:t>
-            </a:r>
-            <a:r>
-              <a:rPr lang="en-US" sz="3000" dirty="0" err="1" smtClean="0"/>
-              <a:t>nec</a:t>
-            </a:r>
-            <a:r>
-              <a:rPr lang="en-US" sz="3000" dirty="0" smtClean="0"/>
-              <a:t> </a:t>
-            </a:r>
-            <a:r>
-              <a:rPr lang="en-US" sz="3000" dirty="0" err="1" smtClean="0"/>
-              <a:t>convallis</a:t>
-            </a:r>
-            <a:r>
-              <a:rPr lang="en-US" sz="3000" dirty="0" smtClean="0"/>
-              <a:t> </a:t>
-            </a:r>
-            <a:r>
-              <a:rPr lang="en-US" sz="3000" dirty="0" err="1" smtClean="0"/>
-              <a:t>massa</a:t>
-            </a:r>
-            <a:r>
-              <a:rPr lang="en-US" sz="3000" dirty="0" smtClean="0"/>
-              <a:t> </a:t>
-            </a:r>
-            <a:r>
-              <a:rPr lang="en-US" sz="3000" dirty="0" err="1" smtClean="0"/>
-              <a:t>congue</a:t>
-            </a:r>
-            <a:r>
-              <a:rPr lang="en-US" sz="3000" dirty="0" smtClean="0"/>
-              <a:t>. Integer </a:t>
-            </a:r>
-            <a:r>
-              <a:rPr lang="en-US" sz="3000" dirty="0" err="1" smtClean="0"/>
-              <a:t>nec</a:t>
-            </a:r>
-            <a:r>
-              <a:rPr lang="en-US" sz="3000" dirty="0" smtClean="0"/>
-              <a:t> </a:t>
-            </a:r>
-            <a:r>
-              <a:rPr lang="en-US" sz="3000" dirty="0" err="1" smtClean="0"/>
-              <a:t>velit</a:t>
-            </a:r>
-            <a:r>
-              <a:rPr lang="en-US" sz="3000" dirty="0" smtClean="0"/>
-              <a:t> </a:t>
-            </a:r>
-            <a:r>
-              <a:rPr lang="en-US" sz="3000" dirty="0" err="1" smtClean="0"/>
-              <a:t>quis</a:t>
-            </a:r>
-            <a:r>
-              <a:rPr lang="en-US" sz="3000" dirty="0" smtClean="0"/>
-              <a:t> </a:t>
-            </a:r>
-            <a:r>
-              <a:rPr lang="en-US" sz="3000" dirty="0" err="1" smtClean="0"/>
-              <a:t>nunc</a:t>
-            </a:r>
-            <a:r>
-              <a:rPr lang="en-US" sz="3000" dirty="0" smtClean="0"/>
-              <a:t> </a:t>
-            </a:r>
-            <a:r>
-              <a:rPr lang="en-US" sz="3000" dirty="0" err="1" smtClean="0"/>
-              <a:t>scelerisque</a:t>
-            </a:r>
-            <a:r>
-              <a:rPr lang="en-US" sz="3000" dirty="0" smtClean="0"/>
-              <a:t> </a:t>
-            </a:r>
-            <a:r>
-              <a:rPr lang="en-US" sz="3000" dirty="0" err="1" smtClean="0"/>
-              <a:t>eleifend</a:t>
-            </a:r>
-            <a:r>
-              <a:rPr lang="en-US" sz="3000" dirty="0" smtClean="0"/>
-              <a:t>. </a:t>
-            </a:r>
-            <a:r>
-              <a:rPr lang="en-US" sz="3000" dirty="0" err="1" smtClean="0"/>
-              <a:t>Suspendisse</a:t>
-            </a:r>
-            <a:r>
-              <a:rPr lang="en-US" sz="3000" dirty="0" smtClean="0"/>
-              <a:t> </a:t>
-            </a:r>
-            <a:r>
-              <a:rPr lang="en-US" sz="3000" dirty="0" err="1" smtClean="0"/>
-              <a:t>potenti</a:t>
-            </a:r>
-            <a:r>
-              <a:rPr lang="en-US" sz="3000" dirty="0" smtClean="0"/>
-              <a:t>. Integer </a:t>
-            </a:r>
-            <a:r>
-              <a:rPr lang="en-US" sz="3000" dirty="0" err="1" smtClean="0"/>
-              <a:t>rutrum</a:t>
-            </a:r>
-            <a:r>
-              <a:rPr lang="en-US" sz="3000" dirty="0" smtClean="0"/>
-              <a:t> </a:t>
-            </a:r>
-            <a:r>
-              <a:rPr lang="en-US" sz="3000" dirty="0" err="1" smtClean="0"/>
-              <a:t>faucibus</a:t>
-            </a:r>
-            <a:r>
-              <a:rPr lang="en-US" sz="3000" dirty="0" smtClean="0"/>
-              <a:t> </a:t>
-            </a:r>
-            <a:r>
-              <a:rPr lang="en-US" sz="3000" dirty="0" err="1" smtClean="0"/>
-              <a:t>justo</a:t>
-            </a:r>
-            <a:r>
-              <a:rPr lang="en-US" sz="3000" dirty="0" smtClean="0"/>
-              <a:t>, a semper </a:t>
-            </a:r>
-            <a:r>
-              <a:rPr lang="en-US" sz="3000" dirty="0" err="1" smtClean="0"/>
-              <a:t>lectus</a:t>
-            </a:r>
-            <a:r>
-              <a:rPr lang="en-US" sz="3000" dirty="0" smtClean="0"/>
-              <a:t> </a:t>
-            </a:r>
-            <a:r>
-              <a:rPr lang="en-US" sz="3000" dirty="0" err="1" smtClean="0"/>
-              <a:t>vulputate</a:t>
-            </a:r>
-            <a:r>
-              <a:rPr lang="en-US" sz="3000" dirty="0" smtClean="0"/>
-              <a:t> ac. </a:t>
-            </a:r>
+            <a:endParaRPr lang="en-US" sz="3000"/>
           </a:p>
           <a:p>
             <a:pPr>
@@ -6215,7 +5233,98 @@
                 <a:spcPts val="1800"/>
               </a:spcAft>
             </a:pPr>
-            <a:endParaRPr lang="en-US" sz="3000" dirty="0"/>
+            <a:endParaRPr lang="en-US" sz="3000"/>
+          </a:p>
+          <a:p>
+            <a:pPr>
+              <a:spcAft>
+                <a:spcPts val="1800"/>
+              </a:spcAft>
+            </a:pPr>
+            <a:endParaRPr lang="en-US" sz="3000"/>
+          </a:p>
+          <a:p>
+            <a:pPr>
+              <a:spcAft>
+                <a:spcPts val="1800"/>
+              </a:spcAft>
+            </a:pPr>
+            <a:endParaRPr lang="en-US" sz="3000"/>
+          </a:p>
+          <a:p>
+            <a:pPr>
+              <a:spcAft>
+                <a:spcPts val="1800"/>
+              </a:spcAft>
+            </a:pPr>
+            <a:endParaRPr lang="en-US" sz="3000"/>
+          </a:p>
+          <a:p>
+            <a:pPr>
+              <a:spcAft>
+                <a:spcPts val="1800"/>
+              </a:spcAft>
+            </a:pPr>
+            <a:endParaRPr lang="en-US" sz="3000"/>
+          </a:p>
+          <a:p>
+            <a:pPr>
+              <a:spcAft>
+                <a:spcPts val="1800"/>
+              </a:spcAft>
+            </a:pPr>
+            <a:endParaRPr lang="en-US" sz="3000"/>
+          </a:p>
+          <a:p>
+            <a:pPr>
+              <a:spcAft>
+                <a:spcPts val="1800"/>
+              </a:spcAft>
+            </a:pPr>
+            <a:endParaRPr lang="en-US" sz="3000"/>
+          </a:p>
+          <a:p>
+            <a:pPr>
+              <a:spcAft>
+                <a:spcPts val="1800"/>
+              </a:spcAft>
+            </a:pPr>
+            <a:endParaRPr lang="en-US" sz="3000"/>
+          </a:p>
+          <a:p>
+            <a:pPr>
+              <a:spcAft>
+                <a:spcPts val="1800"/>
+              </a:spcAft>
+            </a:pPr>
+            <a:endParaRPr lang="en-US" sz="3000"/>
+          </a:p>
+          <a:p>
+            <a:pPr>
+              <a:spcAft>
+                <a:spcPts val="1800"/>
+              </a:spcAft>
+            </a:pPr>
+            <a:endParaRPr lang="en-US" sz="3000"/>
+          </a:p>
+          <a:p>
+            <a:pPr>
+              <a:spcAft>
+                <a:spcPts val="1800"/>
+              </a:spcAft>
+            </a:pPr>
+            <a:r>
+              <a:rPr lang="en-US" sz="2800" b="1"/>
+              <a:t>Figure 4: Summary of Results</a:t>
+            </a:r>
+          </a:p>
+          <a:p>
+            <a:pPr>
+              <a:spcAft>
+                <a:spcPts val="1800"/>
+              </a:spcAft>
+            </a:pPr>
+            <a:endParaRPr lang="en-US" sz="3000"/>
           </a:p>
         </p:txBody>
       </p:sp>
@@ -6269,61 +5378,13 @@
       </p:sp>
       <p:sp>
         <p:nvSpPr>
-          <p:cNvPr id="24" name="Rectangle 23"/>
-          <p:cNvSpPr/>
-          <p:nvPr/>
-        </p:nvSpPr>
-        <p:spPr>
-          <a:xfrm>
-            <a:off x="1206283" y="24954659"/>
-            <a:ext cx="8550648" cy="6047739"/>
-          </a:xfrm>
-          <a:prstGeom prst="rect">
-            <a:avLst/>
-          </a:prstGeom>
-          <a:solidFill>
-            <a:schemeClr val="accent2">
-              <a:lumMod val="20000"/>
-              <a:lumOff val="80000"/>
-            </a:schemeClr>
-          </a:solidFill>
-          <a:ln>
-            <a:noFill/>
-          </a:ln>
-          <a:effectLst/>
-        </p:spPr>
-        <p:style>
-          <a:lnRef idx="1">
-            <a:schemeClr val="accent1"/>
-          </a:lnRef>
-          <a:fillRef idx="3">
-            <a:schemeClr val="accent1"/>
-          </a:fillRef>
-          <a:effectRef idx="2">
-            <a:schemeClr val="accent1"/>
-          </a:effectRef>
-          <a:fontRef idx="minor">
-            <a:schemeClr val="lt1"/>
-          </a:fontRef>
-        </p:style>
-        <p:txBody>
-          <a:bodyPr rtlCol="0" anchor="ctr"/>
-          <a:lstStyle/>
-          <a:p>
-            <a:pPr algn="ctr"/>
-            <a:endParaRPr lang="en-US"/>
-          </a:p>
-        </p:txBody>
-      </p:sp>
-      <p:sp>
-        <p:nvSpPr>
           <p:cNvPr id="26" name="TextBox 25"/>
           <p:cNvSpPr txBox="1"/>
           <p:nvPr/>
         </p:nvSpPr>
         <p:spPr>
           <a:xfrm>
-            <a:off x="1406151" y="5331461"/>
+            <a:off x="1485900" y="5646813"/>
             <a:ext cx="8550648" cy="18962798"/>
           </a:xfrm>
           <a:prstGeom prst="rect">
@@ -6343,18 +5404,13 @@
               </a:spcAft>
             </a:pPr>
             <a:r>
-              <a:rPr lang="en-US" sz="3600" b="1" dirty="0" smtClean="0">
+              <a:rPr lang="en-US" sz="3600" b="1">
                 <a:solidFill>
                   <a:srgbClr val="5D87A1"/>
                 </a:solidFill>
               </a:rPr>
               <a:t>Background</a:t>
             </a:r>
-            <a:endParaRPr lang="en-US" sz="3600" b="1" dirty="0">
-              <a:solidFill>
-                <a:srgbClr val="5D87A1"/>
-              </a:solidFill>
-            </a:endParaRPr>
           </a:p>
           <a:p>
             <a:pPr>
@@ -6363,16 +5419,16 @@
               </a:spcAft>
             </a:pPr>
             <a:r>
-              <a:rPr lang="en-US" sz="3000" dirty="0"/>
-              <a:t>Computation efficiency and performance are paramount to being able to quickly and effectively analyze data within a reasonable time frame when working with very large data sets. Oracle 12c performs sub-optimally out of the box when it comes to analyzing the massive amount of telemetry data gathered from HP </a:t>
-            </a:r>
-            <a:r>
-              <a:rPr lang="en-US" sz="3000" dirty="0" err="1"/>
+              <a:rPr lang="en-US" sz="3000"/>
+              <a:t>Computational efficiency and performance are paramount to being able to quickly and effectively analyze data within a reasonable time frame when working with very large data sets. Oracle 12c performs sub-optimally out of the box when it comes to analyzing the massive amount of telemetry data gathered from HP </a:t>
+            </a:r>
+            <a:r>
+              <a:rPr lang="en-US" sz="3000" err="1"/>
               <a:t>PageWide</a:t>
             </a:r>
             <a:r>
-              <a:rPr lang="en-US" sz="3000" dirty="0"/>
-              <a:t> Web Press printers. </a:t>
+              <a:rPr lang="en-US" sz="3000"/>
+              <a:t> Web Press printers. </a:t>
             </a:r>
           </a:p>
           <a:p>
@@ -6382,508 +5438,8 @@
               </a:spcAft>
             </a:pPr>
             <a:r>
-              <a:rPr lang="en-US" sz="3000" dirty="0" err="1" smtClean="0"/>
-              <a:t>Pellentesque</a:t>
-            </a:r>
-            <a:r>
-              <a:rPr lang="en-US" sz="3000" dirty="0" smtClean="0"/>
-              <a:t> habitant </a:t>
-            </a:r>
-            <a:r>
-              <a:rPr lang="en-US" sz="3000" dirty="0" err="1" smtClean="0"/>
-              <a:t>morbi</a:t>
-            </a:r>
-            <a:r>
-              <a:rPr lang="en-US" sz="3000" dirty="0" smtClean="0"/>
-              <a:t> </a:t>
-            </a:r>
-            <a:r>
-              <a:rPr lang="en-US" sz="3000" dirty="0" err="1" smtClean="0"/>
-              <a:t>tristique</a:t>
-            </a:r>
-            <a:r>
-              <a:rPr lang="en-US" sz="3000" dirty="0" smtClean="0"/>
-              <a:t> </a:t>
-            </a:r>
-            <a:r>
-              <a:rPr lang="en-US" sz="3000" dirty="0" err="1" smtClean="0"/>
-              <a:t>senectus</a:t>
-            </a:r>
-            <a:r>
-              <a:rPr lang="en-US" sz="3000" dirty="0" smtClean="0"/>
-              <a:t> et </a:t>
-            </a:r>
-            <a:r>
-              <a:rPr lang="en-US" sz="3000" dirty="0" err="1" smtClean="0"/>
-              <a:t>netus</a:t>
-            </a:r>
-            <a:r>
-              <a:rPr lang="en-US" sz="3000" dirty="0" smtClean="0"/>
-              <a:t> et </a:t>
-            </a:r>
-            <a:r>
-              <a:rPr lang="en-US" sz="3000" dirty="0" err="1" smtClean="0"/>
-              <a:t>malesuada</a:t>
-            </a:r>
-            <a:r>
-              <a:rPr lang="en-US" sz="3000" dirty="0" smtClean="0"/>
-              <a:t> fames ac </a:t>
-            </a:r>
-            <a:r>
-              <a:rPr lang="en-US" sz="3000" dirty="0" err="1" smtClean="0"/>
-              <a:t>turpis</a:t>
-            </a:r>
-            <a:r>
-              <a:rPr lang="en-US" sz="3000" dirty="0" smtClean="0"/>
-              <a:t> </a:t>
-            </a:r>
-            <a:r>
-              <a:rPr lang="en-US" sz="3000" dirty="0" err="1" smtClean="0"/>
-              <a:t>egestas</a:t>
-            </a:r>
-            <a:r>
-              <a:rPr lang="en-US" sz="3000" dirty="0" smtClean="0"/>
-              <a:t>. </a:t>
-            </a:r>
-            <a:r>
-              <a:rPr lang="en-US" sz="3000" dirty="0" err="1" smtClean="0"/>
-              <a:t>Praesent</a:t>
-            </a:r>
-            <a:r>
-              <a:rPr lang="en-US" sz="3000" dirty="0" smtClean="0"/>
-              <a:t> </a:t>
-            </a:r>
-            <a:r>
-              <a:rPr lang="en-US" sz="3000" dirty="0" err="1" smtClean="0"/>
-              <a:t>volutpat</a:t>
-            </a:r>
-            <a:r>
-              <a:rPr lang="en-US" sz="3000" dirty="0" smtClean="0"/>
-              <a:t> </a:t>
-            </a:r>
-            <a:r>
-              <a:rPr lang="en-US" sz="3000" dirty="0" err="1" smtClean="0"/>
-              <a:t>ipsum</a:t>
-            </a:r>
-            <a:r>
-              <a:rPr lang="en-US" sz="3000" dirty="0" smtClean="0"/>
-              <a:t> </a:t>
-            </a:r>
-            <a:r>
-              <a:rPr lang="en-US" sz="3000" dirty="0" err="1" smtClean="0"/>
-              <a:t>eu</a:t>
-            </a:r>
-            <a:r>
-              <a:rPr lang="en-US" sz="3000" dirty="0" smtClean="0"/>
-              <a:t> </a:t>
-            </a:r>
-            <a:r>
-              <a:rPr lang="en-US" sz="3000" dirty="0" err="1" smtClean="0"/>
-              <a:t>justo</a:t>
-            </a:r>
-            <a:r>
-              <a:rPr lang="en-US" sz="3000" dirty="0" smtClean="0"/>
-              <a:t> </a:t>
-            </a:r>
-            <a:r>
-              <a:rPr lang="en-US" sz="3000" dirty="0" err="1" smtClean="0"/>
-              <a:t>aliquam</a:t>
-            </a:r>
-            <a:r>
-              <a:rPr lang="en-US" sz="3000" dirty="0" smtClean="0"/>
-              <a:t> </a:t>
-            </a:r>
-            <a:r>
-              <a:rPr lang="en-US" sz="3000" dirty="0" err="1" smtClean="0"/>
-              <a:t>lacinia</a:t>
-            </a:r>
-            <a:r>
-              <a:rPr lang="en-US" sz="3000" dirty="0" smtClean="0"/>
-              <a:t>. </a:t>
-            </a:r>
-            <a:r>
-              <a:rPr lang="en-US" sz="3000" dirty="0" err="1" smtClean="0"/>
-              <a:t>Sed</a:t>
-            </a:r>
-            <a:r>
-              <a:rPr lang="en-US" sz="3000" dirty="0" smtClean="0"/>
-              <a:t> </a:t>
-            </a:r>
-            <a:r>
-              <a:rPr lang="en-US" sz="3000" dirty="0" err="1" smtClean="0"/>
-              <a:t>interdum</a:t>
-            </a:r>
-            <a:r>
-              <a:rPr lang="en-US" sz="3000" dirty="0" smtClean="0"/>
-              <a:t> </a:t>
-            </a:r>
-            <a:r>
-              <a:rPr lang="en-US" sz="3000" dirty="0" err="1" smtClean="0"/>
-              <a:t>ipsum</a:t>
-            </a:r>
-            <a:r>
-              <a:rPr lang="en-US" sz="3000" dirty="0" smtClean="0"/>
-              <a:t> vitae dui </a:t>
-            </a:r>
-            <a:r>
-              <a:rPr lang="en-US" sz="3000" dirty="0" err="1" smtClean="0"/>
-              <a:t>dapibus</a:t>
-            </a:r>
-            <a:r>
-              <a:rPr lang="en-US" sz="3000" dirty="0" smtClean="0"/>
-              <a:t> </a:t>
-            </a:r>
-            <a:r>
-              <a:rPr lang="en-US" sz="3000" dirty="0" err="1" smtClean="0"/>
-              <a:t>pharetra</a:t>
-            </a:r>
-            <a:r>
-              <a:rPr lang="en-US" sz="3000" dirty="0" smtClean="0"/>
-              <a:t>. </a:t>
-            </a:r>
-            <a:r>
-              <a:rPr lang="en-US" sz="3000" dirty="0" err="1" smtClean="0"/>
-              <a:t>Donec</a:t>
-            </a:r>
-            <a:r>
-              <a:rPr lang="en-US" sz="3000" dirty="0" smtClean="0"/>
-              <a:t> ac </a:t>
-            </a:r>
-            <a:r>
-              <a:rPr lang="en-US" sz="3000" dirty="0" err="1" smtClean="0"/>
-              <a:t>eros</a:t>
-            </a:r>
-            <a:r>
-              <a:rPr lang="en-US" sz="3000" dirty="0" smtClean="0"/>
-              <a:t> et </a:t>
-            </a:r>
-            <a:r>
-              <a:rPr lang="en-US" sz="3000" dirty="0" err="1" smtClean="0"/>
-              <a:t>turpis</a:t>
-            </a:r>
-            <a:r>
-              <a:rPr lang="en-US" sz="3000" dirty="0" smtClean="0"/>
-              <a:t> </a:t>
-            </a:r>
-            <a:r>
-              <a:rPr lang="en-US" sz="3000" dirty="0" err="1" smtClean="0"/>
-              <a:t>mollis</a:t>
-            </a:r>
-            <a:r>
-              <a:rPr lang="en-US" sz="3000" dirty="0" smtClean="0"/>
-              <a:t> </a:t>
-            </a:r>
-            <a:r>
-              <a:rPr lang="en-US" sz="3000" dirty="0" err="1" smtClean="0"/>
-              <a:t>pharetra</a:t>
-            </a:r>
-            <a:r>
-              <a:rPr lang="en-US" sz="3000" dirty="0" smtClean="0"/>
-              <a:t>. </a:t>
-            </a:r>
-            <a:r>
-              <a:rPr lang="en-US" sz="3000" dirty="0" err="1" smtClean="0"/>
-              <a:t>Sed</a:t>
-            </a:r>
-            <a:r>
-              <a:rPr lang="en-US" sz="3000" dirty="0" smtClean="0"/>
-              <a:t> </a:t>
-            </a:r>
-            <a:r>
-              <a:rPr lang="en-US" sz="3000" dirty="0" err="1" smtClean="0"/>
-              <a:t>eu</a:t>
-            </a:r>
-            <a:r>
-              <a:rPr lang="en-US" sz="3000" dirty="0" smtClean="0"/>
-              <a:t> </a:t>
-            </a:r>
-            <a:r>
-              <a:rPr lang="en-US" sz="3000" dirty="0" err="1" smtClean="0"/>
-              <a:t>arcu</a:t>
-            </a:r>
-            <a:r>
-              <a:rPr lang="en-US" sz="3000" dirty="0" smtClean="0"/>
-              <a:t> </a:t>
-            </a:r>
-            <a:r>
-              <a:rPr lang="en-US" sz="3000" dirty="0" err="1" smtClean="0"/>
-              <a:t>neque</a:t>
-            </a:r>
-            <a:r>
-              <a:rPr lang="en-US" sz="3000" dirty="0" smtClean="0"/>
-              <a:t>. Integer </a:t>
-            </a:r>
-            <a:r>
-              <a:rPr lang="en-US" sz="3000" dirty="0" err="1" smtClean="0"/>
-              <a:t>auctor</a:t>
-            </a:r>
-            <a:r>
-              <a:rPr lang="en-US" sz="3000" dirty="0" smtClean="0"/>
-              <a:t> </a:t>
-            </a:r>
-            <a:r>
-              <a:rPr lang="en-US" sz="3000" dirty="0" err="1" smtClean="0"/>
-              <a:t>nibh</a:t>
-            </a:r>
-            <a:r>
-              <a:rPr lang="en-US" sz="3000" dirty="0" smtClean="0"/>
-              <a:t> </a:t>
-            </a:r>
-            <a:r>
-              <a:rPr lang="en-US" sz="3000" dirty="0" err="1" smtClean="0"/>
-              <a:t>eu</a:t>
-            </a:r>
-            <a:r>
-              <a:rPr lang="en-US" sz="3000" dirty="0" smtClean="0"/>
-              <a:t> </a:t>
-            </a:r>
-            <a:r>
-              <a:rPr lang="en-US" sz="3000" dirty="0" err="1" smtClean="0"/>
-              <a:t>sem</a:t>
-            </a:r>
-            <a:r>
-              <a:rPr lang="en-US" sz="3000" dirty="0" smtClean="0"/>
-              <a:t> </a:t>
-            </a:r>
-            <a:r>
-              <a:rPr lang="en-US" sz="3000" dirty="0" err="1" smtClean="0"/>
-              <a:t>viverra</a:t>
-            </a:r>
-            <a:r>
-              <a:rPr lang="en-US" sz="3000" dirty="0" smtClean="0"/>
-              <a:t> et </a:t>
-            </a:r>
-            <a:r>
-              <a:rPr lang="en-US" sz="3000" dirty="0" err="1" smtClean="0"/>
-              <a:t>consectetur</a:t>
-            </a:r>
-            <a:r>
-              <a:rPr lang="en-US" sz="3000" dirty="0" smtClean="0"/>
-              <a:t> </a:t>
-            </a:r>
-            <a:r>
-              <a:rPr lang="en-US" sz="3000" dirty="0" err="1" smtClean="0"/>
-              <a:t>justo</a:t>
-            </a:r>
-            <a:r>
-              <a:rPr lang="en-US" sz="3000" dirty="0" smtClean="0"/>
-              <a:t> </a:t>
-            </a:r>
-            <a:r>
-              <a:rPr lang="en-US" sz="3000" dirty="0" err="1" smtClean="0"/>
-              <a:t>tristique</a:t>
-            </a:r>
-            <a:r>
-              <a:rPr lang="en-US" sz="3000" dirty="0" smtClean="0"/>
-              <a:t>. </a:t>
-            </a:r>
-            <a:r>
-              <a:rPr lang="en-US" sz="3000" dirty="0" err="1" smtClean="0"/>
-              <a:t>Sed</a:t>
-            </a:r>
-            <a:r>
-              <a:rPr lang="en-US" sz="3000" dirty="0" smtClean="0"/>
-              <a:t> non </a:t>
-            </a:r>
-            <a:r>
-              <a:rPr lang="en-US" sz="3000" dirty="0" err="1" smtClean="0"/>
-              <a:t>urna</a:t>
-            </a:r>
-            <a:r>
-              <a:rPr lang="en-US" sz="3000" dirty="0" smtClean="0"/>
-              <a:t> </a:t>
-            </a:r>
-            <a:r>
-              <a:rPr lang="en-US" sz="3000" dirty="0" err="1" smtClean="0"/>
-              <a:t>leo</a:t>
-            </a:r>
-            <a:r>
-              <a:rPr lang="en-US" sz="3000" dirty="0" smtClean="0"/>
-              <a:t>, </a:t>
-            </a:r>
-            <a:r>
-              <a:rPr lang="en-US" sz="3000" dirty="0" err="1" smtClean="0"/>
-              <a:t>vel</a:t>
-            </a:r>
-            <a:r>
-              <a:rPr lang="en-US" sz="3000" dirty="0" smtClean="0"/>
-              <a:t> </a:t>
-            </a:r>
-            <a:r>
-              <a:rPr lang="en-US" sz="3000" dirty="0" err="1" smtClean="0"/>
-              <a:t>cursus</a:t>
-            </a:r>
-            <a:r>
-              <a:rPr lang="en-US" sz="3000" dirty="0" smtClean="0"/>
-              <a:t> </a:t>
-            </a:r>
-            <a:r>
-              <a:rPr lang="en-US" sz="3000" dirty="0" err="1" smtClean="0"/>
-              <a:t>nulla</a:t>
-            </a:r>
-            <a:r>
-              <a:rPr lang="en-US" sz="3000" dirty="0" smtClean="0"/>
-              <a:t>. </a:t>
-            </a:r>
-            <a:r>
-              <a:rPr lang="en-US" sz="3000" dirty="0" err="1" smtClean="0"/>
-              <a:t>Nullam</a:t>
-            </a:r>
-            <a:r>
-              <a:rPr lang="en-US" sz="3000" dirty="0" smtClean="0"/>
-              <a:t> </a:t>
-            </a:r>
-            <a:r>
-              <a:rPr lang="en-US" sz="3000" dirty="0" err="1" smtClean="0"/>
-              <a:t>tristique</a:t>
-            </a:r>
-            <a:r>
-              <a:rPr lang="en-US" sz="3000" dirty="0" smtClean="0"/>
-              <a:t> </a:t>
-            </a:r>
-            <a:r>
-              <a:rPr lang="en-US" sz="3000" dirty="0" err="1" smtClean="0"/>
-              <a:t>laoreet</a:t>
-            </a:r>
-            <a:r>
-              <a:rPr lang="en-US" sz="3000" dirty="0" smtClean="0"/>
-              <a:t> </a:t>
-            </a:r>
-            <a:r>
-              <a:rPr lang="en-US" sz="3000" dirty="0" err="1" smtClean="0"/>
-              <a:t>diam</a:t>
-            </a:r>
-            <a:r>
-              <a:rPr lang="en-US" sz="3000" dirty="0" smtClean="0"/>
-              <a:t> a </a:t>
-            </a:r>
-            <a:r>
-              <a:rPr lang="en-US" sz="3000" dirty="0" err="1" smtClean="0"/>
-              <a:t>consequat</a:t>
-            </a:r>
-            <a:r>
-              <a:rPr lang="en-US" sz="3000" dirty="0" smtClean="0"/>
-              <a:t>. </a:t>
-            </a:r>
-            <a:r>
-              <a:rPr lang="en-US" sz="3000" dirty="0" err="1" smtClean="0"/>
-              <a:t>Sed</a:t>
-            </a:r>
-            <a:r>
-              <a:rPr lang="en-US" sz="3000" dirty="0" smtClean="0"/>
-              <a:t> </a:t>
-            </a:r>
-            <a:r>
-              <a:rPr lang="en-US" sz="3000" dirty="0" err="1" smtClean="0"/>
-              <a:t>condimentum</a:t>
-            </a:r>
-            <a:r>
-              <a:rPr lang="en-US" sz="3000" dirty="0" smtClean="0"/>
-              <a:t> </a:t>
-            </a:r>
-            <a:r>
-              <a:rPr lang="en-US" sz="3000" dirty="0" err="1" smtClean="0"/>
-              <a:t>convallis</a:t>
-            </a:r>
-            <a:r>
-              <a:rPr lang="en-US" sz="3000" dirty="0" smtClean="0"/>
-              <a:t> </a:t>
-            </a:r>
-            <a:r>
-              <a:rPr lang="en-US" sz="3000" dirty="0" err="1" smtClean="0"/>
-              <a:t>orci</a:t>
-            </a:r>
-            <a:r>
-              <a:rPr lang="en-US" sz="3000" dirty="0" smtClean="0"/>
-              <a:t>, </a:t>
-            </a:r>
-            <a:r>
-              <a:rPr lang="en-US" sz="3000" dirty="0" err="1" smtClean="0"/>
-              <a:t>eu</a:t>
-            </a:r>
-            <a:r>
-              <a:rPr lang="en-US" sz="3000" dirty="0" smtClean="0"/>
-              <a:t> </a:t>
-            </a:r>
-            <a:r>
-              <a:rPr lang="en-US" sz="3000" dirty="0" err="1" smtClean="0"/>
-              <a:t>dignissim</a:t>
-            </a:r>
-            <a:r>
-              <a:rPr lang="en-US" sz="3000" dirty="0" smtClean="0"/>
-              <a:t> ante </a:t>
-            </a:r>
-            <a:r>
-              <a:rPr lang="en-US" sz="3000" dirty="0" err="1" smtClean="0"/>
-              <a:t>elementum</a:t>
-            </a:r>
-            <a:r>
-              <a:rPr lang="en-US" sz="3000" dirty="0" smtClean="0"/>
-              <a:t> ac. </a:t>
-            </a:r>
-            <a:r>
-              <a:rPr lang="en-US" sz="3000" dirty="0" err="1" smtClean="0"/>
-              <a:t>Donec</a:t>
-            </a:r>
-            <a:r>
-              <a:rPr lang="en-US" sz="3000" dirty="0" smtClean="0"/>
-              <a:t> quam </a:t>
-            </a:r>
-            <a:r>
-              <a:rPr lang="en-US" sz="3000" dirty="0" err="1" smtClean="0"/>
-              <a:t>tellus</a:t>
-            </a:r>
-            <a:r>
-              <a:rPr lang="en-US" sz="3000" dirty="0" smtClean="0"/>
-              <a:t>, </a:t>
-            </a:r>
-            <a:r>
-              <a:rPr lang="en-US" sz="3000" dirty="0" err="1" smtClean="0"/>
-              <a:t>fringilla</a:t>
-            </a:r>
-            <a:r>
-              <a:rPr lang="en-US" sz="3000" dirty="0" smtClean="0"/>
-              <a:t> </a:t>
-            </a:r>
-            <a:r>
-              <a:rPr lang="en-US" sz="3000" dirty="0" err="1" smtClean="0"/>
-              <a:t>vel</a:t>
-            </a:r>
-            <a:r>
-              <a:rPr lang="en-US" sz="3000" dirty="0" smtClean="0"/>
-              <a:t> </a:t>
-            </a:r>
-            <a:r>
-              <a:rPr lang="en-US" sz="3000" dirty="0" err="1" smtClean="0"/>
-              <a:t>gravida</a:t>
-            </a:r>
-            <a:r>
-              <a:rPr lang="en-US" sz="3000" dirty="0" smtClean="0"/>
-              <a:t> sit </a:t>
-            </a:r>
-            <a:r>
-              <a:rPr lang="en-US" sz="3000" dirty="0" err="1" smtClean="0"/>
-              <a:t>amet</a:t>
-            </a:r>
-            <a:r>
-              <a:rPr lang="en-US" sz="3000" dirty="0" smtClean="0"/>
-              <a:t>, </a:t>
-            </a:r>
-            <a:r>
-              <a:rPr lang="en-US" sz="3000" dirty="0" err="1" smtClean="0"/>
-              <a:t>egestas</a:t>
-            </a:r>
-            <a:r>
-              <a:rPr lang="en-US" sz="3000" dirty="0" smtClean="0"/>
-              <a:t> id </a:t>
-            </a:r>
-            <a:r>
-              <a:rPr lang="en-US" sz="3000" dirty="0" err="1" smtClean="0"/>
-              <a:t>nulla</a:t>
-            </a:r>
-            <a:r>
-              <a:rPr lang="en-US" sz="3000" dirty="0" smtClean="0"/>
-              <a:t>. </a:t>
+              <a:rPr lang="en-US" sz="3000"/>
+              <a:t>Our clients were only utilizing a portion of the hardware they had available. Could you imagine waiting at a bank for hours for your transaction to complete? The answer is often an astounding no, especially when you can see that there are numerous tellers who are not helping any customers. This scenario is analogous to the problem our clients were encountering. </a:t>
             </a:r>
           </a:p>
           <a:p>
@@ -6893,364 +5449,8 @@
               </a:spcAft>
             </a:pPr>
             <a:r>
-              <a:rPr lang="en-US" sz="3000" dirty="0" err="1" smtClean="0"/>
-              <a:t>Proin</a:t>
-            </a:r>
-            <a:r>
-              <a:rPr lang="en-US" sz="3000" dirty="0" smtClean="0"/>
-              <a:t> </a:t>
-            </a:r>
-            <a:r>
-              <a:rPr lang="en-US" sz="3000" dirty="0" err="1" smtClean="0"/>
-              <a:t>eget</a:t>
-            </a:r>
-            <a:r>
-              <a:rPr lang="en-US" sz="3000" dirty="0" smtClean="0"/>
-              <a:t> </a:t>
-            </a:r>
-            <a:r>
-              <a:rPr lang="en-US" sz="3000" dirty="0" err="1" smtClean="0"/>
-              <a:t>velit</a:t>
-            </a:r>
-            <a:r>
-              <a:rPr lang="en-US" sz="3000" dirty="0" smtClean="0"/>
-              <a:t> </a:t>
-            </a:r>
-            <a:r>
-              <a:rPr lang="en-US" sz="3000" dirty="0" err="1" smtClean="0"/>
-              <a:t>nisl</a:t>
-            </a:r>
-            <a:r>
-              <a:rPr lang="en-US" sz="3000" dirty="0" smtClean="0"/>
-              <a:t>. </a:t>
-            </a:r>
-            <a:r>
-              <a:rPr lang="en-US" sz="3000" dirty="0" err="1" smtClean="0"/>
-              <a:t>Morbi</a:t>
-            </a:r>
-            <a:r>
-              <a:rPr lang="en-US" sz="3000" dirty="0" smtClean="0"/>
-              <a:t> </a:t>
-            </a:r>
-            <a:r>
-              <a:rPr lang="en-US" sz="3000" dirty="0" err="1" smtClean="0"/>
-              <a:t>lacinia</a:t>
-            </a:r>
-            <a:r>
-              <a:rPr lang="en-US" sz="3000" dirty="0" smtClean="0"/>
-              <a:t> </a:t>
-            </a:r>
-            <a:r>
-              <a:rPr lang="en-US" sz="3000" dirty="0" err="1" smtClean="0"/>
-              <a:t>volutPellentesque</a:t>
-            </a:r>
-            <a:r>
-              <a:rPr lang="en-US" sz="3000" dirty="0" smtClean="0"/>
-              <a:t> semper </a:t>
-            </a:r>
-            <a:r>
-              <a:rPr lang="en-US" sz="3000" dirty="0" err="1" smtClean="0"/>
-              <a:t>vehicula</a:t>
-            </a:r>
-            <a:r>
-              <a:rPr lang="en-US" sz="3000" dirty="0" smtClean="0"/>
-              <a:t> </a:t>
-            </a:r>
-            <a:r>
-              <a:rPr lang="en-US" sz="3000" dirty="0" err="1" smtClean="0"/>
-              <a:t>turpis</a:t>
-            </a:r>
-            <a:r>
-              <a:rPr lang="en-US" sz="3000" dirty="0" smtClean="0"/>
-              <a:t> </a:t>
-            </a:r>
-            <a:r>
-              <a:rPr lang="en-US" sz="3000" dirty="0" err="1" smtClean="0"/>
-              <a:t>facilisis</a:t>
-            </a:r>
-            <a:r>
-              <a:rPr lang="en-US" sz="3000" dirty="0" smtClean="0"/>
-              <a:t> </a:t>
-            </a:r>
-            <a:r>
-              <a:rPr lang="en-US" sz="3000" dirty="0" err="1" smtClean="0"/>
-              <a:t>interdum</a:t>
-            </a:r>
-            <a:r>
-              <a:rPr lang="en-US" sz="3000" dirty="0" smtClean="0"/>
-              <a:t>. </a:t>
-            </a:r>
-            <a:r>
-              <a:rPr lang="en-US" sz="3000" dirty="0" err="1" smtClean="0"/>
-              <a:t>Aliquam</a:t>
-            </a:r>
-            <a:r>
-              <a:rPr lang="en-US" sz="3000" dirty="0" smtClean="0"/>
-              <a:t> </a:t>
-            </a:r>
-            <a:r>
-              <a:rPr lang="en-US" sz="3000" dirty="0" err="1" smtClean="0"/>
-              <a:t>sodales</a:t>
-            </a:r>
-            <a:r>
-              <a:rPr lang="en-US" sz="3000" dirty="0" smtClean="0"/>
-              <a:t> </a:t>
-            </a:r>
-            <a:r>
-              <a:rPr lang="en-US" sz="3000" dirty="0" err="1" smtClean="0"/>
-              <a:t>purus</a:t>
-            </a:r>
-            <a:r>
-              <a:rPr lang="en-US" sz="3000" dirty="0" smtClean="0"/>
-              <a:t> a ligula </a:t>
-            </a:r>
-            <a:r>
-              <a:rPr lang="en-US" sz="3000" dirty="0" err="1" smtClean="0"/>
-              <a:t>venenatis</a:t>
-            </a:r>
-            <a:r>
-              <a:rPr lang="en-US" sz="3000" dirty="0" smtClean="0"/>
-              <a:t> id </a:t>
-            </a:r>
-            <a:r>
-              <a:rPr lang="en-US" sz="3000" dirty="0" err="1" smtClean="0"/>
-              <a:t>imperdiet</a:t>
-            </a:r>
-            <a:r>
-              <a:rPr lang="en-US" sz="3000" dirty="0" smtClean="0"/>
-              <a:t> </a:t>
-            </a:r>
-            <a:r>
-              <a:rPr lang="en-US" sz="3000" dirty="0" err="1" smtClean="0"/>
-              <a:t>sem</a:t>
-            </a:r>
-            <a:r>
-              <a:rPr lang="en-US" sz="3000" dirty="0" smtClean="0"/>
-              <a:t> </a:t>
-            </a:r>
-            <a:r>
-              <a:rPr lang="en-US" sz="3000" dirty="0" err="1" smtClean="0"/>
-              <a:t>posuere</a:t>
-            </a:r>
-            <a:r>
-              <a:rPr lang="en-US" sz="3000" dirty="0" smtClean="0"/>
-              <a:t>. </a:t>
-            </a:r>
-            <a:r>
-              <a:rPr lang="en-US" sz="3000" dirty="0" err="1" smtClean="0"/>
-              <a:t>Proin</a:t>
-            </a:r>
-            <a:r>
-              <a:rPr lang="en-US" sz="3000" dirty="0" smtClean="0"/>
-              <a:t> in </a:t>
-            </a:r>
-            <a:r>
-              <a:rPr lang="en-US" sz="3000" dirty="0" err="1" smtClean="0"/>
-              <a:t>imperdiet</a:t>
-            </a:r>
-            <a:r>
-              <a:rPr lang="en-US" sz="3000" dirty="0" smtClean="0"/>
-              <a:t> </a:t>
-            </a:r>
-            <a:r>
-              <a:rPr lang="en-US" sz="3000" dirty="0" err="1" smtClean="0"/>
-              <a:t>neque</a:t>
-            </a:r>
-            <a:r>
-              <a:rPr lang="en-US" sz="3000" dirty="0" smtClean="0"/>
-              <a:t>. </a:t>
-            </a:r>
-            <a:r>
-              <a:rPr lang="en-US" sz="3000" dirty="0" err="1" smtClean="0"/>
-              <a:t>Pellentesque</a:t>
-            </a:r>
-            <a:r>
-              <a:rPr lang="en-US" sz="3000" dirty="0" smtClean="0"/>
-              <a:t> </a:t>
-            </a:r>
-            <a:r>
-              <a:rPr lang="en-US" sz="3000" dirty="0" err="1" smtClean="0"/>
-              <a:t>nec</a:t>
-            </a:r>
-            <a:r>
-              <a:rPr lang="en-US" sz="3000" dirty="0" smtClean="0"/>
-              <a:t> </a:t>
-            </a:r>
-            <a:r>
-              <a:rPr lang="en-US" sz="3000" dirty="0" err="1" smtClean="0"/>
-              <a:t>malesuada</a:t>
-            </a:r>
-            <a:r>
-              <a:rPr lang="en-US" sz="3000" dirty="0" smtClean="0"/>
-              <a:t> </a:t>
-            </a:r>
-            <a:r>
-              <a:rPr lang="en-US" sz="3000" dirty="0" err="1" smtClean="0"/>
-              <a:t>erat</a:t>
-            </a:r>
-            <a:r>
-              <a:rPr lang="en-US" sz="3000" dirty="0" smtClean="0"/>
-              <a:t>. </a:t>
-            </a:r>
-            <a:r>
-              <a:rPr lang="en-US" sz="3000" dirty="0" err="1" smtClean="0"/>
-              <a:t>Praesent</a:t>
-            </a:r>
-            <a:r>
-              <a:rPr lang="en-US" sz="3000" dirty="0" smtClean="0"/>
-              <a:t> </a:t>
-            </a:r>
-            <a:r>
-              <a:rPr lang="en-US" sz="3000" dirty="0" err="1" smtClean="0"/>
-              <a:t>aliquam</a:t>
-            </a:r>
-            <a:r>
-              <a:rPr lang="en-US" sz="3000" dirty="0" smtClean="0"/>
-              <a:t>, </a:t>
-            </a:r>
-            <a:r>
-              <a:rPr lang="en-US" sz="3000" dirty="0" err="1" smtClean="0"/>
-              <a:t>augue</a:t>
-            </a:r>
-            <a:r>
-              <a:rPr lang="en-US" sz="3000" dirty="0" smtClean="0"/>
-              <a:t> non </a:t>
-            </a:r>
-            <a:r>
-              <a:rPr lang="en-US" sz="3000" dirty="0" err="1" smtClean="0"/>
-              <a:t>pharetra</a:t>
-            </a:r>
-            <a:r>
-              <a:rPr lang="en-US" sz="3000" dirty="0" smtClean="0"/>
-              <a:t> </a:t>
-            </a:r>
-            <a:r>
-              <a:rPr lang="en-US" sz="3000" dirty="0" err="1" smtClean="0"/>
-              <a:t>laoreet</a:t>
-            </a:r>
-            <a:r>
-              <a:rPr lang="en-US" sz="3000" dirty="0" smtClean="0"/>
-              <a:t>, </a:t>
-            </a:r>
-            <a:r>
-              <a:rPr lang="en-US" sz="3000" dirty="0" err="1" smtClean="0"/>
-              <a:t>ipsum</a:t>
-            </a:r>
-            <a:r>
-              <a:rPr lang="en-US" sz="3000" dirty="0" smtClean="0"/>
-              <a:t> </a:t>
-            </a:r>
-            <a:r>
-              <a:rPr lang="en-US" sz="3000" dirty="0" err="1" smtClean="0"/>
-              <a:t>sem</a:t>
-            </a:r>
-            <a:r>
-              <a:rPr lang="en-US" sz="3000" dirty="0" smtClean="0"/>
-              <a:t> </a:t>
-            </a:r>
-            <a:r>
-              <a:rPr lang="en-US" sz="3000" dirty="0" err="1" smtClean="0"/>
-              <a:t>vulputate</a:t>
-            </a:r>
-            <a:r>
-              <a:rPr lang="en-US" sz="3000" dirty="0" smtClean="0"/>
-              <a:t> dolor, in </a:t>
-            </a:r>
-            <a:r>
-              <a:rPr lang="en-US" sz="3000" dirty="0" err="1" smtClean="0"/>
-              <a:t>pulvinar</a:t>
-            </a:r>
-            <a:r>
-              <a:rPr lang="en-US" sz="3000" dirty="0" smtClean="0"/>
-              <a:t> </a:t>
-            </a:r>
-            <a:r>
-              <a:rPr lang="en-US" sz="3000" dirty="0" err="1" smtClean="0"/>
-              <a:t>tortor</a:t>
-            </a:r>
-            <a:r>
-              <a:rPr lang="en-US" sz="3000" dirty="0" smtClean="0"/>
-              <a:t> mi at </a:t>
-            </a:r>
-            <a:r>
-              <a:rPr lang="en-US" sz="3000" dirty="0" err="1" smtClean="0"/>
-              <a:t>purus</a:t>
-            </a:r>
-            <a:r>
-              <a:rPr lang="en-US" sz="3000" dirty="0" smtClean="0"/>
-              <a:t>. </a:t>
-            </a:r>
-            <a:r>
-              <a:rPr lang="en-US" sz="3000" dirty="0" err="1" smtClean="0"/>
-              <a:t>Nulla</a:t>
-            </a:r>
-            <a:r>
-              <a:rPr lang="en-US" sz="3000" dirty="0" smtClean="0"/>
-              <a:t> </a:t>
-            </a:r>
-            <a:r>
-              <a:rPr lang="en-US" sz="3000" dirty="0" err="1" smtClean="0"/>
-              <a:t>facilisi</a:t>
-            </a:r>
-            <a:r>
-              <a:rPr lang="en-US" sz="3000" dirty="0" smtClean="0"/>
-              <a:t>. </a:t>
-            </a:r>
-            <a:r>
-              <a:rPr lang="en-US" sz="3000" dirty="0" err="1" smtClean="0"/>
-              <a:t>Nunc</a:t>
-            </a:r>
-            <a:r>
-              <a:rPr lang="en-US" sz="3000" dirty="0" smtClean="0"/>
-              <a:t> ac </a:t>
-            </a:r>
-            <a:r>
-              <a:rPr lang="en-US" sz="3000" dirty="0" err="1" smtClean="0"/>
-              <a:t>odio</a:t>
-            </a:r>
-            <a:r>
-              <a:rPr lang="en-US" sz="3000" dirty="0" smtClean="0"/>
-              <a:t> in </a:t>
-            </a:r>
-            <a:r>
-              <a:rPr lang="en-US" sz="3000" dirty="0" err="1" smtClean="0"/>
-              <a:t>risus</a:t>
-            </a:r>
-            <a:r>
-              <a:rPr lang="en-US" sz="3000" dirty="0" smtClean="0"/>
-              <a:t> </a:t>
-            </a:r>
-            <a:r>
-              <a:rPr lang="en-US" sz="3000" dirty="0" err="1" smtClean="0"/>
-              <a:t>tristique</a:t>
-            </a:r>
-            <a:r>
-              <a:rPr lang="en-US" sz="3000" dirty="0" smtClean="0"/>
-              <a:t> </a:t>
-            </a:r>
-            <a:r>
-              <a:rPr lang="en-US" sz="3000" dirty="0" err="1" smtClean="0"/>
-              <a:t>commodo</a:t>
-            </a:r>
-            <a:r>
-              <a:rPr lang="en-US" sz="3000" dirty="0" smtClean="0"/>
-              <a:t> a </a:t>
-            </a:r>
-            <a:r>
-              <a:rPr lang="en-US" sz="3000" dirty="0" err="1" smtClean="0"/>
-              <a:t>eget</a:t>
-            </a:r>
-            <a:r>
-              <a:rPr lang="en-US" sz="3000" dirty="0" smtClean="0"/>
-              <a:t> </a:t>
-            </a:r>
-            <a:r>
-              <a:rPr lang="en-US" sz="3000" dirty="0" err="1" smtClean="0"/>
-              <a:t>massa</a:t>
-            </a:r>
-            <a:r>
-              <a:rPr lang="en-US" sz="3000" dirty="0" smtClean="0"/>
-              <a:t>. </a:t>
+              <a:rPr lang="en-US" sz="3000"/>
+              <a:t>Oracle database is setup for Online Transaction Processing (OLTP) workloads by default, which caters to handling many queries returning relatively few amounts of data. This configuration does not perform optimally for Decision Support System (DSS) workloads which involve aggregations over very large sets of data. This leads to very poor query performance out of the box when scanning over several terabytes of data.</a:t>
             </a:r>
           </a:p>
           <a:p>
@@ -7260,18 +5460,13 @@
               </a:spcAft>
             </a:pPr>
             <a:r>
-              <a:rPr lang="en-US" sz="3600" b="1" dirty="0" smtClean="0">
+              <a:rPr lang="en-US" sz="3600" b="1">
                 <a:solidFill>
                   <a:srgbClr val="5D87A1"/>
                 </a:solidFill>
               </a:rPr>
               <a:t>Project Description</a:t>
             </a:r>
-            <a:endParaRPr lang="en-US" sz="3600" b="1" dirty="0">
-              <a:solidFill>
-                <a:srgbClr val="5D87A1"/>
-              </a:solidFill>
-            </a:endParaRPr>
           </a:p>
           <a:p>
             <a:pPr>
@@ -7280,290 +5475,116 @@
               </a:spcAft>
             </a:pPr>
             <a:r>
-              <a:rPr lang="en-US" sz="3000" dirty="0" err="1" smtClean="0"/>
-              <a:t>Urna</a:t>
-            </a:r>
-            <a:r>
-              <a:rPr lang="en-US" sz="3000" dirty="0" smtClean="0"/>
-              <a:t> </a:t>
-            </a:r>
-            <a:r>
-              <a:rPr lang="en-US" sz="3000" dirty="0" err="1" smtClean="0"/>
-              <a:t>aliquet</a:t>
-            </a:r>
-            <a:r>
-              <a:rPr lang="en-US" sz="3000" dirty="0" smtClean="0"/>
-              <a:t> </a:t>
-            </a:r>
-            <a:r>
-              <a:rPr lang="en-US" sz="3000" dirty="0" err="1" smtClean="0"/>
-              <a:t>mattis</a:t>
-            </a:r>
-            <a:r>
-              <a:rPr lang="en-US" sz="3000" dirty="0" smtClean="0"/>
-              <a:t>. </a:t>
-            </a:r>
-            <a:r>
-              <a:rPr lang="en-US" sz="3000" dirty="0" err="1" smtClean="0"/>
-              <a:t>Nunc</a:t>
-            </a:r>
-            <a:r>
-              <a:rPr lang="en-US" sz="3000" dirty="0" smtClean="0"/>
-              <a:t> </a:t>
-            </a:r>
-            <a:r>
-              <a:rPr lang="en-US" sz="3000" dirty="0" err="1" smtClean="0"/>
-              <a:t>quis</a:t>
-            </a:r>
-            <a:r>
-              <a:rPr lang="en-US" sz="3000" dirty="0" smtClean="0"/>
-              <a:t> </a:t>
-            </a:r>
-            <a:r>
-              <a:rPr lang="en-US" sz="3000" dirty="0" err="1" smtClean="0"/>
-              <a:t>enim</a:t>
-            </a:r>
-            <a:r>
-              <a:rPr lang="en-US" sz="3000" dirty="0" smtClean="0"/>
-              <a:t> </a:t>
-            </a:r>
-            <a:r>
-              <a:rPr lang="en-US" sz="3000" dirty="0" err="1" smtClean="0"/>
-              <a:t>lorem</a:t>
-            </a:r>
-            <a:r>
-              <a:rPr lang="en-US" sz="3000" dirty="0" smtClean="0"/>
-              <a:t>, </a:t>
-            </a:r>
-            <a:r>
-              <a:rPr lang="en-US" sz="3000" dirty="0" err="1" smtClean="0"/>
-              <a:t>aliquam</a:t>
-            </a:r>
-            <a:r>
-              <a:rPr lang="en-US" sz="3000" dirty="0" smtClean="0"/>
-              <a:t> </a:t>
-            </a:r>
-            <a:r>
-              <a:rPr lang="en-US" sz="3000" dirty="0" err="1" smtClean="0"/>
-              <a:t>consectetur</a:t>
-            </a:r>
-            <a:r>
-              <a:rPr lang="en-US" sz="3000" dirty="0" smtClean="0"/>
-              <a:t> </a:t>
-            </a:r>
-            <a:r>
-              <a:rPr lang="en-US" sz="3000" dirty="0" err="1" smtClean="0"/>
-              <a:t>justo</a:t>
-            </a:r>
-            <a:r>
-              <a:rPr lang="en-US" sz="3000" dirty="0" smtClean="0"/>
-              <a:t>. </a:t>
-            </a:r>
-            <a:r>
-              <a:rPr lang="en-US" sz="3000" dirty="0" err="1" smtClean="0"/>
-              <a:t>Ut</a:t>
-            </a:r>
-            <a:r>
-              <a:rPr lang="en-US" sz="3000" dirty="0" smtClean="0"/>
-              <a:t> </a:t>
-            </a:r>
-            <a:r>
-              <a:rPr lang="en-US" sz="3000" dirty="0" err="1" smtClean="0"/>
-              <a:t>interdum</a:t>
-            </a:r>
-            <a:r>
-              <a:rPr lang="en-US" sz="3000" dirty="0" smtClean="0"/>
-              <a:t> </a:t>
-            </a:r>
-            <a:r>
-              <a:rPr lang="en-US" sz="3000" dirty="0" err="1" smtClean="0"/>
-              <a:t>facilisis</a:t>
-            </a:r>
-            <a:r>
-              <a:rPr lang="en-US" sz="3000" dirty="0" smtClean="0"/>
-              <a:t> ante </a:t>
-            </a:r>
-            <a:r>
-              <a:rPr lang="en-US" sz="3000" dirty="0" err="1" smtClean="0"/>
-              <a:t>luctus</a:t>
-            </a:r>
-            <a:r>
-              <a:rPr lang="en-US" sz="3000" dirty="0" smtClean="0"/>
-              <a:t> </a:t>
-            </a:r>
-            <a:r>
-              <a:rPr lang="en-US" sz="3000" dirty="0" err="1" smtClean="0"/>
-              <a:t>tincidunt</a:t>
-            </a:r>
-            <a:r>
-              <a:rPr lang="en-US" sz="3000" dirty="0" smtClean="0"/>
-              <a:t>. </a:t>
-            </a:r>
-            <a:r>
-              <a:rPr lang="en-US" sz="3000" dirty="0" err="1" smtClean="0"/>
-              <a:t>Aenean</a:t>
-            </a:r>
-            <a:r>
-              <a:rPr lang="en-US" sz="3000" dirty="0" smtClean="0"/>
-              <a:t> vitae </a:t>
-            </a:r>
-            <a:r>
-              <a:rPr lang="en-US" sz="3000" dirty="0" err="1" smtClean="0"/>
-              <a:t>sapien</a:t>
-            </a:r>
-            <a:r>
-              <a:rPr lang="en-US" sz="3000" dirty="0" smtClean="0"/>
-              <a:t> </a:t>
-            </a:r>
-            <a:r>
-              <a:rPr lang="en-US" sz="3000" dirty="0" err="1" smtClean="0"/>
-              <a:t>nulla</a:t>
-            </a:r>
-            <a:r>
-              <a:rPr lang="en-US" sz="3000" dirty="0" smtClean="0"/>
-              <a:t>, </a:t>
-            </a:r>
-            <a:r>
-              <a:rPr lang="en-US" sz="3000" dirty="0" err="1" smtClean="0"/>
-              <a:t>sed</a:t>
-            </a:r>
-            <a:r>
-              <a:rPr lang="en-US" sz="3000" dirty="0" smtClean="0"/>
-              <a:t> dictum dui. </a:t>
-            </a:r>
-            <a:r>
-              <a:rPr lang="en-US" sz="3000" dirty="0" err="1" smtClean="0"/>
-              <a:t>Morbi</a:t>
-            </a:r>
-            <a:r>
-              <a:rPr lang="en-US" sz="3000" dirty="0" smtClean="0"/>
-              <a:t> </a:t>
-            </a:r>
-            <a:r>
-              <a:rPr lang="en-US" sz="3000" dirty="0" err="1" smtClean="0"/>
-              <a:t>diam</a:t>
-            </a:r>
-            <a:r>
-              <a:rPr lang="en-US" sz="3000" dirty="0" smtClean="0"/>
-              <a:t> </a:t>
-            </a:r>
-            <a:r>
-              <a:rPr lang="en-US" sz="3000" dirty="0" err="1" smtClean="0"/>
-              <a:t>lectus</a:t>
-            </a:r>
-            <a:r>
-              <a:rPr lang="en-US" sz="3000" dirty="0" smtClean="0"/>
-              <a:t>, </a:t>
-            </a:r>
-            <a:r>
-              <a:rPr lang="en-US" sz="3000" dirty="0" err="1" smtClean="0"/>
-              <a:t>porta</a:t>
-            </a:r>
-            <a:r>
-              <a:rPr lang="en-US" sz="3000" dirty="0" smtClean="0"/>
-              <a:t> id </a:t>
-            </a:r>
-            <a:r>
-              <a:rPr lang="en-US" sz="3000" dirty="0" err="1" smtClean="0"/>
-              <a:t>malesuada</a:t>
-            </a:r>
-            <a:r>
-              <a:rPr lang="en-US" sz="3000" dirty="0" smtClean="0"/>
-              <a:t> </a:t>
-            </a:r>
-            <a:r>
-              <a:rPr lang="en-US" sz="3000" dirty="0" err="1" smtClean="0"/>
-              <a:t>eu</a:t>
-            </a:r>
-            <a:r>
-              <a:rPr lang="en-US" sz="3000" dirty="0" smtClean="0"/>
-              <a:t>, </a:t>
-            </a:r>
-            <a:r>
-              <a:rPr lang="en-US" sz="3000" dirty="0" err="1" smtClean="0"/>
-              <a:t>consequat</a:t>
-            </a:r>
-            <a:r>
-              <a:rPr lang="en-US" sz="3000" dirty="0" smtClean="0"/>
-              <a:t> a ante. </a:t>
-            </a:r>
-            <a:r>
-              <a:rPr lang="en-US" sz="3000" dirty="0" err="1" smtClean="0"/>
-              <a:t>Nullam</a:t>
-            </a:r>
-            <a:r>
-              <a:rPr lang="en-US" sz="3000" dirty="0" smtClean="0"/>
-              <a:t> vitae </a:t>
-            </a:r>
-            <a:r>
-              <a:rPr lang="en-US" sz="3000" dirty="0" err="1" smtClean="0"/>
-              <a:t>varius</a:t>
-            </a:r>
-            <a:r>
-              <a:rPr lang="en-US" sz="3000" dirty="0" smtClean="0"/>
-              <a:t> est. </a:t>
-            </a:r>
-            <a:r>
-              <a:rPr lang="en-US" sz="3000" dirty="0" err="1" smtClean="0"/>
-              <a:t>Vivamus</a:t>
-            </a:r>
-            <a:r>
-              <a:rPr lang="en-US" sz="3000" dirty="0" smtClean="0"/>
-              <a:t> ac </a:t>
-            </a:r>
-            <a:r>
-              <a:rPr lang="en-US" sz="3000" dirty="0" err="1" smtClean="0"/>
-              <a:t>libero</a:t>
-            </a:r>
-            <a:r>
-              <a:rPr lang="en-US" sz="3000" dirty="0" smtClean="0"/>
-              <a:t> </a:t>
-            </a:r>
-            <a:r>
-              <a:rPr lang="en-US" sz="3000" dirty="0" err="1" smtClean="0"/>
-              <a:t>ut</a:t>
-            </a:r>
-            <a:r>
-              <a:rPr lang="en-US" sz="3000" dirty="0" smtClean="0"/>
-              <a:t> </a:t>
-            </a:r>
-            <a:r>
-              <a:rPr lang="en-US" sz="3000" dirty="0" err="1" smtClean="0"/>
-              <a:t>arcu</a:t>
-            </a:r>
-            <a:r>
-              <a:rPr lang="en-US" sz="3000" dirty="0" smtClean="0"/>
-              <a:t> </a:t>
-            </a:r>
-            <a:r>
-              <a:rPr lang="en-US" sz="3000" dirty="0" err="1" smtClean="0"/>
-              <a:t>accumsan</a:t>
-            </a:r>
-            <a:r>
-              <a:rPr lang="en-US" sz="3000" dirty="0" smtClean="0"/>
-              <a:t> </a:t>
-            </a:r>
-            <a:r>
-              <a:rPr lang="en-US" sz="3000" dirty="0" err="1" smtClean="0"/>
-              <a:t>convallis</a:t>
-            </a:r>
-            <a:r>
-              <a:rPr lang="en-US" sz="3000" dirty="0" smtClean="0"/>
-              <a:t> vitae </a:t>
-            </a:r>
-            <a:r>
-              <a:rPr lang="en-US" sz="3000" dirty="0" err="1" smtClean="0"/>
-              <a:t>vel</a:t>
-            </a:r>
-            <a:r>
-              <a:rPr lang="en-US" sz="3000" dirty="0" smtClean="0"/>
-              <a:t> </a:t>
-            </a:r>
-            <a:r>
-              <a:rPr lang="en-US" sz="3000" dirty="0" err="1" smtClean="0"/>
-              <a:t>leo</a:t>
-            </a:r>
-            <a:endParaRPr lang="en-US" sz="3000" dirty="0" smtClean="0"/>
+              <a:rPr lang="en-US" sz="3000"/>
+              <a:t>The primary purpose of this project is to research concepts of Oracle database relating to increasing query performance for DSS workloads, experiment with turning internal performance knobs in the database, and develop a plan of changes to implement in the production database to improve database performance for our client's use cases. </a:t>
+            </a:r>
+          </a:p>
+          <a:p>
+            <a:pPr>
+              <a:spcAft>
+                <a:spcPts val="1800"/>
+              </a:spcAft>
+            </a:pPr>
+            <a:endParaRPr lang="en-US" sz="3000"/>
+          </a:p>
+          <a:p>
+            <a:pPr>
+              <a:spcAft>
+                <a:spcPts val="1800"/>
+              </a:spcAft>
+            </a:pPr>
+            <a:endParaRPr lang="en-US" sz="3000"/>
+          </a:p>
+          <a:p>
+            <a:pPr>
+              <a:spcAft>
+                <a:spcPts val="1800"/>
+              </a:spcAft>
+            </a:pPr>
+            <a:endParaRPr lang="en-US" sz="3000"/>
+          </a:p>
+          <a:p>
+            <a:pPr>
+              <a:spcAft>
+                <a:spcPts val="1800"/>
+              </a:spcAft>
+            </a:pPr>
+            <a:endParaRPr lang="en-US" sz="3000"/>
+          </a:p>
+          <a:p>
+            <a:pPr>
+              <a:spcAft>
+                <a:spcPts val="1800"/>
+              </a:spcAft>
+            </a:pPr>
+            <a:endParaRPr lang="en-US" sz="3000"/>
+          </a:p>
+          <a:p>
+            <a:pPr>
+              <a:spcAft>
+                <a:spcPts val="1800"/>
+              </a:spcAft>
+            </a:pPr>
+            <a:endParaRPr lang="en-US" sz="3000"/>
+          </a:p>
+          <a:p>
+            <a:pPr>
+              <a:spcAft>
+                <a:spcPts val="1800"/>
+              </a:spcAft>
+            </a:pPr>
+            <a:endParaRPr lang="en-US" sz="3000"/>
+          </a:p>
+          <a:p>
+            <a:pPr>
+              <a:spcAft>
+                <a:spcPts val="1800"/>
+              </a:spcAft>
+            </a:pPr>
+            <a:endParaRPr lang="en-US" sz="3000"/>
+          </a:p>
+          <a:p>
+            <a:pPr>
+              <a:spcAft>
+                <a:spcPts val="1800"/>
+              </a:spcAft>
+            </a:pPr>
+            <a:endParaRPr lang="en-US" sz="3000"/>
+          </a:p>
+          <a:p>
+            <a:pPr>
+              <a:spcAft>
+                <a:spcPts val="1800"/>
+              </a:spcAft>
+            </a:pPr>
+            <a:endParaRPr lang="en-US" sz="3000"/>
+          </a:p>
+          <a:p>
+            <a:pPr>
+              <a:spcAft>
+                <a:spcPts val="1800"/>
+              </a:spcAft>
+            </a:pPr>
+            <a:endParaRPr lang="en-US" sz="3000"/>
+          </a:p>
+          <a:p>
+            <a:pPr>
+              <a:spcAft>
+                <a:spcPts val="1800"/>
+              </a:spcAft>
+            </a:pPr>
+            <a:endParaRPr lang="en-US" sz="3000"/>
+          </a:p>
+          <a:p>
+            <a:pPr>
+              <a:spcAft>
+                <a:spcPts val="1800"/>
+              </a:spcAft>
+            </a:pPr>
+            <a:r>
+              <a:rPr lang="en-US" sz="2800" b="1"/>
+              <a:t>                Figure 1: Database Overview</a:t>
+            </a:r>
           </a:p>
         </p:txBody>
       </p:sp>
@@ -7585,7 +5606,7 @@
           </a:prstGeom>
         </p:spPr>
         <p:txBody>
-          <a:bodyPr vert="horz" lIns="0" tIns="0" rIns="0" bIns="0" rtlCol="0">
+          <a:bodyPr vert="horz" lIns="0" tIns="0" rIns="0" bIns="0" rtlCol="0" anchor="t">
             <a:noAutofit/>
           </a:bodyPr>
           <a:lstStyle>
@@ -7744,68 +5765,14 @@
             </a:lvl9pPr>
           </a:lstStyle>
           <a:p>
-            <a:pPr algn="l"/>
-            <a:r>
-              <a:rPr lang="en-US" sz="5400" dirty="0" smtClean="0">
+            <a:r>
+              <a:rPr lang="en-US" sz="5400">
                 <a:solidFill>
                   <a:srgbClr val="F37321"/>
                 </a:solidFill>
               </a:rPr>
               <a:t>Drive your server like you stole it</a:t>
             </a:r>
-            <a:endParaRPr lang="en-US" sz="5400" dirty="0">
-              <a:solidFill>
-                <a:srgbClr val="F37321"/>
-              </a:solidFill>
-            </a:endParaRPr>
-          </a:p>
-        </p:txBody>
-      </p:sp>
-      <p:sp>
-        <p:nvSpPr>
-          <p:cNvPr id="29" name="Rectangle 28"/>
-          <p:cNvSpPr/>
-          <p:nvPr/>
-        </p:nvSpPr>
-        <p:spPr>
-          <a:xfrm>
-            <a:off x="34493200" y="5966473"/>
-            <a:ext cx="7827420" cy="6047739"/>
-          </a:xfrm>
-          <a:prstGeom prst="rect">
-            <a:avLst/>
-          </a:prstGeom>
-          <a:solidFill>
-            <a:schemeClr val="accent2">
-              <a:lumMod val="20000"/>
-              <a:lumOff val="80000"/>
-            </a:schemeClr>
-          </a:solidFill>
-          <a:ln>
-            <a:noFill/>
-          </a:ln>
-          <a:effectLst/>
-        </p:spPr>
-        <p:style>
-          <a:lnRef idx="1">
-            <a:schemeClr val="accent1"/>
-          </a:lnRef>
-          <a:fillRef idx="3">
-            <a:schemeClr val="accent1"/>
-          </a:fillRef>
-          <a:effectRef idx="2">
-            <a:schemeClr val="accent1"/>
-          </a:effectRef>
-          <a:fontRef idx="minor">
-            <a:schemeClr val="lt1"/>
-          </a:fontRef>
-        </p:style>
-        <p:txBody>
-          <a:bodyPr rtlCol="0" anchor="ctr"/>
-          <a:lstStyle/>
-          <a:p>
-            <a:pPr algn="ctr"/>
-            <a:endParaRPr lang="en-US"/>
           </a:p>
         </p:txBody>
       </p:sp>
@@ -7988,18 +5955,13 @@
           <a:p>
             <a:pPr algn="l"/>
             <a:r>
-              <a:rPr lang="en-US" sz="5400" dirty="0" smtClean="0">
+              <a:rPr lang="en-US" sz="5400">
                 <a:solidFill>
                   <a:schemeClr val="bg1"/>
                 </a:solidFill>
               </a:rPr>
               <a:t>Though we may be few, we are crafty…</a:t>
             </a:r>
-            <a:endParaRPr lang="en-US" sz="5400" dirty="0">
-              <a:solidFill>
-                <a:schemeClr val="bg1"/>
-              </a:solidFill>
-            </a:endParaRPr>
           </a:p>
         </p:txBody>
       </p:sp>
@@ -8020,7 +5982,7 @@
           <a:noFill/>
         </p:spPr>
         <p:txBody>
-          <a:bodyPr wrap="square" rtlCol="0">
+          <a:bodyPr wrap="square" rtlCol="0" anchor="t">
             <a:noAutofit/>
           </a:bodyPr>
           <a:lstStyle/>
@@ -8031,7 +5993,7 @@
               </a:spcAft>
             </a:pPr>
             <a:r>
-              <a:rPr lang="en-US" sz="3600" b="1" dirty="0" smtClean="0">
+              <a:rPr lang="en-US" sz="3600" b="1">
                 <a:solidFill>
                   <a:srgbClr val="F37321"/>
                 </a:solidFill>
@@ -8048,22 +6010,34 @@
               <a:buChar char="•"/>
             </a:pPr>
             <a:r>
-              <a:rPr lang="en-US" sz="3000" dirty="0" smtClean="0">
+              <a:rPr lang="en-US" sz="3000" err="1">
                 <a:solidFill>
                   <a:schemeClr val="bg1"/>
                 </a:solidFill>
               </a:rPr>
-              <a:t>Nic Desilets</a:t>
-            </a:r>
-            <a:br>
-              <a:rPr lang="en-US" sz="3000" dirty="0" smtClean="0">
+              <a:t>Nic</a:t>
+            </a:r>
+            <a:r>
+              <a:rPr lang="en-US" sz="3000">
                 <a:solidFill>
                   <a:schemeClr val="bg1"/>
                 </a:solidFill>
               </a:rPr>
+              <a:t> </a:t>
+            </a:r>
+            <a:r>
+              <a:rPr lang="en-US" sz="3000" err="1">
+                <a:solidFill>
+                  <a:schemeClr val="bg1"/>
+                </a:solidFill>
+              </a:rPr>
+              <a:t>Desilets</a:t>
+            </a:r>
+            <a:br>
+              <a:rPr lang="en-US" sz="3000"/>
             </a:br>
             <a:r>
-              <a:rPr lang="en-US" sz="3000" dirty="0" smtClean="0">
+              <a:rPr lang="en-US" sz="3000">
                 <a:solidFill>
                   <a:schemeClr val="bg1"/>
                 </a:solidFill>
@@ -8080,7 +6054,7 @@
               <a:buChar char="•"/>
             </a:pPr>
             <a:r>
-              <a:rPr lang="en-US" sz="3000" dirty="0" smtClean="0">
+              <a:rPr lang="en-US" sz="3000">
                 <a:solidFill>
                   <a:schemeClr val="bg1"/>
                 </a:solidFill>
@@ -8088,21 +6062,17 @@
               <a:t>Nathaniel Whitlock</a:t>
             </a:r>
             <a:br>
-              <a:rPr lang="en-US" sz="3000" dirty="0" smtClean="0">
-                <a:solidFill>
-                  <a:schemeClr val="bg1"/>
-                </a:solidFill>
-              </a:rPr>
+              <a:rPr lang="en-US" sz="3000"/>
             </a:br>
             <a:r>
-              <a:rPr lang="en-US" sz="3000" dirty="0" smtClean="0">
+              <a:rPr lang="en-US" sz="3000">
                 <a:solidFill>
                   <a:schemeClr val="bg1"/>
                 </a:solidFill>
               </a:rPr>
               <a:t>whitlocn@oregonstate.edu</a:t>
             </a:r>
-            <a:endParaRPr lang="en-US" sz="3200" b="1" dirty="0" smtClean="0">
+            <a:endParaRPr lang="en-US" sz="3200" b="1">
               <a:solidFill>
                 <a:srgbClr val="F37321"/>
               </a:solidFill>
@@ -8115,7 +6085,7 @@
               </a:spcAft>
             </a:pPr>
             <a:r>
-              <a:rPr lang="en-US" sz="3600" b="1" dirty="0" smtClean="0">
+              <a:rPr lang="en-US" sz="3600" b="1">
                 <a:solidFill>
                   <a:srgbClr val="F37321"/>
                 </a:solidFill>
@@ -8132,7 +6102,7 @@
               <a:buChar char="•"/>
             </a:pPr>
             <a:r>
-              <a:rPr lang="en-US" sz="3000" dirty="0" smtClean="0">
+              <a:rPr lang="en-US" sz="3000">
                 <a:solidFill>
                   <a:schemeClr val="bg1"/>
                 </a:solidFill>
@@ -8140,25 +6110,16 @@
               <a:t>Kirby Sand</a:t>
             </a:r>
             <a:br>
-              <a:rPr lang="en-US" sz="3000" dirty="0" smtClean="0">
-                <a:solidFill>
-                  <a:schemeClr val="bg1"/>
-                </a:solidFill>
-              </a:rPr>
+              <a:rPr lang="en-US" sz="3000"/>
             </a:br>
             <a:r>
-              <a:rPr lang="en-US" sz="3000" dirty="0" smtClean="0">
+              <a:rPr lang="en-US" sz="3000">
                 <a:solidFill>
                   <a:schemeClr val="bg1"/>
                 </a:solidFill>
               </a:rPr>
               <a:t>Data Analyst</a:t>
             </a:r>
-            <a:endParaRPr lang="en-US" sz="3000" dirty="0">
-              <a:solidFill>
-                <a:schemeClr val="bg1"/>
-              </a:solidFill>
-            </a:endParaRPr>
           </a:p>
           <a:p>
             <a:pPr marL="457200" indent="-457200">
@@ -8169,7 +6130,7 @@
               <a:buChar char="•"/>
             </a:pPr>
             <a:r>
-              <a:rPr lang="en-US" sz="3000" dirty="0" smtClean="0">
+              <a:rPr lang="en-US" sz="3000">
                 <a:solidFill>
                   <a:schemeClr val="bg1"/>
                 </a:solidFill>
@@ -8177,21 +6138,17 @@
               <a:t>Andy Weiss</a:t>
             </a:r>
             <a:br>
-              <a:rPr lang="en-US" sz="3000" dirty="0" smtClean="0">
-                <a:solidFill>
-                  <a:schemeClr val="bg1"/>
-                </a:solidFill>
-              </a:rPr>
+              <a:rPr lang="en-US" sz="3000"/>
             </a:br>
             <a:r>
-              <a:rPr lang="en-US" sz="3000" dirty="0" smtClean="0">
+              <a:rPr lang="en-US" sz="3000">
                 <a:solidFill>
                   <a:schemeClr val="bg1"/>
                 </a:solidFill>
               </a:rPr>
               <a:t>Database Administrator</a:t>
             </a:r>
-            <a:endParaRPr lang="en-US" sz="3000" b="1" dirty="0" smtClean="0">
+            <a:endParaRPr lang="en-US" sz="3000" b="1">
               <a:solidFill>
                 <a:schemeClr val="bg1"/>
               </a:solidFill>
@@ -8204,7 +6161,7 @@
               </a:spcAft>
             </a:pPr>
             <a:r>
-              <a:rPr lang="en-US" sz="3600" b="1" dirty="0" smtClean="0">
+              <a:rPr lang="en-US" sz="3600" b="1">
                 <a:solidFill>
                   <a:srgbClr val="F37321"/>
                 </a:solidFill>
@@ -8221,7 +6178,7 @@
               <a:buChar char="•"/>
             </a:pPr>
             <a:r>
-              <a:rPr lang="en-US" sz="3000" dirty="0" smtClean="0">
+              <a:rPr lang="en-US" sz="3000">
                 <a:solidFill>
                   <a:schemeClr val="bg1"/>
                 </a:solidFill>
@@ -8229,14 +6186,10 @@
               <a:t>Hewlett-Packard Inc.</a:t>
             </a:r>
             <a:br>
-              <a:rPr lang="en-US" sz="3000" dirty="0" smtClean="0">
-                <a:solidFill>
-                  <a:schemeClr val="bg1"/>
-                </a:solidFill>
-              </a:rPr>
+              <a:rPr lang="en-US" sz="3000"/>
             </a:br>
             <a:r>
-              <a:rPr lang="en-US" sz="3000" dirty="0" err="1" smtClean="0">
+              <a:rPr lang="en-US" sz="3000" err="1">
                 <a:solidFill>
                   <a:schemeClr val="bg1"/>
                 </a:solidFill>
@@ -8244,18 +6197,13 @@
               <a:t>PageWide</a:t>
             </a:r>
             <a:r>
-              <a:rPr lang="en-US" sz="3000" dirty="0" smtClean="0">
+              <a:rPr lang="en-US" sz="3000">
                 <a:solidFill>
                   <a:schemeClr val="bg1"/>
                 </a:solidFill>
               </a:rPr>
               <a:t> Web Press</a:t>
             </a:r>
-            <a:endParaRPr lang="en-US" sz="3000" dirty="0">
-              <a:solidFill>
-                <a:schemeClr val="bg1"/>
-              </a:solidFill>
-            </a:endParaRPr>
           </a:p>
           <a:p>
             <a:pPr>
@@ -8264,14 +6212,14 @@
               </a:spcAft>
             </a:pPr>
             <a:r>
-              <a:rPr lang="en-US" sz="3200" b="1" dirty="0" smtClean="0">
+              <a:rPr lang="en-US" sz="3200" b="1">
                 <a:solidFill>
                   <a:srgbClr val="F37321"/>
                 </a:solidFill>
               </a:rPr>
               <a:t>Outcomes:</a:t>
             </a:r>
-            <a:endParaRPr lang="en-US" sz="3000" dirty="0" smtClean="0">
+            <a:endParaRPr lang="en-US" sz="3000">
               <a:solidFill>
                 <a:schemeClr val="bg1"/>
               </a:solidFill>
@@ -8286,7 +6234,7 @@
               <a:buChar char="•"/>
             </a:pPr>
             <a:r>
-              <a:rPr lang="en-US" sz="3000" dirty="0" smtClean="0">
+              <a:rPr lang="en-US" sz="3000">
                 <a:solidFill>
                   <a:schemeClr val="bg1"/>
                 </a:solidFill>
@@ -8303,7 +6251,7 @@
               <a:buChar char="•"/>
             </a:pPr>
             <a:r>
-              <a:rPr lang="en-US" sz="3000" dirty="0" smtClean="0">
+              <a:rPr lang="en-US" sz="3000">
                 <a:solidFill>
                   <a:schemeClr val="bg1"/>
                 </a:solidFill>
@@ -8320,7 +6268,7 @@
               <a:buChar char="•"/>
             </a:pPr>
             <a:r>
-              <a:rPr lang="en-US" sz="3000" dirty="0" smtClean="0">
+              <a:rPr lang="en-US" sz="3000">
                 <a:solidFill>
                   <a:schemeClr val="bg1"/>
                 </a:solidFill>
@@ -8335,381 +6283,18 @@
               </a:spcAft>
             </a:pPr>
             <a:r>
-              <a:rPr lang="en-US" sz="3000" dirty="0">
+              <a:rPr lang="en-US" sz="3000">
                 <a:solidFill>
                   <a:schemeClr val="bg1"/>
                 </a:solidFill>
               </a:rPr>
-              <a:t>Lorem ipsum dolor sit </a:t>
-            </a:r>
-            <a:r>
-              <a:rPr lang="en-US" sz="3000" dirty="0" err="1">
-                <a:solidFill>
-                  <a:schemeClr val="bg1"/>
-                </a:solidFill>
-              </a:rPr>
-              <a:t>amet</a:t>
-            </a:r>
-            <a:r>
-              <a:rPr lang="en-US" sz="3000" dirty="0">
-                <a:solidFill>
-                  <a:schemeClr val="bg1"/>
-                </a:solidFill>
-              </a:rPr>
-              <a:t>, </a:t>
-            </a:r>
-            <a:r>
-              <a:rPr lang="en-US" sz="3000" dirty="0" err="1">
-                <a:solidFill>
-                  <a:schemeClr val="bg1"/>
-                </a:solidFill>
-              </a:rPr>
-              <a:t>consectetur</a:t>
-            </a:r>
-            <a:r>
-              <a:rPr lang="en-US" sz="3000" dirty="0">
-                <a:solidFill>
-                  <a:schemeClr val="bg1"/>
-                </a:solidFill>
-              </a:rPr>
-              <a:t> </a:t>
-            </a:r>
-            <a:r>
-              <a:rPr lang="en-US" sz="3000" dirty="0" err="1">
-                <a:solidFill>
-                  <a:schemeClr val="bg1"/>
-                </a:solidFill>
-              </a:rPr>
-              <a:t>adipiscing</a:t>
-            </a:r>
-            <a:r>
-              <a:rPr lang="en-US" sz="3000" dirty="0">
-                <a:solidFill>
-                  <a:schemeClr val="bg1"/>
-                </a:solidFill>
-              </a:rPr>
-              <a:t> </a:t>
-            </a:r>
-            <a:r>
-              <a:rPr lang="en-US" sz="3000" dirty="0" err="1">
-                <a:solidFill>
-                  <a:schemeClr val="bg1"/>
-                </a:solidFill>
-              </a:rPr>
-              <a:t>elit</a:t>
-            </a:r>
-            <a:r>
-              <a:rPr lang="en-US" sz="3000" dirty="0">
-                <a:solidFill>
-                  <a:schemeClr val="bg1"/>
-                </a:solidFill>
-              </a:rPr>
-              <a:t>. </a:t>
-            </a:r>
-            <a:r>
-              <a:rPr lang="en-US" sz="3000" dirty="0" err="1">
-                <a:solidFill>
-                  <a:schemeClr val="bg1"/>
-                </a:solidFill>
-              </a:rPr>
-              <a:t>Nulla</a:t>
-            </a:r>
-            <a:r>
-              <a:rPr lang="en-US" sz="3000" dirty="0">
-                <a:solidFill>
-                  <a:schemeClr val="bg1"/>
-                </a:solidFill>
-              </a:rPr>
-              <a:t> </a:t>
-            </a:r>
-            <a:r>
-              <a:rPr lang="en-US" sz="3000" dirty="0" err="1">
-                <a:solidFill>
-                  <a:schemeClr val="bg1"/>
-                </a:solidFill>
-              </a:rPr>
-              <a:t>facilisi</a:t>
-            </a:r>
-            <a:r>
-              <a:rPr lang="en-US" sz="3000" dirty="0">
-                <a:solidFill>
-                  <a:schemeClr val="bg1"/>
-                </a:solidFill>
-              </a:rPr>
-              <a:t>. Maecenas </a:t>
-            </a:r>
-            <a:r>
-              <a:rPr lang="en-US" sz="3000" dirty="0" err="1">
-                <a:solidFill>
-                  <a:schemeClr val="bg1"/>
-                </a:solidFill>
-              </a:rPr>
-              <a:t>feugiat</a:t>
-            </a:r>
-            <a:r>
-              <a:rPr lang="en-US" sz="3000" dirty="0">
-                <a:solidFill>
-                  <a:schemeClr val="bg1"/>
-                </a:solidFill>
-              </a:rPr>
-              <a:t> </a:t>
-            </a:r>
-            <a:r>
-              <a:rPr lang="en-US" sz="3000" dirty="0" err="1">
-                <a:solidFill>
-                  <a:schemeClr val="bg1"/>
-                </a:solidFill>
-              </a:rPr>
-              <a:t>bibendum</a:t>
-            </a:r>
-            <a:r>
-              <a:rPr lang="en-US" sz="3000" dirty="0">
-                <a:solidFill>
-                  <a:schemeClr val="bg1"/>
-                </a:solidFill>
-              </a:rPr>
-              <a:t> convallis. </a:t>
-            </a:r>
-            <a:r>
-              <a:rPr lang="en-US" sz="3000" dirty="0" err="1">
-                <a:solidFill>
-                  <a:schemeClr val="bg1"/>
-                </a:solidFill>
-              </a:rPr>
-              <a:t>Praesent</a:t>
-            </a:r>
-            <a:r>
-              <a:rPr lang="en-US" sz="3000" dirty="0">
-                <a:solidFill>
-                  <a:schemeClr val="bg1"/>
-                </a:solidFill>
-              </a:rPr>
-              <a:t> et dui </a:t>
-            </a:r>
-            <a:r>
-              <a:rPr lang="en-US" sz="3000" dirty="0" err="1">
-                <a:solidFill>
-                  <a:schemeClr val="bg1"/>
-                </a:solidFill>
-              </a:rPr>
-              <a:t>mauris</a:t>
-            </a:r>
-            <a:r>
-              <a:rPr lang="en-US" sz="3000" dirty="0">
-                <a:solidFill>
-                  <a:schemeClr val="bg1"/>
-                </a:solidFill>
-              </a:rPr>
-              <a:t>, </a:t>
-            </a:r>
-            <a:r>
-              <a:rPr lang="en-US" sz="3000" dirty="0" err="1">
-                <a:solidFill>
-                  <a:schemeClr val="bg1"/>
-                </a:solidFill>
-              </a:rPr>
-              <a:t>ullamcorper</a:t>
-            </a:r>
-            <a:r>
-              <a:rPr lang="en-US" sz="3000" dirty="0">
-                <a:solidFill>
-                  <a:schemeClr val="bg1"/>
-                </a:solidFill>
-              </a:rPr>
-              <a:t> semper </a:t>
-            </a:r>
-            <a:r>
-              <a:rPr lang="en-US" sz="3000" dirty="0" err="1">
-                <a:solidFill>
-                  <a:schemeClr val="bg1"/>
-                </a:solidFill>
-              </a:rPr>
-              <a:t>justo</a:t>
-            </a:r>
-            <a:r>
-              <a:rPr lang="en-US" sz="3000" dirty="0">
-                <a:solidFill>
-                  <a:schemeClr val="bg1"/>
-                </a:solidFill>
-              </a:rPr>
-              <a:t>. </a:t>
-            </a:r>
-            <a:r>
-              <a:rPr lang="en-US" sz="3000" dirty="0" err="1">
-                <a:solidFill>
-                  <a:schemeClr val="bg1"/>
-                </a:solidFill>
-              </a:rPr>
-              <a:t>Curabitur</a:t>
-            </a:r>
-            <a:r>
-              <a:rPr lang="en-US" sz="3000" dirty="0">
-                <a:solidFill>
-                  <a:schemeClr val="bg1"/>
-                </a:solidFill>
-              </a:rPr>
-              <a:t> </a:t>
-            </a:r>
-            <a:r>
-              <a:rPr lang="en-US" sz="3000" dirty="0" smtClean="0">
-                <a:solidFill>
-                  <a:schemeClr val="bg1"/>
-                </a:solidFill>
-              </a:rPr>
-              <a:t>sit. </a:t>
-            </a:r>
-            <a:r>
-              <a:rPr lang="en-US" sz="3000" dirty="0">
-                <a:solidFill>
-                  <a:schemeClr val="bg1"/>
-                </a:solidFill>
-              </a:rPr>
-              <a:t>. </a:t>
-            </a:r>
-            <a:r>
-              <a:rPr lang="en-US" sz="3000" dirty="0" err="1">
-                <a:solidFill>
-                  <a:schemeClr val="bg1"/>
-                </a:solidFill>
-              </a:rPr>
-              <a:t>Nulla</a:t>
-            </a:r>
-            <a:r>
-              <a:rPr lang="en-US" sz="3000" dirty="0">
-                <a:solidFill>
-                  <a:schemeClr val="bg1"/>
-                </a:solidFill>
-              </a:rPr>
-              <a:t> </a:t>
-            </a:r>
-            <a:r>
-              <a:rPr lang="en-US" sz="3000" dirty="0" err="1">
-                <a:solidFill>
-                  <a:schemeClr val="bg1"/>
-                </a:solidFill>
-              </a:rPr>
-              <a:t>facilisi</a:t>
-            </a:r>
-            <a:r>
-              <a:rPr lang="en-US" sz="3000" dirty="0">
-                <a:solidFill>
-                  <a:schemeClr val="bg1"/>
-                </a:solidFill>
-              </a:rPr>
-              <a:t>. Maecenas </a:t>
-            </a:r>
-            <a:r>
-              <a:rPr lang="en-US" sz="3000" dirty="0" err="1">
-                <a:solidFill>
-                  <a:schemeClr val="bg1"/>
-                </a:solidFill>
-              </a:rPr>
-              <a:t>feugiat</a:t>
-            </a:r>
-            <a:r>
-              <a:rPr lang="en-US" sz="3000" dirty="0">
-                <a:solidFill>
-                  <a:schemeClr val="bg1"/>
-                </a:solidFill>
-              </a:rPr>
-              <a:t> </a:t>
-            </a:r>
-            <a:r>
-              <a:rPr lang="en-US" sz="3000" dirty="0" err="1">
-                <a:solidFill>
-                  <a:schemeClr val="bg1"/>
-                </a:solidFill>
-              </a:rPr>
-              <a:t>bibendum</a:t>
-            </a:r>
-            <a:r>
-              <a:rPr lang="en-US" sz="3000" dirty="0">
-                <a:solidFill>
-                  <a:schemeClr val="bg1"/>
-                </a:solidFill>
-              </a:rPr>
-              <a:t> convallis. </a:t>
-            </a:r>
-            <a:r>
-              <a:rPr lang="en-US" sz="3000" dirty="0" err="1">
-                <a:solidFill>
-                  <a:schemeClr val="bg1"/>
-                </a:solidFill>
-              </a:rPr>
-              <a:t>Praesent</a:t>
-            </a:r>
-            <a:r>
-              <a:rPr lang="en-US" sz="3000" dirty="0">
-                <a:solidFill>
-                  <a:schemeClr val="bg1"/>
-                </a:solidFill>
-              </a:rPr>
-              <a:t> et dui </a:t>
-            </a:r>
-            <a:r>
-              <a:rPr lang="en-US" sz="3000" dirty="0" err="1">
-                <a:solidFill>
-                  <a:schemeClr val="bg1"/>
-                </a:solidFill>
-              </a:rPr>
-              <a:t>mauris</a:t>
-            </a:r>
-            <a:r>
-              <a:rPr lang="en-US" sz="3000" dirty="0">
-                <a:solidFill>
-                  <a:schemeClr val="bg1"/>
-                </a:solidFill>
-              </a:rPr>
-              <a:t>, </a:t>
-            </a:r>
-            <a:r>
-              <a:rPr lang="en-US" sz="3000" dirty="0" err="1">
-                <a:solidFill>
-                  <a:schemeClr val="bg1"/>
-                </a:solidFill>
-              </a:rPr>
-              <a:t>ullamcorper</a:t>
-            </a:r>
-            <a:r>
-              <a:rPr lang="en-US" sz="3000" dirty="0">
-                <a:solidFill>
-                  <a:schemeClr val="bg1"/>
-                </a:solidFill>
-              </a:rPr>
-              <a:t> semper </a:t>
-            </a:r>
-            <a:r>
-              <a:rPr lang="en-US" sz="3000" dirty="0" err="1">
-                <a:solidFill>
-                  <a:schemeClr val="bg1"/>
-                </a:solidFill>
-              </a:rPr>
-              <a:t>justo</a:t>
-            </a:r>
-            <a:r>
-              <a:rPr lang="en-US" sz="3000" dirty="0">
-                <a:solidFill>
-                  <a:schemeClr val="bg1"/>
-                </a:solidFill>
-              </a:rPr>
-              <a:t>. </a:t>
-            </a:r>
-            <a:r>
-              <a:rPr lang="en-US" sz="3000" dirty="0" err="1">
-                <a:solidFill>
-                  <a:schemeClr val="bg1"/>
-                </a:solidFill>
-              </a:rPr>
-              <a:t>Curabitur</a:t>
-            </a:r>
-            <a:r>
-              <a:rPr lang="en-US" sz="3000" dirty="0">
-                <a:solidFill>
-                  <a:schemeClr val="bg1"/>
-                </a:solidFill>
-              </a:rPr>
-              <a:t> sit</a:t>
-            </a:r>
+              <a:t>Overall we were able to significantly increase query performance by optimizing the database to handle analytical workloads typical to a Data Warehouse.</a:t>
+            </a:r>
+            <a:endParaRPr lang="en-US" sz="3000">
+              <a:solidFill>
+                <a:srgbClr val="FFFFFF"/>
+              </a:solidFill>
+            </a:endParaRPr>
           </a:p>
           <a:p>
             <a:pPr>
@@ -8717,7 +6302,7 @@
                 <a:spcPts val="1800"/>
               </a:spcAft>
             </a:pPr>
-            <a:endParaRPr lang="en-US" sz="3000" dirty="0" smtClean="0">
+            <a:endParaRPr lang="en-US" sz="3000">
               <a:solidFill>
                 <a:schemeClr val="bg1"/>
               </a:solidFill>
@@ -8728,10 +6313,10 @@
               <a:spcAft>
                 <a:spcPts val="1800"/>
               </a:spcAft>
-              <a:buFont typeface="Arial"/>
+              <a:buFont typeface="Arial" panose="020B0604020202020204" pitchFamily="34" charset="0"/>
               <a:buChar char="•"/>
             </a:pPr>
-            <a:endParaRPr lang="en-US" sz="3000" dirty="0">
+            <a:endParaRPr lang="en-US" sz="3000">
               <a:solidFill>
                 <a:schemeClr val="bg1"/>
               </a:solidFill>
@@ -8745,7 +6330,7 @@
               <a:buFont typeface="Arial"/>
               <a:buChar char="•"/>
             </a:pPr>
-            <a:endParaRPr lang="en-US" sz="3000" dirty="0" smtClean="0">
+            <a:endParaRPr lang="en-US" sz="3000">
               <a:solidFill>
                 <a:schemeClr val="bg1"/>
               </a:solidFill>
@@ -8776,7 +6361,7 @@
         </p:blipFill>
         <p:spPr bwMode="auto">
           <a:xfrm>
-            <a:off x="34493200" y="5725688"/>
+            <a:off x="34985326" y="5305425"/>
             <a:ext cx="6311900" cy="6288524"/>
           </a:xfrm>
           <a:prstGeom prst="rect">
@@ -8810,32 +6395,8 @@
         </p:blipFill>
         <p:spPr>
           <a:xfrm>
-            <a:off x="22408162" y="25057759"/>
+            <a:off x="22317075" y="24954657"/>
             <a:ext cx="8802960" cy="6396528"/>
-          </a:xfrm>
-          <a:prstGeom prst="rect">
-            <a:avLst/>
-          </a:prstGeom>
-        </p:spPr>
-      </p:pic>
-      <p:pic>
-        <p:nvPicPr>
-          <p:cNvPr id="18" name="Picture 17"/>
-          <p:cNvPicPr>
-            <a:picLocks noChangeAspect="1"/>
-          </p:cNvPicPr>
-          <p:nvPr/>
-        </p:nvPicPr>
-        <p:blipFill>
-          <a:blip r:embed="rId5"/>
-          <a:stretch>
-            <a:fillRect/>
-          </a:stretch>
-        </p:blipFill>
-        <p:spPr>
-          <a:xfrm>
-            <a:off x="22670879" y="5841282"/>
-            <a:ext cx="8330486" cy="6048962"/>
           </a:xfrm>
           <a:prstGeom prst="rect">
             <a:avLst/>
@@ -8851,14 +6412,14 @@
           <p:nvPr/>
         </p:nvPicPr>
         <p:blipFill>
-          <a:blip r:embed="rId6"/>
+          <a:blip r:embed="rId5"/>
           <a:stretch>
             <a:fillRect/>
           </a:stretch>
         </p:blipFill>
         <p:spPr>
           <a:xfrm>
-            <a:off x="12802772" y="25350900"/>
+            <a:off x="12582525" y="24993601"/>
             <a:ext cx="8368540" cy="6076594"/>
           </a:xfrm>
           <a:prstGeom prst="rect">
@@ -8875,14 +6436,14 @@
           <p:nvPr/>
         </p:nvPicPr>
         <p:blipFill>
-          <a:blip r:embed="rId7"/>
+          <a:blip r:embed="rId6"/>
           <a:stretch>
             <a:fillRect/>
           </a:stretch>
         </p:blipFill>
         <p:spPr>
           <a:xfrm>
-            <a:off x="12802772" y="12579585"/>
+            <a:off x="12639675" y="13801725"/>
             <a:ext cx="8502219" cy="6173662"/>
           </a:xfrm>
           <a:prstGeom prst="rect">
@@ -8899,7 +6460,7 @@
           <p:nvPr/>
         </p:nvPicPr>
         <p:blipFill>
-          <a:blip r:embed="rId8">
+          <a:blip r:embed="rId7">
             <a:extLst>
               <a:ext uri="{28A0092B-C50C-407E-A947-70E740481C1C}">
                 <a14:useLocalDpi xmlns:a14="http://schemas.microsoft.com/office/drawing/2010/main" val="0"/>
@@ -8913,8 +6474,8 @@
         </p:blipFill>
         <p:spPr bwMode="auto">
           <a:xfrm>
-            <a:off x="1990968" y="24620614"/>
-            <a:ext cx="7087827" cy="7270817"/>
+            <a:off x="1943100" y="23831550"/>
+            <a:ext cx="7817380" cy="8020050"/>
           </a:xfrm>
           <a:prstGeom prst="rect">
             <a:avLst/>
@@ -8931,6 +6492,54 @@
           </a:extLst>
         </p:spPr>
       </p:pic>
+      <p:pic>
+        <p:nvPicPr>
+          <p:cNvPr id="5" name="Picture 4"/>
+          <p:cNvPicPr>
+            <a:picLocks noChangeAspect="1"/>
+          </p:cNvPicPr>
+          <p:nvPr/>
+        </p:nvPicPr>
+        <p:blipFill>
+          <a:blip r:embed="rId8"/>
+          <a:stretch>
+            <a:fillRect/>
+          </a:stretch>
+        </p:blipFill>
+        <p:spPr>
+          <a:xfrm>
+            <a:off x="22250401" y="5562600"/>
+            <a:ext cx="8745538" cy="6327556"/>
+          </a:xfrm>
+          <a:prstGeom prst="rect">
+            <a:avLst/>
+          </a:prstGeom>
+        </p:spPr>
+      </p:pic>
+      <p:pic>
+        <p:nvPicPr>
+          <p:cNvPr id="6" name="Picture 5"/>
+          <p:cNvPicPr>
+            <a:picLocks noChangeAspect="1"/>
+          </p:cNvPicPr>
+          <p:nvPr/>
+        </p:nvPicPr>
+        <p:blipFill>
+          <a:blip r:embed="rId9"/>
+          <a:stretch>
+            <a:fillRect/>
+          </a:stretch>
+        </p:blipFill>
+        <p:spPr>
+          <a:xfrm>
+            <a:off x="7534275" y="3849610"/>
+            <a:ext cx="2228850" cy="2216996"/>
+          </a:xfrm>
+          <a:prstGeom prst="rect">
+            <a:avLst/>
+          </a:prstGeom>
+        </p:spPr>
+      </p:pic>
     </p:spTree>
     <p:extLst>
       <p:ext uri="{BB962C8B-B14F-4D97-AF65-F5344CB8AC3E}">
@@ -8941,13 +6550,6 @@
   <p:clrMapOvr>
     <a:masterClrMapping/>
   </p:clrMapOvr>
-  <p:timing>
-    <p:tnLst>
-      <p:par>
-        <p:cTn id="1" dur="indefinite" restart="never" nodeType="tmRoot"/>
-      </p:par>
-    </p:tnLst>
-  </p:timing>
 </p:sld>
 </file>
 
